--- a/docs/diagrams/UiComponentClassDiagram.pptx
+++ b/docs/diagrams/UiComponentClassDiagram.pptx
@@ -53,7 +53,7 @@
       </p:grpSpPr>
       <p:sp>
         <p:nvSpPr>
-          <p:cNvPr id="26" name="PlaceHolder 1"/>
+          <p:cNvPr id="21" name="PlaceHolder 1"/>
           <p:cNvSpPr>
             <a:spLocks noGrp="1"/>
           </p:cNvSpPr>
@@ -73,23 +73,24 @@
         <p:txBody>
           <a:bodyPr lIns="0" rIns="0" tIns="0" bIns="0" anchor="ctr"/>
           <a:p>
-            <a:endParaRPr b="0" lang="en-US" sz="1800" spc="-1" strike="noStrike">
-              <a:solidFill>
-                <a:srgbClr val="000000"/>
-              </a:solidFill>
-              <a:uFill>
-                <a:solidFill>
-                  <a:srgbClr val="ffffff"/>
-                </a:solidFill>
-              </a:uFill>
-              <a:latin typeface="Calibri"/>
-            </a:endParaRPr>
-          </a:p>
-        </p:txBody>
-      </p:sp>
-      <p:sp>
-        <p:nvSpPr>
-          <p:cNvPr id="27" name="PlaceHolder 2"/>
+            <a:pPr algn="ctr"/>
+            <a:endParaRPr b="0" lang="en-US" sz="4400" spc="-1" strike="noStrike">
+              <a:solidFill>
+                <a:srgbClr val="000000"/>
+              </a:solidFill>
+              <a:uFill>
+                <a:solidFill>
+                  <a:srgbClr val="ffffff"/>
+                </a:solidFill>
+              </a:uFill>
+              <a:latin typeface="Arial"/>
+            </a:endParaRPr>
+          </a:p>
+        </p:txBody>
+      </p:sp>
+      <p:sp>
+        <p:nvSpPr>
+          <p:cNvPr id="22" name="PlaceHolder 2"/>
           <p:cNvSpPr>
             <a:spLocks noGrp="1"/>
           </p:cNvSpPr>
@@ -118,14 +119,14 @@
                   <a:srgbClr val="ffffff"/>
                 </a:solidFill>
               </a:uFill>
-              <a:latin typeface="Calibri"/>
-            </a:endParaRPr>
-          </a:p>
-        </p:txBody>
-      </p:sp>
-      <p:sp>
-        <p:nvSpPr>
-          <p:cNvPr id="28" name="PlaceHolder 3"/>
+              <a:latin typeface="Arial"/>
+            </a:endParaRPr>
+          </a:p>
+        </p:txBody>
+      </p:sp>
+      <p:sp>
+        <p:nvSpPr>
+          <p:cNvPr id="23" name="PlaceHolder 3"/>
           <p:cNvSpPr>
             <a:spLocks noGrp="1"/>
           </p:cNvSpPr>
@@ -154,7 +155,7 @@
                   <a:srgbClr val="ffffff"/>
                 </a:solidFill>
               </a:uFill>
-              <a:latin typeface="Calibri"/>
+              <a:latin typeface="Arial"/>
             </a:endParaRPr>
           </a:p>
         </p:txBody>
@@ -183,7 +184,7 @@
       </p:grpSpPr>
       <p:sp>
         <p:nvSpPr>
-          <p:cNvPr id="29" name="PlaceHolder 1"/>
+          <p:cNvPr id="24" name="PlaceHolder 1"/>
           <p:cNvSpPr>
             <a:spLocks noGrp="1"/>
           </p:cNvSpPr>
@@ -203,23 +204,24 @@
         <p:txBody>
           <a:bodyPr lIns="0" rIns="0" tIns="0" bIns="0" anchor="ctr"/>
           <a:p>
-            <a:endParaRPr b="0" lang="en-US" sz="1800" spc="-1" strike="noStrike">
-              <a:solidFill>
-                <a:srgbClr val="000000"/>
-              </a:solidFill>
-              <a:uFill>
-                <a:solidFill>
-                  <a:srgbClr val="ffffff"/>
-                </a:solidFill>
-              </a:uFill>
-              <a:latin typeface="Calibri"/>
-            </a:endParaRPr>
-          </a:p>
-        </p:txBody>
-      </p:sp>
-      <p:sp>
-        <p:nvSpPr>
-          <p:cNvPr id="30" name="PlaceHolder 2"/>
+            <a:pPr algn="ctr"/>
+            <a:endParaRPr b="0" lang="en-US" sz="4400" spc="-1" strike="noStrike">
+              <a:solidFill>
+                <a:srgbClr val="000000"/>
+              </a:solidFill>
+              <a:uFill>
+                <a:solidFill>
+                  <a:srgbClr val="ffffff"/>
+                </a:solidFill>
+              </a:uFill>
+              <a:latin typeface="Arial"/>
+            </a:endParaRPr>
+          </a:p>
+        </p:txBody>
+      </p:sp>
+      <p:sp>
+        <p:nvSpPr>
+          <p:cNvPr id="25" name="PlaceHolder 2"/>
           <p:cNvSpPr>
             <a:spLocks noGrp="1"/>
           </p:cNvSpPr>
@@ -248,14 +250,14 @@
                   <a:srgbClr val="ffffff"/>
                 </a:solidFill>
               </a:uFill>
-              <a:latin typeface="Calibri"/>
-            </a:endParaRPr>
-          </a:p>
-        </p:txBody>
-      </p:sp>
-      <p:sp>
-        <p:nvSpPr>
-          <p:cNvPr id="31" name="PlaceHolder 3"/>
+              <a:latin typeface="Arial"/>
+            </a:endParaRPr>
+          </a:p>
+        </p:txBody>
+      </p:sp>
+      <p:sp>
+        <p:nvSpPr>
+          <p:cNvPr id="26" name="PlaceHolder 3"/>
           <p:cNvSpPr>
             <a:spLocks noGrp="1"/>
           </p:cNvSpPr>
@@ -284,14 +286,14 @@
                   <a:srgbClr val="ffffff"/>
                 </a:solidFill>
               </a:uFill>
-              <a:latin typeface="Calibri"/>
-            </a:endParaRPr>
-          </a:p>
-        </p:txBody>
-      </p:sp>
-      <p:sp>
-        <p:nvSpPr>
-          <p:cNvPr id="32" name="PlaceHolder 4"/>
+              <a:latin typeface="Arial"/>
+            </a:endParaRPr>
+          </a:p>
+        </p:txBody>
+      </p:sp>
+      <p:sp>
+        <p:nvSpPr>
+          <p:cNvPr id="27" name="PlaceHolder 4"/>
           <p:cNvSpPr>
             <a:spLocks noGrp="1"/>
           </p:cNvSpPr>
@@ -320,14 +322,14 @@
                   <a:srgbClr val="ffffff"/>
                 </a:solidFill>
               </a:uFill>
-              <a:latin typeface="Calibri"/>
-            </a:endParaRPr>
-          </a:p>
-        </p:txBody>
-      </p:sp>
-      <p:sp>
-        <p:nvSpPr>
-          <p:cNvPr id="33" name="PlaceHolder 5"/>
+              <a:latin typeface="Arial"/>
+            </a:endParaRPr>
+          </a:p>
+        </p:txBody>
+      </p:sp>
+      <p:sp>
+        <p:nvSpPr>
+          <p:cNvPr id="28" name="PlaceHolder 5"/>
           <p:cNvSpPr>
             <a:spLocks noGrp="1"/>
           </p:cNvSpPr>
@@ -356,7 +358,7 @@
                   <a:srgbClr val="ffffff"/>
                 </a:solidFill>
               </a:uFill>
-              <a:latin typeface="Calibri"/>
+              <a:latin typeface="Arial"/>
             </a:endParaRPr>
           </a:p>
         </p:txBody>
@@ -385,7 +387,7 @@
       </p:grpSpPr>
       <p:sp>
         <p:nvSpPr>
-          <p:cNvPr id="34" name="PlaceHolder 1"/>
+          <p:cNvPr id="29" name="PlaceHolder 1"/>
           <p:cNvSpPr>
             <a:spLocks noGrp="1"/>
           </p:cNvSpPr>
@@ -405,23 +407,24 @@
         <p:txBody>
           <a:bodyPr lIns="0" rIns="0" tIns="0" bIns="0" anchor="ctr"/>
           <a:p>
-            <a:endParaRPr b="0" lang="en-US" sz="1800" spc="-1" strike="noStrike">
-              <a:solidFill>
-                <a:srgbClr val="000000"/>
-              </a:solidFill>
-              <a:uFill>
-                <a:solidFill>
-                  <a:srgbClr val="ffffff"/>
-                </a:solidFill>
-              </a:uFill>
-              <a:latin typeface="Calibri"/>
-            </a:endParaRPr>
-          </a:p>
-        </p:txBody>
-      </p:sp>
-      <p:sp>
-        <p:nvSpPr>
-          <p:cNvPr id="35" name="PlaceHolder 2"/>
+            <a:pPr algn="ctr"/>
+            <a:endParaRPr b="0" lang="en-US" sz="4400" spc="-1" strike="noStrike">
+              <a:solidFill>
+                <a:srgbClr val="000000"/>
+              </a:solidFill>
+              <a:uFill>
+                <a:solidFill>
+                  <a:srgbClr val="ffffff"/>
+                </a:solidFill>
+              </a:uFill>
+              <a:latin typeface="Arial"/>
+            </a:endParaRPr>
+          </a:p>
+        </p:txBody>
+      </p:sp>
+      <p:sp>
+        <p:nvSpPr>
+          <p:cNvPr id="30" name="PlaceHolder 2"/>
           <p:cNvSpPr>
             <a:spLocks noGrp="1"/>
           </p:cNvSpPr>
@@ -450,14 +453,14 @@
                   <a:srgbClr val="ffffff"/>
                 </a:solidFill>
               </a:uFill>
-              <a:latin typeface="Calibri"/>
-            </a:endParaRPr>
-          </a:p>
-        </p:txBody>
-      </p:sp>
-      <p:sp>
-        <p:nvSpPr>
-          <p:cNvPr id="36" name="PlaceHolder 3"/>
+              <a:latin typeface="Arial"/>
+            </a:endParaRPr>
+          </a:p>
+        </p:txBody>
+      </p:sp>
+      <p:sp>
+        <p:nvSpPr>
+          <p:cNvPr id="31" name="PlaceHolder 3"/>
           <p:cNvSpPr>
             <a:spLocks noGrp="1"/>
           </p:cNvSpPr>
@@ -486,14 +489,14 @@
                   <a:srgbClr val="ffffff"/>
                 </a:solidFill>
               </a:uFill>
-              <a:latin typeface="Calibri"/>
+              <a:latin typeface="Arial"/>
             </a:endParaRPr>
           </a:p>
         </p:txBody>
       </p:sp>
       <p:pic>
         <p:nvPicPr>
-          <p:cNvPr id="37" name="" descr=""/>
+          <p:cNvPr id="32" name="" descr=""/>
           <p:cNvPicPr/>
           <p:nvPr/>
         </p:nvPicPr>
@@ -516,7 +519,7 @@
       </p:pic>
       <p:pic>
         <p:nvPicPr>
-          <p:cNvPr id="38" name="" descr=""/>
+          <p:cNvPr id="33" name="" descr=""/>
           <p:cNvPicPr/>
           <p:nvPr/>
         </p:nvPicPr>
@@ -561,7 +564,7 @@
       </p:grpSpPr>
       <p:sp>
         <p:nvSpPr>
-          <p:cNvPr id="5" name="PlaceHolder 1"/>
+          <p:cNvPr id="0" name="PlaceHolder 1"/>
           <p:cNvSpPr>
             <a:spLocks noGrp="1"/>
           </p:cNvSpPr>
@@ -581,23 +584,24 @@
         <p:txBody>
           <a:bodyPr lIns="0" rIns="0" tIns="0" bIns="0" anchor="ctr"/>
           <a:p>
-            <a:endParaRPr b="0" lang="en-US" sz="1800" spc="-1" strike="noStrike">
-              <a:solidFill>
-                <a:srgbClr val="000000"/>
-              </a:solidFill>
-              <a:uFill>
-                <a:solidFill>
-                  <a:srgbClr val="ffffff"/>
-                </a:solidFill>
-              </a:uFill>
-              <a:latin typeface="Calibri"/>
-            </a:endParaRPr>
-          </a:p>
-        </p:txBody>
-      </p:sp>
-      <p:sp>
-        <p:nvSpPr>
-          <p:cNvPr id="6" name="PlaceHolder 2"/>
+            <a:pPr algn="ctr"/>
+            <a:endParaRPr b="0" lang="en-US" sz="4400" spc="-1" strike="noStrike">
+              <a:solidFill>
+                <a:srgbClr val="000000"/>
+              </a:solidFill>
+              <a:uFill>
+                <a:solidFill>
+                  <a:srgbClr val="ffffff"/>
+                </a:solidFill>
+              </a:uFill>
+              <a:latin typeface="Arial"/>
+            </a:endParaRPr>
+          </a:p>
+        </p:txBody>
+      </p:sp>
+      <p:sp>
+        <p:nvSpPr>
+          <p:cNvPr id="1" name="PlaceHolder 2"/>
           <p:cNvSpPr>
             <a:spLocks noGrp="1"/>
           </p:cNvSpPr>
@@ -656,7 +660,7 @@
       </p:grpSpPr>
       <p:sp>
         <p:nvSpPr>
-          <p:cNvPr id="7" name="PlaceHolder 1"/>
+          <p:cNvPr id="2" name="PlaceHolder 1"/>
           <p:cNvSpPr>
             <a:spLocks noGrp="1"/>
           </p:cNvSpPr>
@@ -676,23 +680,24 @@
         <p:txBody>
           <a:bodyPr lIns="0" rIns="0" tIns="0" bIns="0" anchor="ctr"/>
           <a:p>
-            <a:endParaRPr b="0" lang="en-US" sz="1800" spc="-1" strike="noStrike">
-              <a:solidFill>
-                <a:srgbClr val="000000"/>
-              </a:solidFill>
-              <a:uFill>
-                <a:solidFill>
-                  <a:srgbClr val="ffffff"/>
-                </a:solidFill>
-              </a:uFill>
-              <a:latin typeface="Calibri"/>
-            </a:endParaRPr>
-          </a:p>
-        </p:txBody>
-      </p:sp>
-      <p:sp>
-        <p:nvSpPr>
-          <p:cNvPr id="8" name="PlaceHolder 2"/>
+            <a:pPr algn="ctr"/>
+            <a:endParaRPr b="0" lang="en-US" sz="4400" spc="-1" strike="noStrike">
+              <a:solidFill>
+                <a:srgbClr val="000000"/>
+              </a:solidFill>
+              <a:uFill>
+                <a:solidFill>
+                  <a:srgbClr val="ffffff"/>
+                </a:solidFill>
+              </a:uFill>
+              <a:latin typeface="Arial"/>
+            </a:endParaRPr>
+          </a:p>
+        </p:txBody>
+      </p:sp>
+      <p:sp>
+        <p:nvSpPr>
+          <p:cNvPr id="3" name="PlaceHolder 2"/>
           <p:cNvSpPr>
             <a:spLocks noGrp="1"/>
           </p:cNvSpPr>
@@ -721,7 +726,7 @@
                   <a:srgbClr val="ffffff"/>
                 </a:solidFill>
               </a:uFill>
-              <a:latin typeface="Calibri"/>
+              <a:latin typeface="Arial"/>
             </a:endParaRPr>
           </a:p>
         </p:txBody>
@@ -750,7 +755,7 @@
       </p:grpSpPr>
       <p:sp>
         <p:nvSpPr>
-          <p:cNvPr id="9" name="PlaceHolder 1"/>
+          <p:cNvPr id="4" name="PlaceHolder 1"/>
           <p:cNvSpPr>
             <a:spLocks noGrp="1"/>
           </p:cNvSpPr>
@@ -770,23 +775,24 @@
         <p:txBody>
           <a:bodyPr lIns="0" rIns="0" tIns="0" bIns="0" anchor="ctr"/>
           <a:p>
-            <a:endParaRPr b="0" lang="en-US" sz="1800" spc="-1" strike="noStrike">
-              <a:solidFill>
-                <a:srgbClr val="000000"/>
-              </a:solidFill>
-              <a:uFill>
-                <a:solidFill>
-                  <a:srgbClr val="ffffff"/>
-                </a:solidFill>
-              </a:uFill>
-              <a:latin typeface="Calibri"/>
-            </a:endParaRPr>
-          </a:p>
-        </p:txBody>
-      </p:sp>
-      <p:sp>
-        <p:nvSpPr>
-          <p:cNvPr id="10" name="PlaceHolder 2"/>
+            <a:pPr algn="ctr"/>
+            <a:endParaRPr b="0" lang="en-US" sz="4400" spc="-1" strike="noStrike">
+              <a:solidFill>
+                <a:srgbClr val="000000"/>
+              </a:solidFill>
+              <a:uFill>
+                <a:solidFill>
+                  <a:srgbClr val="ffffff"/>
+                </a:solidFill>
+              </a:uFill>
+              <a:latin typeface="Arial"/>
+            </a:endParaRPr>
+          </a:p>
+        </p:txBody>
+      </p:sp>
+      <p:sp>
+        <p:nvSpPr>
+          <p:cNvPr id="5" name="PlaceHolder 2"/>
           <p:cNvSpPr>
             <a:spLocks noGrp="1"/>
           </p:cNvSpPr>
@@ -815,14 +821,14 @@
                   <a:srgbClr val="ffffff"/>
                 </a:solidFill>
               </a:uFill>
-              <a:latin typeface="Calibri"/>
-            </a:endParaRPr>
-          </a:p>
-        </p:txBody>
-      </p:sp>
-      <p:sp>
-        <p:nvSpPr>
-          <p:cNvPr id="11" name="PlaceHolder 3"/>
+              <a:latin typeface="Arial"/>
+            </a:endParaRPr>
+          </a:p>
+        </p:txBody>
+      </p:sp>
+      <p:sp>
+        <p:nvSpPr>
+          <p:cNvPr id="6" name="PlaceHolder 3"/>
           <p:cNvSpPr>
             <a:spLocks noGrp="1"/>
           </p:cNvSpPr>
@@ -851,7 +857,7 @@
                   <a:srgbClr val="ffffff"/>
                 </a:solidFill>
               </a:uFill>
-              <a:latin typeface="Calibri"/>
+              <a:latin typeface="Arial"/>
             </a:endParaRPr>
           </a:p>
         </p:txBody>
@@ -880,7 +886,7 @@
       </p:grpSpPr>
       <p:sp>
         <p:nvSpPr>
-          <p:cNvPr id="12" name="PlaceHolder 1"/>
+          <p:cNvPr id="7" name="PlaceHolder 1"/>
           <p:cNvSpPr>
             <a:spLocks noGrp="1"/>
           </p:cNvSpPr>
@@ -900,16 +906,17 @@
         <p:txBody>
           <a:bodyPr lIns="0" rIns="0" tIns="0" bIns="0" anchor="ctr"/>
           <a:p>
-            <a:endParaRPr b="0" lang="en-US" sz="1800" spc="-1" strike="noStrike">
-              <a:solidFill>
-                <a:srgbClr val="000000"/>
-              </a:solidFill>
-              <a:uFill>
-                <a:solidFill>
-                  <a:srgbClr val="ffffff"/>
-                </a:solidFill>
-              </a:uFill>
-              <a:latin typeface="Calibri"/>
+            <a:pPr algn="ctr"/>
+            <a:endParaRPr b="0" lang="en-US" sz="4400" spc="-1" strike="noStrike">
+              <a:solidFill>
+                <a:srgbClr val="000000"/>
+              </a:solidFill>
+              <a:uFill>
+                <a:solidFill>
+                  <a:srgbClr val="ffffff"/>
+                </a:solidFill>
+              </a:uFill>
+              <a:latin typeface="Arial"/>
             </a:endParaRPr>
           </a:p>
         </p:txBody>
@@ -938,7 +945,7 @@
       </p:grpSpPr>
       <p:sp>
         <p:nvSpPr>
-          <p:cNvPr id="13" name="PlaceHolder 1"/>
+          <p:cNvPr id="8" name="PlaceHolder 1"/>
           <p:cNvSpPr>
             <a:spLocks noGrp="1"/>
           </p:cNvSpPr>
@@ -997,7 +1004,7 @@
       </p:grpSpPr>
       <p:sp>
         <p:nvSpPr>
-          <p:cNvPr id="14" name="PlaceHolder 1"/>
+          <p:cNvPr id="9" name="PlaceHolder 1"/>
           <p:cNvSpPr>
             <a:spLocks noGrp="1"/>
           </p:cNvSpPr>
@@ -1017,23 +1024,24 @@
         <p:txBody>
           <a:bodyPr lIns="0" rIns="0" tIns="0" bIns="0" anchor="ctr"/>
           <a:p>
-            <a:endParaRPr b="0" lang="en-US" sz="1800" spc="-1" strike="noStrike">
-              <a:solidFill>
-                <a:srgbClr val="000000"/>
-              </a:solidFill>
-              <a:uFill>
-                <a:solidFill>
-                  <a:srgbClr val="ffffff"/>
-                </a:solidFill>
-              </a:uFill>
-              <a:latin typeface="Calibri"/>
-            </a:endParaRPr>
-          </a:p>
-        </p:txBody>
-      </p:sp>
-      <p:sp>
-        <p:nvSpPr>
-          <p:cNvPr id="15" name="PlaceHolder 2"/>
+            <a:pPr algn="ctr"/>
+            <a:endParaRPr b="0" lang="en-US" sz="4400" spc="-1" strike="noStrike">
+              <a:solidFill>
+                <a:srgbClr val="000000"/>
+              </a:solidFill>
+              <a:uFill>
+                <a:solidFill>
+                  <a:srgbClr val="ffffff"/>
+                </a:solidFill>
+              </a:uFill>
+              <a:latin typeface="Arial"/>
+            </a:endParaRPr>
+          </a:p>
+        </p:txBody>
+      </p:sp>
+      <p:sp>
+        <p:nvSpPr>
+          <p:cNvPr id="10" name="PlaceHolder 2"/>
           <p:cNvSpPr>
             <a:spLocks noGrp="1"/>
           </p:cNvSpPr>
@@ -1062,14 +1070,14 @@
                   <a:srgbClr val="ffffff"/>
                 </a:solidFill>
               </a:uFill>
-              <a:latin typeface="Calibri"/>
-            </a:endParaRPr>
-          </a:p>
-        </p:txBody>
-      </p:sp>
-      <p:sp>
-        <p:nvSpPr>
-          <p:cNvPr id="16" name="PlaceHolder 3"/>
+              <a:latin typeface="Arial"/>
+            </a:endParaRPr>
+          </a:p>
+        </p:txBody>
+      </p:sp>
+      <p:sp>
+        <p:nvSpPr>
+          <p:cNvPr id="11" name="PlaceHolder 3"/>
           <p:cNvSpPr>
             <a:spLocks noGrp="1"/>
           </p:cNvSpPr>
@@ -1098,14 +1106,14 @@
                   <a:srgbClr val="ffffff"/>
                 </a:solidFill>
               </a:uFill>
-              <a:latin typeface="Calibri"/>
-            </a:endParaRPr>
-          </a:p>
-        </p:txBody>
-      </p:sp>
-      <p:sp>
-        <p:nvSpPr>
-          <p:cNvPr id="17" name="PlaceHolder 4"/>
+              <a:latin typeface="Arial"/>
+            </a:endParaRPr>
+          </a:p>
+        </p:txBody>
+      </p:sp>
+      <p:sp>
+        <p:nvSpPr>
+          <p:cNvPr id="12" name="PlaceHolder 4"/>
           <p:cNvSpPr>
             <a:spLocks noGrp="1"/>
           </p:cNvSpPr>
@@ -1134,7 +1142,7 @@
                   <a:srgbClr val="ffffff"/>
                 </a:solidFill>
               </a:uFill>
-              <a:latin typeface="Calibri"/>
+              <a:latin typeface="Arial"/>
             </a:endParaRPr>
           </a:p>
         </p:txBody>
@@ -1163,7 +1171,7 @@
       </p:grpSpPr>
       <p:sp>
         <p:nvSpPr>
-          <p:cNvPr id="18" name="PlaceHolder 1"/>
+          <p:cNvPr id="13" name="PlaceHolder 1"/>
           <p:cNvSpPr>
             <a:spLocks noGrp="1"/>
           </p:cNvSpPr>
@@ -1183,23 +1191,24 @@
         <p:txBody>
           <a:bodyPr lIns="0" rIns="0" tIns="0" bIns="0" anchor="ctr"/>
           <a:p>
-            <a:endParaRPr b="0" lang="en-US" sz="1800" spc="-1" strike="noStrike">
-              <a:solidFill>
-                <a:srgbClr val="000000"/>
-              </a:solidFill>
-              <a:uFill>
-                <a:solidFill>
-                  <a:srgbClr val="ffffff"/>
-                </a:solidFill>
-              </a:uFill>
-              <a:latin typeface="Calibri"/>
-            </a:endParaRPr>
-          </a:p>
-        </p:txBody>
-      </p:sp>
-      <p:sp>
-        <p:nvSpPr>
-          <p:cNvPr id="19" name="PlaceHolder 2"/>
+            <a:pPr algn="ctr"/>
+            <a:endParaRPr b="0" lang="en-US" sz="4400" spc="-1" strike="noStrike">
+              <a:solidFill>
+                <a:srgbClr val="000000"/>
+              </a:solidFill>
+              <a:uFill>
+                <a:solidFill>
+                  <a:srgbClr val="ffffff"/>
+                </a:solidFill>
+              </a:uFill>
+              <a:latin typeface="Arial"/>
+            </a:endParaRPr>
+          </a:p>
+        </p:txBody>
+      </p:sp>
+      <p:sp>
+        <p:nvSpPr>
+          <p:cNvPr id="14" name="PlaceHolder 2"/>
           <p:cNvSpPr>
             <a:spLocks noGrp="1"/>
           </p:cNvSpPr>
@@ -1228,14 +1237,14 @@
                   <a:srgbClr val="ffffff"/>
                 </a:solidFill>
               </a:uFill>
-              <a:latin typeface="Calibri"/>
-            </a:endParaRPr>
-          </a:p>
-        </p:txBody>
-      </p:sp>
-      <p:sp>
-        <p:nvSpPr>
-          <p:cNvPr id="20" name="PlaceHolder 3"/>
+              <a:latin typeface="Arial"/>
+            </a:endParaRPr>
+          </a:p>
+        </p:txBody>
+      </p:sp>
+      <p:sp>
+        <p:nvSpPr>
+          <p:cNvPr id="15" name="PlaceHolder 3"/>
           <p:cNvSpPr>
             <a:spLocks noGrp="1"/>
           </p:cNvSpPr>
@@ -1264,14 +1273,14 @@
                   <a:srgbClr val="ffffff"/>
                 </a:solidFill>
               </a:uFill>
-              <a:latin typeface="Calibri"/>
-            </a:endParaRPr>
-          </a:p>
-        </p:txBody>
-      </p:sp>
-      <p:sp>
-        <p:nvSpPr>
-          <p:cNvPr id="21" name="PlaceHolder 4"/>
+              <a:latin typeface="Arial"/>
+            </a:endParaRPr>
+          </a:p>
+        </p:txBody>
+      </p:sp>
+      <p:sp>
+        <p:nvSpPr>
+          <p:cNvPr id="16" name="PlaceHolder 4"/>
           <p:cNvSpPr>
             <a:spLocks noGrp="1"/>
           </p:cNvSpPr>
@@ -1300,7 +1309,7 @@
                   <a:srgbClr val="ffffff"/>
                 </a:solidFill>
               </a:uFill>
-              <a:latin typeface="Calibri"/>
+              <a:latin typeface="Arial"/>
             </a:endParaRPr>
           </a:p>
         </p:txBody>
@@ -1329,7 +1338,7 @@
       </p:grpSpPr>
       <p:sp>
         <p:nvSpPr>
-          <p:cNvPr id="22" name="PlaceHolder 1"/>
+          <p:cNvPr id="17" name="PlaceHolder 1"/>
           <p:cNvSpPr>
             <a:spLocks noGrp="1"/>
           </p:cNvSpPr>
@@ -1349,23 +1358,24 @@
         <p:txBody>
           <a:bodyPr lIns="0" rIns="0" tIns="0" bIns="0" anchor="ctr"/>
           <a:p>
-            <a:endParaRPr b="0" lang="en-US" sz="1800" spc="-1" strike="noStrike">
-              <a:solidFill>
-                <a:srgbClr val="000000"/>
-              </a:solidFill>
-              <a:uFill>
-                <a:solidFill>
-                  <a:srgbClr val="ffffff"/>
-                </a:solidFill>
-              </a:uFill>
-              <a:latin typeface="Calibri"/>
-            </a:endParaRPr>
-          </a:p>
-        </p:txBody>
-      </p:sp>
-      <p:sp>
-        <p:nvSpPr>
-          <p:cNvPr id="23" name="PlaceHolder 2"/>
+            <a:pPr algn="ctr"/>
+            <a:endParaRPr b="0" lang="en-US" sz="4400" spc="-1" strike="noStrike">
+              <a:solidFill>
+                <a:srgbClr val="000000"/>
+              </a:solidFill>
+              <a:uFill>
+                <a:solidFill>
+                  <a:srgbClr val="ffffff"/>
+                </a:solidFill>
+              </a:uFill>
+              <a:latin typeface="Arial"/>
+            </a:endParaRPr>
+          </a:p>
+        </p:txBody>
+      </p:sp>
+      <p:sp>
+        <p:nvSpPr>
+          <p:cNvPr id="18" name="PlaceHolder 2"/>
           <p:cNvSpPr>
             <a:spLocks noGrp="1"/>
           </p:cNvSpPr>
@@ -1394,14 +1404,14 @@
                   <a:srgbClr val="ffffff"/>
                 </a:solidFill>
               </a:uFill>
-              <a:latin typeface="Calibri"/>
-            </a:endParaRPr>
-          </a:p>
-        </p:txBody>
-      </p:sp>
-      <p:sp>
-        <p:nvSpPr>
-          <p:cNvPr id="24" name="PlaceHolder 3"/>
+              <a:latin typeface="Arial"/>
+            </a:endParaRPr>
+          </a:p>
+        </p:txBody>
+      </p:sp>
+      <p:sp>
+        <p:nvSpPr>
+          <p:cNvPr id="19" name="PlaceHolder 3"/>
           <p:cNvSpPr>
             <a:spLocks noGrp="1"/>
           </p:cNvSpPr>
@@ -1430,14 +1440,14 @@
                   <a:srgbClr val="ffffff"/>
                 </a:solidFill>
               </a:uFill>
-              <a:latin typeface="Calibri"/>
-            </a:endParaRPr>
-          </a:p>
-        </p:txBody>
-      </p:sp>
-      <p:sp>
-        <p:nvSpPr>
-          <p:cNvPr id="25" name="PlaceHolder 4"/>
+              <a:latin typeface="Arial"/>
+            </a:endParaRPr>
+          </a:p>
+        </p:txBody>
+      </p:sp>
+      <p:sp>
+        <p:nvSpPr>
+          <p:cNvPr id="20" name="PlaceHolder 4"/>
           <p:cNvSpPr>
             <a:spLocks noGrp="1"/>
           </p:cNvSpPr>
@@ -1466,7 +1476,7 @@
                   <a:srgbClr val="ffffff"/>
                 </a:solidFill>
               </a:uFill>
-              <a:latin typeface="Calibri"/>
+              <a:latin typeface="Arial"/>
             </a:endParaRPr>
           </a:p>
         </p:txBody>
@@ -1500,470 +1510,6 @@
           <a:chExt cx="0" cy="0"/>
         </a:xfrm>
       </p:grpSpPr>
-      <p:sp>
-        <p:nvSpPr>
-          <p:cNvPr id="0" name="PlaceHolder 1"/>
-          <p:cNvSpPr>
-            <a:spLocks noGrp="1"/>
-          </p:cNvSpPr>
-          <p:nvPr>
-            <p:ph type="dt"/>
-          </p:nvPr>
-        </p:nvSpPr>
-        <p:spPr>
-          <a:xfrm>
-            <a:off x="457200" y="6356520"/>
-            <a:ext cx="2133360" cy="364680"/>
-          </a:xfrm>
-          <a:prstGeom prst="rect">
-            <a:avLst/>
-          </a:prstGeom>
-        </p:spPr>
-        <p:txBody>
-          <a:bodyPr anchor="ctr"/>
-          <a:p>
-            <a:pPr>
-              <a:lnSpc>
-                <a:spcPct val="100000"/>
-              </a:lnSpc>
-            </a:pPr>
-            <a:r>
-              <a:rPr b="0" lang="en-US" sz="1200" spc="-1" strike="noStrike">
-                <a:solidFill>
-                  <a:srgbClr val="8b8b8b"/>
-                </a:solidFill>
-                <a:uFill>
-                  <a:solidFill>
-                    <a:srgbClr val="ffffff"/>
-                  </a:solidFill>
-                </a:uFill>
-                <a:latin typeface="Calibri"/>
-              </a:rPr>
-              <a:t>4/8/17</a:t>
-            </a:r>
-            <a:endParaRPr b="0" lang="en-US" sz="1400" spc="-1" strike="noStrike">
-              <a:solidFill>
-                <a:srgbClr val="000000"/>
-              </a:solidFill>
-              <a:uFill>
-                <a:solidFill>
-                  <a:srgbClr val="ffffff"/>
-                </a:solidFill>
-              </a:uFill>
-              <a:latin typeface="Times New Roman"/>
-            </a:endParaRPr>
-          </a:p>
-        </p:txBody>
-      </p:sp>
-      <p:sp>
-        <p:nvSpPr>
-          <p:cNvPr id="1" name="PlaceHolder 2"/>
-          <p:cNvSpPr>
-            <a:spLocks noGrp="1"/>
-          </p:cNvSpPr>
-          <p:nvPr>
-            <p:ph type="ftr"/>
-          </p:nvPr>
-        </p:nvSpPr>
-        <p:spPr>
-          <a:xfrm>
-            <a:off x="3124080" y="6356520"/>
-            <a:ext cx="2895120" cy="364680"/>
-          </a:xfrm>
-          <a:prstGeom prst="rect">
-            <a:avLst/>
-          </a:prstGeom>
-        </p:spPr>
-        <p:txBody>
-          <a:bodyPr anchor="ctr"/>
-          <a:p>
-            <a:endParaRPr b="0" lang="en-US" sz="2400" spc="-1" strike="noStrike">
-              <a:solidFill>
-                <a:srgbClr val="000000"/>
-              </a:solidFill>
-              <a:uFill>
-                <a:solidFill>
-                  <a:srgbClr val="ffffff"/>
-                </a:solidFill>
-              </a:uFill>
-              <a:latin typeface="Times New Roman"/>
-            </a:endParaRPr>
-          </a:p>
-        </p:txBody>
-      </p:sp>
-      <p:sp>
-        <p:nvSpPr>
-          <p:cNvPr id="2" name="PlaceHolder 3"/>
-          <p:cNvSpPr>
-            <a:spLocks noGrp="1"/>
-          </p:cNvSpPr>
-          <p:nvPr>
-            <p:ph type="sldNum"/>
-          </p:nvPr>
-        </p:nvSpPr>
-        <p:spPr>
-          <a:xfrm>
-            <a:off x="6553080" y="6356520"/>
-            <a:ext cx="2133360" cy="364680"/>
-          </a:xfrm>
-          <a:prstGeom prst="rect">
-            <a:avLst/>
-          </a:prstGeom>
-        </p:spPr>
-        <p:txBody>
-          <a:bodyPr anchor="ctr"/>
-          <a:p>
-            <a:pPr algn="r">
-              <a:lnSpc>
-                <a:spcPct val="100000"/>
-              </a:lnSpc>
-            </a:pPr>
-            <a:fld id="{97B7DF07-DEF0-4278-9A1F-774C08BDC7FD}" type="slidenum">
-              <a:rPr b="0" lang="en-US" sz="1200" spc="-1" strike="noStrike">
-                <a:solidFill>
-                  <a:srgbClr val="8b8b8b"/>
-                </a:solidFill>
-                <a:uFill>
-                  <a:solidFill>
-                    <a:srgbClr val="ffffff"/>
-                  </a:solidFill>
-                </a:uFill>
-                <a:latin typeface="Calibri"/>
-              </a:rPr>
-              <a:t>&lt;number&gt;</a:t>
-            </a:fld>
-            <a:endParaRPr b="0" lang="en-US" sz="1400" spc="-1" strike="noStrike">
-              <a:solidFill>
-                <a:srgbClr val="000000"/>
-              </a:solidFill>
-              <a:uFill>
-                <a:solidFill>
-                  <a:srgbClr val="ffffff"/>
-                </a:solidFill>
-              </a:uFill>
-              <a:latin typeface="Times New Roman"/>
-            </a:endParaRPr>
-          </a:p>
-        </p:txBody>
-      </p:sp>
-      <p:sp>
-        <p:nvSpPr>
-          <p:cNvPr id="3" name="PlaceHolder 4"/>
-          <p:cNvSpPr>
-            <a:spLocks noGrp="1"/>
-          </p:cNvSpPr>
-          <p:nvPr>
-            <p:ph type="title"/>
-          </p:nvPr>
-        </p:nvSpPr>
-        <p:spPr>
-          <a:xfrm>
-            <a:off x="457200" y="273600"/>
-            <a:ext cx="8229240" cy="1144800"/>
-          </a:xfrm>
-          <a:prstGeom prst="rect">
-            <a:avLst/>
-          </a:prstGeom>
-        </p:spPr>
-        <p:txBody>
-          <a:bodyPr lIns="0" rIns="0" tIns="0" bIns="0" anchor="ctr"/>
-          <a:p>
-            <a:r>
-              <a:rPr b="0" lang="en-US" sz="1800" spc="-1" strike="noStrike">
-                <a:solidFill>
-                  <a:srgbClr val="000000"/>
-                </a:solidFill>
-                <a:uFill>
-                  <a:solidFill>
-                    <a:srgbClr val="ffffff"/>
-                  </a:solidFill>
-                </a:uFill>
-                <a:latin typeface="Calibri"/>
-              </a:rPr>
-              <a:t>Click to edit the title text format</a:t>
-            </a:r>
-            <a:endParaRPr b="0" lang="en-US" sz="1800" spc="-1" strike="noStrike">
-              <a:solidFill>
-                <a:srgbClr val="000000"/>
-              </a:solidFill>
-              <a:uFill>
-                <a:solidFill>
-                  <a:srgbClr val="ffffff"/>
-                </a:solidFill>
-              </a:uFill>
-              <a:latin typeface="Calibri"/>
-            </a:endParaRPr>
-          </a:p>
-        </p:txBody>
-      </p:sp>
-      <p:sp>
-        <p:nvSpPr>
-          <p:cNvPr id="4" name="PlaceHolder 5"/>
-          <p:cNvSpPr>
-            <a:spLocks noGrp="1"/>
-          </p:cNvSpPr>
-          <p:nvPr>
-            <p:ph type="body"/>
-          </p:nvPr>
-        </p:nvSpPr>
-        <p:spPr>
-          <a:xfrm>
-            <a:off x="457200" y="1604520"/>
-            <a:ext cx="8229240" cy="3977280"/>
-          </a:xfrm>
-          <a:prstGeom prst="rect">
-            <a:avLst/>
-          </a:prstGeom>
-        </p:spPr>
-        <p:txBody>
-          <a:bodyPr lIns="0" rIns="0" tIns="0" bIns="0"/>
-          <a:p>
-            <a:pPr marL="432000" indent="-324000">
-              <a:buClr>
-                <a:srgbClr val="000000"/>
-              </a:buClr>
-              <a:buSzPct val="45000"/>
-              <a:buFont typeface="Wingdings" charset="2"/>
-              <a:buChar char=""/>
-            </a:pPr>
-            <a:r>
-              <a:rPr b="0" lang="en-US" sz="3200" spc="-1" strike="noStrike">
-                <a:solidFill>
-                  <a:srgbClr val="000000"/>
-                </a:solidFill>
-                <a:uFill>
-                  <a:solidFill>
-                    <a:srgbClr val="ffffff"/>
-                  </a:solidFill>
-                </a:uFill>
-                <a:latin typeface="Calibri"/>
-              </a:rPr>
-              <a:t>Click to edit the outline text format</a:t>
-            </a:r>
-            <a:endParaRPr b="0" lang="en-US" sz="3200" spc="-1" strike="noStrike">
-              <a:solidFill>
-                <a:srgbClr val="000000"/>
-              </a:solidFill>
-              <a:uFill>
-                <a:solidFill>
-                  <a:srgbClr val="ffffff"/>
-                </a:solidFill>
-              </a:uFill>
-              <a:latin typeface="Calibri"/>
-            </a:endParaRPr>
-          </a:p>
-          <a:p>
-            <a:pPr lvl="1" marL="864000" indent="-324000">
-              <a:buClr>
-                <a:srgbClr val="000000"/>
-              </a:buClr>
-              <a:buSzPct val="75000"/>
-              <a:buFont typeface="Symbol" charset="2"/>
-              <a:buChar char=""/>
-            </a:pPr>
-            <a:r>
-              <a:rPr b="0" lang="en-US" sz="2400" spc="-1" strike="noStrike">
-                <a:solidFill>
-                  <a:srgbClr val="000000"/>
-                </a:solidFill>
-                <a:uFill>
-                  <a:solidFill>
-                    <a:srgbClr val="ffffff"/>
-                  </a:solidFill>
-                </a:uFill>
-                <a:latin typeface="Calibri"/>
-              </a:rPr>
-              <a:t>Second Outline Level</a:t>
-            </a:r>
-            <a:endParaRPr b="0" lang="en-US" sz="2400" spc="-1" strike="noStrike">
-              <a:solidFill>
-                <a:srgbClr val="000000"/>
-              </a:solidFill>
-              <a:uFill>
-                <a:solidFill>
-                  <a:srgbClr val="ffffff"/>
-                </a:solidFill>
-              </a:uFill>
-              <a:latin typeface="Calibri"/>
-            </a:endParaRPr>
-          </a:p>
-          <a:p>
-            <a:pPr lvl="2" marL="1296000" indent="-288000">
-              <a:buClr>
-                <a:srgbClr val="000000"/>
-              </a:buClr>
-              <a:buSzPct val="45000"/>
-              <a:buFont typeface="Wingdings" charset="2"/>
-              <a:buChar char=""/>
-            </a:pPr>
-            <a:r>
-              <a:rPr b="0" lang="en-US" sz="2000" spc="-1" strike="noStrike">
-                <a:solidFill>
-                  <a:srgbClr val="000000"/>
-                </a:solidFill>
-                <a:uFill>
-                  <a:solidFill>
-                    <a:srgbClr val="ffffff"/>
-                  </a:solidFill>
-                </a:uFill>
-                <a:latin typeface="Calibri"/>
-              </a:rPr>
-              <a:t>Third Outline Level</a:t>
-            </a:r>
-            <a:endParaRPr b="0" lang="en-US" sz="2000" spc="-1" strike="noStrike">
-              <a:solidFill>
-                <a:srgbClr val="000000"/>
-              </a:solidFill>
-              <a:uFill>
-                <a:solidFill>
-                  <a:srgbClr val="ffffff"/>
-                </a:solidFill>
-              </a:uFill>
-              <a:latin typeface="Calibri"/>
-            </a:endParaRPr>
-          </a:p>
-          <a:p>
-            <a:pPr lvl="3" marL="1728000" indent="-216000">
-              <a:buClr>
-                <a:srgbClr val="000000"/>
-              </a:buClr>
-              <a:buSzPct val="75000"/>
-              <a:buFont typeface="Symbol" charset="2"/>
-              <a:buChar char=""/>
-            </a:pPr>
-            <a:r>
-              <a:rPr b="0" lang="en-US" sz="2000" spc="-1" strike="noStrike">
-                <a:solidFill>
-                  <a:srgbClr val="000000"/>
-                </a:solidFill>
-                <a:uFill>
-                  <a:solidFill>
-                    <a:srgbClr val="ffffff"/>
-                  </a:solidFill>
-                </a:uFill>
-                <a:latin typeface="Calibri"/>
-              </a:rPr>
-              <a:t>Fourth Outline Level</a:t>
-            </a:r>
-            <a:endParaRPr b="0" lang="en-US" sz="2000" spc="-1" strike="noStrike">
-              <a:solidFill>
-                <a:srgbClr val="000000"/>
-              </a:solidFill>
-              <a:uFill>
-                <a:solidFill>
-                  <a:srgbClr val="ffffff"/>
-                </a:solidFill>
-              </a:uFill>
-              <a:latin typeface="Calibri"/>
-            </a:endParaRPr>
-          </a:p>
-          <a:p>
-            <a:pPr lvl="4" marL="2160000" indent="-216000">
-              <a:buClr>
-                <a:srgbClr val="000000"/>
-              </a:buClr>
-              <a:buSzPct val="45000"/>
-              <a:buFont typeface="Wingdings" charset="2"/>
-              <a:buChar char=""/>
-            </a:pPr>
-            <a:r>
-              <a:rPr b="0" lang="en-US" sz="2000" spc="-1" strike="noStrike">
-                <a:solidFill>
-                  <a:srgbClr val="000000"/>
-                </a:solidFill>
-                <a:uFill>
-                  <a:solidFill>
-                    <a:srgbClr val="ffffff"/>
-                  </a:solidFill>
-                </a:uFill>
-                <a:latin typeface="Calibri"/>
-              </a:rPr>
-              <a:t>Fifth Outline Level</a:t>
-            </a:r>
-            <a:endParaRPr b="0" lang="en-US" sz="2000" spc="-1" strike="noStrike">
-              <a:solidFill>
-                <a:srgbClr val="000000"/>
-              </a:solidFill>
-              <a:uFill>
-                <a:solidFill>
-                  <a:srgbClr val="ffffff"/>
-                </a:solidFill>
-              </a:uFill>
-              <a:latin typeface="Calibri"/>
-            </a:endParaRPr>
-          </a:p>
-          <a:p>
-            <a:pPr lvl="5" marL="2592000" indent="-216000">
-              <a:buClr>
-                <a:srgbClr val="000000"/>
-              </a:buClr>
-              <a:buSzPct val="45000"/>
-              <a:buFont typeface="Wingdings" charset="2"/>
-              <a:buChar char=""/>
-            </a:pPr>
-            <a:r>
-              <a:rPr b="0" lang="en-US" sz="2000" spc="-1" strike="noStrike">
-                <a:solidFill>
-                  <a:srgbClr val="000000"/>
-                </a:solidFill>
-                <a:uFill>
-                  <a:solidFill>
-                    <a:srgbClr val="ffffff"/>
-                  </a:solidFill>
-                </a:uFill>
-                <a:latin typeface="Calibri"/>
-              </a:rPr>
-              <a:t>Sixth Outline Level</a:t>
-            </a:r>
-            <a:endParaRPr b="0" lang="en-US" sz="2000" spc="-1" strike="noStrike">
-              <a:solidFill>
-                <a:srgbClr val="000000"/>
-              </a:solidFill>
-              <a:uFill>
-                <a:solidFill>
-                  <a:srgbClr val="ffffff"/>
-                </a:solidFill>
-              </a:uFill>
-              <a:latin typeface="Calibri"/>
-            </a:endParaRPr>
-          </a:p>
-          <a:p>
-            <a:pPr lvl="6" marL="3024000" indent="-216000">
-              <a:buClr>
-                <a:srgbClr val="000000"/>
-              </a:buClr>
-              <a:buSzPct val="45000"/>
-              <a:buFont typeface="Wingdings" charset="2"/>
-              <a:buChar char=""/>
-            </a:pPr>
-            <a:r>
-              <a:rPr b="0" lang="en-US" sz="2000" spc="-1" strike="noStrike">
-                <a:solidFill>
-                  <a:srgbClr val="000000"/>
-                </a:solidFill>
-                <a:uFill>
-                  <a:solidFill>
-                    <a:srgbClr val="ffffff"/>
-                  </a:solidFill>
-                </a:uFill>
-                <a:latin typeface="Calibri"/>
-              </a:rPr>
-              <a:t>Seventh Outline Level</a:t>
-            </a:r>
-            <a:endParaRPr b="0" lang="en-US" sz="2000" spc="-1" strike="noStrike">
-              <a:solidFill>
-                <a:srgbClr val="000000"/>
-              </a:solidFill>
-              <a:uFill>
-                <a:solidFill>
-                  <a:srgbClr val="ffffff"/>
-                </a:solidFill>
-              </a:uFill>
-              <a:latin typeface="Calibri"/>
-            </a:endParaRPr>
-          </a:p>
-        </p:txBody>
-      </p:sp>
     </p:spTree>
   </p:cSld>
   <p:clrMap bg1="lt1" bg2="lt2" tx1="dk1" tx2="dk2" accent1="accent1" accent2="accent2" accent3="accent3" accent4="accent4" accent5="accent5" accent6="accent6" hlink="hlink" folHlink="folHlink"/>
@@ -2003,14 +1549,14 @@
       </p:grpSpPr>
       <p:sp>
         <p:nvSpPr>
-          <p:cNvPr id="39" name="CustomShape 1"/>
-          <p:cNvSpPr/>
-          <p:nvPr/>
-        </p:nvSpPr>
-        <p:spPr>
-          <a:xfrm>
-            <a:off x="1217520" y="1447920"/>
-            <a:ext cx="4916880" cy="4861440"/>
+          <p:cNvPr id="34" name="CustomShape 1"/>
+          <p:cNvSpPr/>
+          <p:nvPr/>
+        </p:nvSpPr>
+        <p:spPr>
+          <a:xfrm>
+            <a:off x="922320" y="199080"/>
+            <a:ext cx="6348600" cy="6276960"/>
           </a:xfrm>
           <a:prstGeom prst="roundRect">
             <a:avLst>
@@ -2062,6 +1608,7 @@
                   </a:solidFill>
                 </a:uFill>
                 <a:latin typeface="Calibri"/>
+                <a:ea typeface="DejaVu Sans"/>
               </a:rPr>
               <a:t>UI</a:t>
             </a:r>
@@ -2081,14 +1628,14 @@
       </p:sp>
       <p:sp>
         <p:nvSpPr>
-          <p:cNvPr id="40" name="CustomShape 2"/>
-          <p:cNvSpPr/>
-          <p:nvPr/>
-        </p:nvSpPr>
-        <p:spPr>
-          <a:xfrm>
-            <a:off x="2095920" y="2341080"/>
-            <a:ext cx="1093320" cy="346320"/>
+          <p:cNvPr id="35" name="CustomShape 2"/>
+          <p:cNvSpPr/>
+          <p:nvPr/>
+        </p:nvSpPr>
+        <p:spPr>
+          <a:xfrm>
+            <a:off x="2056680" y="1352520"/>
+            <a:ext cx="1411200" cy="446400"/>
           </a:xfrm>
           <a:prstGeom prst="rect">
             <a:avLst/>
@@ -2138,6 +1685,7 @@
                   </a:solidFill>
                 </a:uFill>
                 <a:latin typeface="Calibri"/>
+                <a:ea typeface="DejaVu Sans"/>
               </a:rPr>
               <a:t>MainWindow</a:t>
             </a:r>
@@ -2157,14 +1705,14 @@
       </p:sp>
       <p:sp>
         <p:nvSpPr>
-          <p:cNvPr id="41" name="CustomShape 3"/>
-          <p:cNvSpPr/>
-          <p:nvPr/>
-        </p:nvSpPr>
-        <p:spPr>
-          <a:xfrm>
-            <a:off x="2592360" y="2971800"/>
-            <a:ext cx="1093320" cy="236520"/>
+          <p:cNvPr id="36" name="CustomShape 3"/>
+          <p:cNvSpPr/>
+          <p:nvPr/>
+        </p:nvSpPr>
+        <p:spPr>
+          <a:xfrm>
+            <a:off x="2697480" y="2166840"/>
+            <a:ext cx="1411560" cy="304920"/>
           </a:xfrm>
           <a:prstGeom prst="rect">
             <a:avLst/>
@@ -2214,6 +1762,7 @@
                   </a:solidFill>
                 </a:uFill>
                 <a:latin typeface="Calibri"/>
+                <a:ea typeface="DejaVu Sans"/>
               </a:rPr>
               <a:t>CommandBox</a:t>
             </a:r>
@@ -2233,14 +1782,14 @@
       </p:sp>
       <p:sp>
         <p:nvSpPr>
-          <p:cNvPr id="42" name="CustomShape 4"/>
-          <p:cNvSpPr/>
-          <p:nvPr/>
-        </p:nvSpPr>
-        <p:spPr>
-          <a:xfrm>
-            <a:off x="2092680" y="1770840"/>
-            <a:ext cx="1093320" cy="346320"/>
+          <p:cNvPr id="37" name="CustomShape 4"/>
+          <p:cNvSpPr/>
+          <p:nvPr/>
+        </p:nvSpPr>
+        <p:spPr>
+          <a:xfrm>
+            <a:off x="2052720" y="615960"/>
+            <a:ext cx="1411200" cy="447120"/>
           </a:xfrm>
           <a:prstGeom prst="rect">
             <a:avLst/>
@@ -2293,6 +1842,7 @@
                   </a:solidFill>
                 </a:uFill>
                 <a:latin typeface="Calibri"/>
+                <a:ea typeface="DejaVu Sans"/>
               </a:rPr>
               <a:t>UiManager</a:t>
             </a:r>
@@ -2312,14 +1862,14 @@
       </p:sp>
       <p:sp>
         <p:nvSpPr>
-          <p:cNvPr id="43" name="CustomShape 5"/>
+          <p:cNvPr id="38" name="CustomShape 5"/>
           <p:cNvSpPr/>
           <p:nvPr/>
         </p:nvSpPr>
         <p:spPr>
           <a:xfrm flipH="1" rot="16200000">
-            <a:off x="2529360" y="2228040"/>
-            <a:ext cx="223200" cy="2880"/>
+            <a:off x="2615760" y="1206720"/>
+            <a:ext cx="288000" cy="3600"/>
           </a:xfrm>
           <a:prstGeom prst="bentConnector3">
             <a:avLst>
@@ -2356,14 +1906,14 @@
       </p:sp>
       <p:sp>
         <p:nvSpPr>
-          <p:cNvPr id="44" name="CustomShape 6"/>
+          <p:cNvPr id="39" name="CustomShape 6"/>
           <p:cNvSpPr/>
           <p:nvPr/>
         </p:nvSpPr>
         <p:spPr>
           <a:xfrm flipV="1" rot="10800000">
-            <a:off x="5665320" y="2285280"/>
-            <a:ext cx="270000" cy="175320"/>
+            <a:off x="7014240" y="1506600"/>
+            <a:ext cx="348480" cy="226080"/>
           </a:xfrm>
           <a:prstGeom prst="triangle">
             <a:avLst>
@@ -2399,14 +1949,14 @@
       </p:sp>
       <p:sp>
         <p:nvSpPr>
-          <p:cNvPr id="45" name="CustomShape 7"/>
+          <p:cNvPr id="40" name="CustomShape 7"/>
           <p:cNvSpPr/>
           <p:nvPr/>
         </p:nvSpPr>
         <p:spPr>
           <a:xfrm flipV="1">
-            <a:off x="644760" y="2991240"/>
-            <a:ext cx="684720" cy="360"/>
+            <a:off x="182880" y="2191320"/>
+            <a:ext cx="883440" cy="360"/>
           </a:xfrm>
           <a:prstGeom prst="bentConnector3">
             <a:avLst>
@@ -2448,14 +1998,14 @@
       </p:sp>
       <p:sp>
         <p:nvSpPr>
-          <p:cNvPr id="46" name="CustomShape 8"/>
+          <p:cNvPr id="41" name="CustomShape 8"/>
           <p:cNvSpPr/>
           <p:nvPr/>
         </p:nvSpPr>
         <p:spPr>
           <a:xfrm rot="16200000">
-            <a:off x="5703480" y="2464920"/>
-            <a:ext cx="2361960" cy="327600"/>
+            <a:off x="6715440" y="1513080"/>
+            <a:ext cx="3049200" cy="422640"/>
           </a:xfrm>
           <a:prstGeom prst="roundRect">
             <a:avLst>
@@ -2510,6 +2060,7 @@
                   </a:solidFill>
                 </a:uFill>
                 <a:latin typeface="Calibri"/>
+                <a:ea typeface="DejaVu Sans"/>
               </a:rPr>
               <a:t>Logic</a:t>
             </a:r>
@@ -2529,14 +2080,14 @@
       </p:sp>
       <p:sp>
         <p:nvSpPr>
-          <p:cNvPr id="47" name="CustomShape 9"/>
-          <p:cNvSpPr/>
-          <p:nvPr/>
-        </p:nvSpPr>
-        <p:spPr>
-          <a:xfrm>
-            <a:off x="2592360" y="3649320"/>
-            <a:ext cx="1093320" cy="236520"/>
+          <p:cNvPr id="42" name="CustomShape 9"/>
+          <p:cNvSpPr/>
+          <p:nvPr/>
+        </p:nvSpPr>
+        <p:spPr>
+          <a:xfrm>
+            <a:off x="2697480" y="3041280"/>
+            <a:ext cx="1411560" cy="305280"/>
           </a:xfrm>
           <a:prstGeom prst="rect">
             <a:avLst/>
@@ -2586,6 +2137,7 @@
                   </a:solidFill>
                 </a:uFill>
                 <a:latin typeface="Calibri"/>
+                <a:ea typeface="DejaVu Sans"/>
               </a:rPr>
               <a:t>TaskDescription</a:t>
             </a:r>
@@ -2605,14 +2157,14 @@
       </p:sp>
       <p:sp>
         <p:nvSpPr>
-          <p:cNvPr id="48" name="CustomShape 10"/>
-          <p:cNvSpPr/>
-          <p:nvPr/>
-        </p:nvSpPr>
-        <p:spPr>
-          <a:xfrm>
-            <a:off x="2594520" y="5073120"/>
-            <a:ext cx="1093320" cy="236520"/>
+          <p:cNvPr id="43" name="CustomShape 10"/>
+          <p:cNvSpPr/>
+          <p:nvPr/>
+        </p:nvSpPr>
+        <p:spPr>
+          <a:xfrm>
+            <a:off x="2700720" y="4880160"/>
+            <a:ext cx="1410840" cy="304920"/>
           </a:xfrm>
           <a:prstGeom prst="rect">
             <a:avLst/>
@@ -2662,6 +2214,7 @@
                   </a:solidFill>
                 </a:uFill>
                 <a:latin typeface="Calibri"/>
+                <a:ea typeface="DejaVu Sans"/>
               </a:rPr>
               <a:t>StatusBarFooter</a:t>
             </a:r>
@@ -2681,14 +2234,14 @@
       </p:sp>
       <p:sp>
         <p:nvSpPr>
-          <p:cNvPr id="49" name="CustomShape 11"/>
-          <p:cNvSpPr/>
-          <p:nvPr/>
-        </p:nvSpPr>
-        <p:spPr>
-          <a:xfrm>
-            <a:off x="2588760" y="4388040"/>
-            <a:ext cx="1093320" cy="236520"/>
+          <p:cNvPr id="44" name="CustomShape 11"/>
+          <p:cNvSpPr/>
+          <p:nvPr/>
+        </p:nvSpPr>
+        <p:spPr>
+          <a:xfrm>
+            <a:off x="2692800" y="3995280"/>
+            <a:ext cx="1411560" cy="305280"/>
           </a:xfrm>
           <a:prstGeom prst="rect">
             <a:avLst/>
@@ -2738,6 +2291,7 @@
                   </a:solidFill>
                 </a:uFill>
                 <a:latin typeface="Calibri"/>
+                <a:ea typeface="DejaVu Sans"/>
               </a:rPr>
               <a:t>TaskListPanel</a:t>
             </a:r>
@@ -2757,14 +2311,14 @@
       </p:sp>
       <p:sp>
         <p:nvSpPr>
-          <p:cNvPr id="50" name="CustomShape 12"/>
-          <p:cNvSpPr/>
-          <p:nvPr/>
-        </p:nvSpPr>
-        <p:spPr>
-          <a:xfrm>
-            <a:off x="3768840" y="4723200"/>
-            <a:ext cx="1040400" cy="236520"/>
+          <p:cNvPr id="45" name="CustomShape 12"/>
+          <p:cNvSpPr/>
+          <p:nvPr/>
+        </p:nvSpPr>
+        <p:spPr>
+          <a:xfrm>
+            <a:off x="4217040" y="4428000"/>
+            <a:ext cx="1342440" cy="305280"/>
           </a:xfrm>
           <a:prstGeom prst="rect">
             <a:avLst/>
@@ -2814,6 +2368,7 @@
                   </a:solidFill>
                 </a:uFill>
                 <a:latin typeface="Calibri"/>
+                <a:ea typeface="DejaVu Sans"/>
               </a:rPr>
               <a:t>TaskCard</a:t>
             </a:r>
@@ -2833,14 +2388,14 @@
       </p:sp>
       <p:sp>
         <p:nvSpPr>
-          <p:cNvPr id="51" name="CustomShape 13"/>
-          <p:cNvSpPr/>
-          <p:nvPr/>
-        </p:nvSpPr>
-        <p:spPr>
-          <a:xfrm>
-            <a:off x="2596680" y="5487480"/>
-            <a:ext cx="1093320" cy="236520"/>
+          <p:cNvPr id="46" name="CustomShape 13"/>
+          <p:cNvSpPr/>
+          <p:nvPr/>
+        </p:nvSpPr>
+        <p:spPr>
+          <a:xfrm>
+            <a:off x="2703240" y="5415120"/>
+            <a:ext cx="1411560" cy="304920"/>
           </a:xfrm>
           <a:prstGeom prst="rect">
             <a:avLst/>
@@ -2890,6 +2445,7 @@
                   </a:solidFill>
                 </a:uFill>
                 <a:latin typeface="Calibri"/>
+                <a:ea typeface="DejaVu Sans"/>
               </a:rPr>
               <a:t>TabList</a:t>
             </a:r>
@@ -2909,14 +2465,14 @@
       </p:sp>
       <p:sp>
         <p:nvSpPr>
-          <p:cNvPr id="52" name="CustomShape 14"/>
-          <p:cNvSpPr/>
-          <p:nvPr/>
-        </p:nvSpPr>
-        <p:spPr>
-          <a:xfrm>
-            <a:off x="2324520" y="2706480"/>
-            <a:ext cx="182880" cy="161280"/>
+          <p:cNvPr id="47" name="CustomShape 14"/>
+          <p:cNvSpPr/>
+          <p:nvPr/>
+        </p:nvSpPr>
+        <p:spPr>
+          <a:xfrm>
+            <a:off x="2351880" y="1824480"/>
+            <a:ext cx="235440" cy="207360"/>
           </a:xfrm>
           <a:prstGeom prst="flowChartDecision">
             <a:avLst/>
@@ -2948,14 +2504,14 @@
       </p:sp>
       <p:sp>
         <p:nvSpPr>
-          <p:cNvPr id="53" name="CustomShape 15"/>
+          <p:cNvPr id="48" name="CustomShape 15"/>
           <p:cNvSpPr/>
           <p:nvPr/>
         </p:nvSpPr>
         <p:spPr>
           <a:xfrm flipH="1" rot="16200000">
-            <a:off x="2392200" y="2891160"/>
-            <a:ext cx="221760" cy="176040"/>
+            <a:off x="2439360" y="2063520"/>
+            <a:ext cx="285480" cy="226440"/>
           </a:xfrm>
           <a:prstGeom prst="bentConnector2">
             <a:avLst/>
@@ -2990,14 +2546,14 @@
       </p:sp>
       <p:sp>
         <p:nvSpPr>
-          <p:cNvPr id="54" name="CustomShape 16"/>
-          <p:cNvSpPr/>
-          <p:nvPr/>
-        </p:nvSpPr>
-        <p:spPr>
-          <a:xfrm>
-            <a:off x="2590920" y="3304440"/>
-            <a:ext cx="1095120" cy="236520"/>
+          <p:cNvPr id="49" name="CustomShape 16"/>
+          <p:cNvSpPr/>
+          <p:nvPr/>
+        </p:nvSpPr>
+        <p:spPr>
+          <a:xfrm>
+            <a:off x="2695680" y="2596320"/>
+            <a:ext cx="1413720" cy="305280"/>
           </a:xfrm>
           <a:prstGeom prst="rect">
             <a:avLst/>
@@ -3047,6 +2603,7 @@
                   </a:solidFill>
                 </a:uFill>
                 <a:latin typeface="Calibri"/>
+                <a:ea typeface="DejaVu Sans"/>
               </a:rPr>
               <a:t>ResultDisplay</a:t>
             </a:r>
@@ -3066,14 +2623,14 @@
       </p:sp>
       <p:sp>
         <p:nvSpPr>
-          <p:cNvPr id="55" name="CustomShape 17"/>
+          <p:cNvPr id="50" name="CustomShape 17"/>
           <p:cNvSpPr/>
           <p:nvPr/>
         </p:nvSpPr>
         <p:spPr>
           <a:xfrm flipH="1" rot="16200000">
-            <a:off x="2053440" y="3229920"/>
-            <a:ext cx="899280" cy="176040"/>
+            <a:off x="2001600" y="2500920"/>
+            <a:ext cx="1160640" cy="226440"/>
           </a:xfrm>
           <a:prstGeom prst="bentConnector2">
             <a:avLst/>
@@ -3108,14 +2665,14 @@
       </p:sp>
       <p:sp>
         <p:nvSpPr>
-          <p:cNvPr id="56" name="CustomShape 18"/>
+          <p:cNvPr id="51" name="CustomShape 18"/>
           <p:cNvSpPr/>
           <p:nvPr/>
         </p:nvSpPr>
         <p:spPr>
           <a:xfrm flipH="1" rot="16200000">
-            <a:off x="1682280" y="3601080"/>
-            <a:ext cx="1638000" cy="172440"/>
+            <a:off x="1522800" y="2980080"/>
+            <a:ext cx="2114280" cy="221760"/>
           </a:xfrm>
           <a:prstGeom prst="bentConnector2">
             <a:avLst/>
@@ -3150,14 +2707,14 @@
       </p:sp>
       <p:sp>
         <p:nvSpPr>
-          <p:cNvPr id="57" name="CustomShape 19"/>
+          <p:cNvPr id="52" name="CustomShape 19"/>
           <p:cNvSpPr/>
           <p:nvPr/>
         </p:nvSpPr>
         <p:spPr>
           <a:xfrm flipH="1" rot="16200000">
-            <a:off x="1343160" y="3940920"/>
-            <a:ext cx="2323080" cy="177840"/>
+            <a:off x="1083960" y="3418920"/>
+            <a:ext cx="2998800" cy="228600"/>
           </a:xfrm>
           <a:prstGeom prst="bentConnector2">
             <a:avLst/>
@@ -3192,14 +2749,14 @@
       </p:sp>
       <p:sp>
         <p:nvSpPr>
-          <p:cNvPr id="58" name="CustomShape 20"/>
+          <p:cNvPr id="53" name="CustomShape 20"/>
           <p:cNvSpPr/>
           <p:nvPr/>
         </p:nvSpPr>
         <p:spPr>
           <a:xfrm flipH="1" rot="16200000">
-            <a:off x="757800" y="4127400"/>
-            <a:ext cx="3278520" cy="398160"/>
+            <a:off x="328320" y="3659760"/>
+            <a:ext cx="4232880" cy="513360"/>
           </a:xfrm>
           <a:prstGeom prst="bentConnector2">
             <a:avLst/>
@@ -3234,14 +2791,14 @@
       </p:sp>
       <p:sp>
         <p:nvSpPr>
-          <p:cNvPr id="59" name="CustomShape 21"/>
-          <p:cNvSpPr/>
-          <p:nvPr/>
-        </p:nvSpPr>
-        <p:spPr>
-          <a:xfrm>
-            <a:off x="5144040" y="1770840"/>
-            <a:ext cx="771840" cy="346320"/>
+          <p:cNvPr id="54" name="CustomShape 21"/>
+          <p:cNvSpPr/>
+          <p:nvPr/>
+        </p:nvSpPr>
+        <p:spPr>
+          <a:xfrm>
+            <a:off x="5992560" y="615960"/>
+            <a:ext cx="995760" cy="447120"/>
           </a:xfrm>
           <a:prstGeom prst="rect">
             <a:avLst/>
@@ -3274,6 +2831,34 @@
         </p:style>
         <p:txBody>
           <a:bodyPr lIns="90000" rIns="90000" tIns="45000" bIns="45000" anchor="ctr"/>
+          <a:p>
+            <a:r>
+              <a:rPr b="1" lang="en-US" sz="1050" spc="-1" strike="noStrike">
+                <a:solidFill>
+                  <a:srgbClr val="77933c"/>
+                </a:solidFill>
+                <a:uFill>
+                  <a:solidFill>
+                    <a:srgbClr val="ffffff"/>
+                  </a:solidFill>
+                </a:uFill>
+                <a:latin typeface="Calibri"/>
+                <a:ea typeface="DejaVu Sans"/>
+              </a:rPr>
+              <a:t>{abstract}</a:t>
+            </a:r>
+            <a:endParaRPr b="0" lang="en-US" sz="1800" spc="-1" strike="noStrike">
+              <a:solidFill>
+                <a:srgbClr val="000000"/>
+              </a:solidFill>
+              <a:uFill>
+                <a:solidFill>
+                  <a:srgbClr val="ffffff"/>
+                </a:solidFill>
+              </a:uFill>
+              <a:latin typeface="Arial"/>
+            </a:endParaRPr>
+          </a:p>
           <a:p>
             <a:pPr algn="ctr">
               <a:lnSpc>
@@ -3291,35 +2876,7 @@
                   </a:solidFill>
                 </a:uFill>
                 <a:latin typeface="Calibri"/>
-              </a:rPr>
-              <a:t>{abstract}</a:t>
-            </a:r>
-            <a:r>
-              <a:rPr b="1" lang="en-US" sz="1050" spc="-1" strike="noStrike">
-                <a:solidFill>
-                  <a:srgbClr val="77933c"/>
-                </a:solidFill>
-                <a:uFill>
-                  <a:solidFill>
-                    <a:srgbClr val="ffffff"/>
-                  </a:solidFill>
-                </a:uFill>
-                <a:latin typeface="Calibri"/>
-              </a:rPr>
-              <a:t>
-</a:t>
-            </a:r>
-            <a:r>
-              <a:rPr b="1" lang="en-US" sz="1050" spc="-1" strike="noStrike">
-                <a:solidFill>
-                  <a:srgbClr val="77933c"/>
-                </a:solidFill>
-                <a:uFill>
-                  <a:solidFill>
-                    <a:srgbClr val="ffffff"/>
-                  </a:solidFill>
-                </a:uFill>
-                <a:latin typeface="Calibri"/>
+                <a:ea typeface="DejaVu Sans"/>
               </a:rPr>
               <a:t>UiPart</a:t>
             </a:r>
@@ -3339,14 +2896,14 @@
       </p:sp>
       <p:sp>
         <p:nvSpPr>
-          <p:cNvPr id="60" name="CustomShape 22"/>
+          <p:cNvPr id="55" name="CustomShape 22"/>
           <p:cNvSpPr/>
           <p:nvPr/>
         </p:nvSpPr>
         <p:spPr>
           <a:xfrm flipV="1">
-            <a:off x="3686040" y="2285280"/>
-            <a:ext cx="1843560" cy="1136520"/>
+            <a:off x="4109760" y="1280160"/>
+            <a:ext cx="2379960" cy="1467360"/>
           </a:xfrm>
           <a:prstGeom prst="bentConnector2">
             <a:avLst/>
@@ -3380,14 +2937,14 @@
       </p:sp>
       <p:sp>
         <p:nvSpPr>
-          <p:cNvPr id="61" name="CustomShape 23"/>
+          <p:cNvPr id="56" name="CustomShape 23"/>
           <p:cNvSpPr/>
           <p:nvPr/>
         </p:nvSpPr>
         <p:spPr>
           <a:xfrm rot="5400000">
-            <a:off x="3892320" y="3203640"/>
-            <a:ext cx="2555280" cy="720000"/>
+            <a:off x="4376520" y="2465640"/>
+            <a:ext cx="3299400" cy="929880"/>
           </a:xfrm>
           <a:prstGeom prst="bentConnector2">
             <a:avLst/>
@@ -3421,14 +2978,14 @@
       </p:sp>
       <p:sp>
         <p:nvSpPr>
-          <p:cNvPr id="62" name="CustomShape 24"/>
+          <p:cNvPr id="57" name="CustomShape 24"/>
           <p:cNvSpPr/>
           <p:nvPr/>
         </p:nvSpPr>
         <p:spPr>
           <a:xfrm rot="5400000">
-            <a:off x="3867480" y="2104920"/>
-            <a:ext cx="1481400" cy="1843560"/>
+            <a:off x="4344480" y="1046880"/>
+            <a:ext cx="1912680" cy="2380320"/>
           </a:xfrm>
           <a:prstGeom prst="bentConnector2">
             <a:avLst/>
@@ -3462,14 +3019,14 @@
       </p:sp>
       <p:sp>
         <p:nvSpPr>
-          <p:cNvPr id="63" name="CustomShape 25"/>
+          <p:cNvPr id="58" name="CustomShape 25"/>
           <p:cNvSpPr/>
           <p:nvPr/>
         </p:nvSpPr>
         <p:spPr>
           <a:xfrm flipV="1">
-            <a:off x="3189600" y="2286000"/>
-            <a:ext cx="2340000" cy="228240"/>
+            <a:off x="3468600" y="1280520"/>
+            <a:ext cx="3021120" cy="294480"/>
           </a:xfrm>
           <a:prstGeom prst="bentConnector2">
             <a:avLst/>
@@ -3503,14 +3060,14 @@
       </p:sp>
       <p:sp>
         <p:nvSpPr>
-          <p:cNvPr id="64" name="CustomShape 26"/>
+          <p:cNvPr id="59" name="CustomShape 26"/>
           <p:cNvSpPr/>
           <p:nvPr/>
         </p:nvSpPr>
         <p:spPr>
           <a:xfrm rot="5400000">
-            <a:off x="3156480" y="2817720"/>
-            <a:ext cx="2905200" cy="1841400"/>
+            <a:off x="3426840" y="1967760"/>
+            <a:ext cx="3751200" cy="2377080"/>
           </a:xfrm>
           <a:prstGeom prst="bentConnector2">
             <a:avLst/>
@@ -3544,14 +3101,14 @@
       </p:sp>
       <p:sp>
         <p:nvSpPr>
-          <p:cNvPr id="65" name="CustomShape 27"/>
+          <p:cNvPr id="60" name="CustomShape 27"/>
           <p:cNvSpPr/>
           <p:nvPr/>
         </p:nvSpPr>
         <p:spPr>
           <a:xfrm rot="5400000">
-            <a:off x="2678760" y="3114720"/>
-            <a:ext cx="3862440" cy="1839240"/>
+            <a:off x="2809440" y="2351160"/>
+            <a:ext cx="4986360" cy="2374200"/>
           </a:xfrm>
           <a:prstGeom prst="bentConnector2">
             <a:avLst/>
@@ -3585,14 +3142,14 @@
       </p:sp>
       <p:sp>
         <p:nvSpPr>
-          <p:cNvPr id="66" name="CustomShape 28"/>
+          <p:cNvPr id="61" name="CustomShape 28"/>
           <p:cNvSpPr/>
           <p:nvPr/>
         </p:nvSpPr>
         <p:spPr>
           <a:xfrm flipH="1" flipV="1" rot="5400000">
-            <a:off x="4595040" y="-355680"/>
-            <a:ext cx="170280" cy="4080960"/>
+            <a:off x="5283720" y="-2129760"/>
+            <a:ext cx="219240" cy="5269680"/>
           </a:xfrm>
           <a:prstGeom prst="bentConnector2">
             <a:avLst/>
@@ -3627,14 +3184,14 @@
       </p:sp>
       <p:sp>
         <p:nvSpPr>
-          <p:cNvPr id="67" name="CustomShape 29"/>
+          <p:cNvPr id="62" name="CustomShape 29"/>
           <p:cNvSpPr/>
           <p:nvPr/>
         </p:nvSpPr>
         <p:spPr>
           <a:xfrm rot="16200000">
-            <a:off x="6213600" y="4560480"/>
-            <a:ext cx="1371240" cy="327600"/>
+            <a:off x="7373520" y="4218480"/>
+            <a:ext cx="1769760" cy="423000"/>
           </a:xfrm>
           <a:prstGeom prst="roundRect">
             <a:avLst>
@@ -3689,6 +3246,7 @@
                   </a:solidFill>
                 </a:uFill>
                 <a:latin typeface="Calibri"/>
+                <a:ea typeface="DejaVu Sans"/>
               </a:rPr>
               <a:t>Model</a:t>
             </a:r>
@@ -3708,14 +3266,14 @@
       </p:sp>
       <p:sp>
         <p:nvSpPr>
-          <p:cNvPr id="68" name="CustomShape 30"/>
+          <p:cNvPr id="63" name="CustomShape 30"/>
           <p:cNvSpPr/>
           <p:nvPr/>
         </p:nvSpPr>
         <p:spPr>
           <a:xfrm rot="16200000">
-            <a:off x="955800" y="2861280"/>
-            <a:ext cx="1093320" cy="346320"/>
+            <a:off x="585000" y="2024640"/>
+            <a:ext cx="1410840" cy="446760"/>
           </a:xfrm>
           <a:prstGeom prst="rect">
             <a:avLst/>
@@ -3768,6 +3326,7 @@
                   </a:solidFill>
                 </a:uFill>
                 <a:latin typeface="Calibri"/>
+                <a:ea typeface="DejaVu Sans"/>
               </a:rPr>
               <a:t>&lt;&lt;interface&gt;&gt;</a:t>
             </a:r>
@@ -3800,6 +3359,7 @@
                   </a:solidFill>
                 </a:uFill>
                 <a:latin typeface="Calibri"/>
+                <a:ea typeface="DejaVu Sans"/>
               </a:rPr>
               <a:t>Ui</a:t>
             </a:r>
@@ -3819,14 +3379,14 @@
       </p:sp>
       <p:sp>
         <p:nvSpPr>
-          <p:cNvPr id="69" name="CustomShape 31"/>
+          <p:cNvPr id="64" name="CustomShape 31"/>
           <p:cNvSpPr/>
           <p:nvPr/>
         </p:nvSpPr>
         <p:spPr>
           <a:xfrm flipV="1">
-            <a:off x="1367640" y="2285280"/>
-            <a:ext cx="270000" cy="175320"/>
+            <a:off x="1116360" y="1280160"/>
+            <a:ext cx="348120" cy="226080"/>
           </a:xfrm>
           <a:prstGeom prst="triangle">
             <a:avLst>
@@ -3862,14 +3422,14 @@
       </p:sp>
       <p:sp>
         <p:nvSpPr>
-          <p:cNvPr id="70" name="CustomShape 32"/>
+          <p:cNvPr id="65" name="CustomShape 32"/>
           <p:cNvSpPr/>
           <p:nvPr/>
         </p:nvSpPr>
         <p:spPr>
           <a:xfrm flipV="1" rot="10800000">
-            <a:off x="2092680" y="2286000"/>
-            <a:ext cx="589320" cy="341280"/>
+            <a:off x="2813040" y="1720800"/>
+            <a:ext cx="759960" cy="440280"/>
           </a:xfrm>
           <a:prstGeom prst="bentConnector2">
             <a:avLst/>
@@ -3906,14 +3466,14 @@
       </p:sp>
       <p:sp>
         <p:nvSpPr>
-          <p:cNvPr id="71" name="CustomShape 33"/>
+          <p:cNvPr id="66" name="CustomShape 33"/>
           <p:cNvSpPr/>
           <p:nvPr/>
         </p:nvSpPr>
         <p:spPr>
           <a:xfrm flipH="1" rot="16200000">
-            <a:off x="2225880" y="3058560"/>
-            <a:ext cx="554400" cy="174240"/>
+            <a:off x="2224440" y="2279160"/>
+            <a:ext cx="714960" cy="224640"/>
           </a:xfrm>
           <a:prstGeom prst="bentConnector2">
             <a:avLst/>
@@ -3948,14 +3508,14 @@
       </p:sp>
       <p:sp>
         <p:nvSpPr>
-          <p:cNvPr id="72" name="CustomShape 34"/>
+          <p:cNvPr id="67" name="CustomShape 34"/>
           <p:cNvSpPr/>
           <p:nvPr/>
         </p:nvSpPr>
         <p:spPr>
           <a:xfrm rot="5400000">
-            <a:off x="4206240" y="1766160"/>
-            <a:ext cx="803880" cy="1843560"/>
+            <a:off x="4781880" y="609480"/>
+            <a:ext cx="1037880" cy="2380320"/>
           </a:xfrm>
           <a:prstGeom prst="bentConnector2">
             <a:avLst/>
@@ -3989,14 +3549,14 @@
       </p:sp>
       <p:sp>
         <p:nvSpPr>
-          <p:cNvPr id="73" name="CustomShape 35"/>
+          <p:cNvPr id="68" name="CustomShape 35"/>
           <p:cNvSpPr/>
           <p:nvPr/>
         </p:nvSpPr>
         <p:spPr>
           <a:xfrm flipH="1" rot="16200000">
-            <a:off x="3343680" y="4416840"/>
-            <a:ext cx="216360" cy="632880"/>
+            <a:off x="3667320" y="4033440"/>
+            <a:ext cx="279000" cy="816840"/>
           </a:xfrm>
           <a:prstGeom prst="bentConnector2">
             <a:avLst/>
@@ -4031,14 +3591,14 @@
       </p:sp>
       <p:sp>
         <p:nvSpPr>
-          <p:cNvPr id="74" name="CustomShape 36"/>
+          <p:cNvPr id="69" name="CustomShape 36"/>
           <p:cNvSpPr/>
           <p:nvPr/>
         </p:nvSpPr>
         <p:spPr>
           <a:xfrm rot="5400000">
-            <a:off x="3496320" y="2472480"/>
-            <a:ext cx="2220120" cy="1847160"/>
+            <a:off x="3864960" y="1521360"/>
+            <a:ext cx="2866680" cy="2385360"/>
           </a:xfrm>
           <a:prstGeom prst="bentConnector2">
             <a:avLst/>
@@ -4072,14 +3632,14 @@
       </p:sp>
       <p:sp>
         <p:nvSpPr>
-          <p:cNvPr id="75" name="CustomShape 37"/>
-          <p:cNvSpPr/>
-          <p:nvPr/>
-        </p:nvSpPr>
-        <p:spPr>
-          <a:xfrm>
-            <a:off x="5436000" y="2743200"/>
-            <a:ext cx="228960" cy="166320"/>
+          <p:cNvPr id="70" name="CustomShape 37"/>
+          <p:cNvSpPr/>
+          <p:nvPr/>
+        </p:nvSpPr>
+        <p:spPr>
+          <a:xfrm>
+            <a:off x="6369840" y="1871640"/>
+            <a:ext cx="294840" cy="214200"/>
           </a:xfrm>
           <a:prstGeom prst="rect">
             <a:avLst/>
@@ -4115,14 +3675,14 @@
       </p:sp>
       <p:sp>
         <p:nvSpPr>
-          <p:cNvPr id="76" name="CustomShape 38"/>
-          <p:cNvSpPr/>
-          <p:nvPr/>
-        </p:nvSpPr>
-        <p:spPr>
-          <a:xfrm>
-            <a:off x="3687480" y="2828880"/>
-            <a:ext cx="3047760" cy="202680"/>
+          <p:cNvPr id="71" name="CustomShape 38"/>
+          <p:cNvSpPr/>
+          <p:nvPr/>
+        </p:nvSpPr>
+        <p:spPr>
+          <a:xfrm>
+            <a:off x="4111560" y="1982160"/>
+            <a:ext cx="3934800" cy="261000"/>
           </a:xfrm>
           <a:custGeom>
             <a:avLst/>
@@ -4174,14 +3734,14 @@
       </p:sp>
       <p:sp>
         <p:nvSpPr>
-          <p:cNvPr id="77" name="CustomShape 39"/>
-          <p:cNvSpPr/>
-          <p:nvPr/>
-        </p:nvSpPr>
-        <p:spPr>
-          <a:xfrm>
-            <a:off x="5431680" y="4488120"/>
-            <a:ext cx="228960" cy="159840"/>
+          <p:cNvPr id="72" name="CustomShape 39"/>
+          <p:cNvSpPr/>
+          <p:nvPr/>
+        </p:nvSpPr>
+        <p:spPr>
+          <a:xfrm>
+            <a:off x="6364080" y="4124520"/>
+            <a:ext cx="294840" cy="206280"/>
           </a:xfrm>
           <a:prstGeom prst="rect">
             <a:avLst/>
@@ -4217,14 +3777,14 @@
       </p:sp>
       <p:sp>
         <p:nvSpPr>
-          <p:cNvPr id="78" name="CustomShape 40"/>
-          <p:cNvSpPr/>
-          <p:nvPr/>
-        </p:nvSpPr>
-        <p:spPr>
-          <a:xfrm>
-            <a:off x="4298760" y="4574160"/>
-            <a:ext cx="2458080" cy="148320"/>
+          <p:cNvPr id="73" name="CustomShape 40"/>
+          <p:cNvSpPr/>
+          <p:nvPr/>
+        </p:nvSpPr>
+        <p:spPr>
+          <a:xfrm>
+            <a:off x="4901040" y="4235760"/>
+            <a:ext cx="3173040" cy="191160"/>
           </a:xfrm>
           <a:custGeom>
             <a:avLst/>
@@ -4279,14 +3839,14 @@
       </p:sp>
       <p:sp>
         <p:nvSpPr>
-          <p:cNvPr id="79" name="CustomShape 41"/>
+          <p:cNvPr id="74" name="CustomShape 41"/>
           <p:cNvSpPr/>
           <p:nvPr/>
         </p:nvSpPr>
         <p:spPr>
           <a:xfrm flipV="1">
-            <a:off x="2414880" y="4136400"/>
-            <a:ext cx="177120" cy="7560"/>
+            <a:off x="2468880" y="3670200"/>
+            <a:ext cx="227880" cy="10080"/>
           </a:xfrm>
           <a:prstGeom prst="bentConnector3">
             <a:avLst>
@@ -4323,14 +3883,14 @@
       </p:sp>
       <p:sp>
         <p:nvSpPr>
-          <p:cNvPr id="80" name="CustomShape 42"/>
-          <p:cNvSpPr/>
-          <p:nvPr/>
-        </p:nvSpPr>
-        <p:spPr>
-          <a:xfrm>
-            <a:off x="2592360" y="4018680"/>
-            <a:ext cx="1093320" cy="236520"/>
+          <p:cNvPr id="75" name="CustomShape 42"/>
+          <p:cNvSpPr/>
+          <p:nvPr/>
+        </p:nvSpPr>
+        <p:spPr>
+          <a:xfrm>
+            <a:off x="2697480" y="3518640"/>
+            <a:ext cx="1411560" cy="304920"/>
           </a:xfrm>
           <a:prstGeom prst="rect">
             <a:avLst/>
@@ -4380,6 +3940,7 @@
                   </a:solidFill>
                 </a:uFill>
                 <a:latin typeface="Calibri"/>
+                <a:ea typeface="DejaVu Sans"/>
               </a:rPr>
               <a:t>TaskDetails</a:t>
             </a:r>
@@ -4399,14 +3960,14 @@
       </p:sp>
       <p:sp>
         <p:nvSpPr>
-          <p:cNvPr id="81" name="CustomShape 43"/>
+          <p:cNvPr id="76" name="CustomShape 43"/>
           <p:cNvSpPr/>
           <p:nvPr/>
         </p:nvSpPr>
         <p:spPr>
           <a:xfrm rot="10800000">
-            <a:off x="5527800" y="4147920"/>
-            <a:ext cx="1845000" cy="1080"/>
+            <a:off x="6498000" y="3657600"/>
+            <a:ext cx="2382120" cy="720"/>
           </a:xfrm>
           <a:prstGeom prst="bentConnector3">
             <a:avLst>
@@ -4442,14 +4003,14 @@
       </p:sp>
       <p:sp>
         <p:nvSpPr>
-          <p:cNvPr id="82" name="CustomShape 44"/>
-          <p:cNvSpPr/>
-          <p:nvPr/>
-        </p:nvSpPr>
-        <p:spPr>
-          <a:xfrm>
-            <a:off x="2596680" y="5864400"/>
-            <a:ext cx="1093320" cy="236520"/>
+          <p:cNvPr id="77" name="CustomShape 44"/>
+          <p:cNvSpPr/>
+          <p:nvPr/>
+        </p:nvSpPr>
+        <p:spPr>
+          <a:xfrm>
+            <a:off x="2703240" y="5901840"/>
+            <a:ext cx="1411560" cy="305280"/>
           </a:xfrm>
           <a:prstGeom prst="rect">
             <a:avLst/>
@@ -4499,6 +4060,7 @@
                   </a:solidFill>
                 </a:uFill>
                 <a:latin typeface="Calibri"/>
+                <a:ea typeface="DejaVu Sans"/>
               </a:rPr>
               <a:t>HelpWindow</a:t>
             </a:r>
@@ -4518,14 +4080,14 @@
       </p:sp>
       <p:sp>
         <p:nvSpPr>
-          <p:cNvPr id="83" name="CustomShape 45"/>
+          <p:cNvPr id="78" name="CustomShape 45"/>
           <p:cNvSpPr/>
           <p:nvPr/>
         </p:nvSpPr>
         <p:spPr>
           <a:xfrm flipH="1" rot="16200000">
-            <a:off x="1065600" y="4056840"/>
-            <a:ext cx="2878920" cy="177840"/>
+            <a:off x="725760" y="3568680"/>
+            <a:ext cx="3716640" cy="228960"/>
           </a:xfrm>
           <a:prstGeom prst="bentConnector2">
             <a:avLst/>
@@ -4560,14 +4122,14 @@
       </p:sp>
       <p:sp>
         <p:nvSpPr>
-          <p:cNvPr id="84" name="CustomShape 46"/>
+          <p:cNvPr id="79" name="CustomShape 46"/>
           <p:cNvSpPr/>
           <p:nvPr/>
         </p:nvSpPr>
         <p:spPr>
           <a:xfrm rot="5400000">
-            <a:off x="2862000" y="2929680"/>
-            <a:ext cx="3494520" cy="1841400"/>
+            <a:off x="3046680" y="2112120"/>
+            <a:ext cx="4511160" cy="2377080"/>
           </a:xfrm>
           <a:prstGeom prst="bentConnector2">
             <a:avLst/>

--- a/docs/diagrams/UiComponentClassDiagram.pptx
+++ b/docs/diagrams/UiComponentClassDiagram.pptx
@@ -53,7 +53,7 @@
       </p:grpSpPr>
       <p:sp>
         <p:nvSpPr>
-          <p:cNvPr id="21" name="PlaceHolder 1"/>
+          <p:cNvPr id="23" name="PlaceHolder 1"/>
           <p:cNvSpPr>
             <a:spLocks noGrp="1"/>
           </p:cNvSpPr>
@@ -90,7 +90,7 @@
       </p:sp>
       <p:sp>
         <p:nvSpPr>
-          <p:cNvPr id="22" name="PlaceHolder 2"/>
+          <p:cNvPr id="24" name="PlaceHolder 2"/>
           <p:cNvSpPr>
             <a:spLocks noGrp="1"/>
           </p:cNvSpPr>
@@ -126,7 +126,7 @@
       </p:sp>
       <p:sp>
         <p:nvSpPr>
-          <p:cNvPr id="23" name="PlaceHolder 3"/>
+          <p:cNvPr id="25" name="PlaceHolder 3"/>
           <p:cNvSpPr>
             <a:spLocks noGrp="1"/>
           </p:cNvSpPr>
@@ -184,7 +184,7 @@
       </p:grpSpPr>
       <p:sp>
         <p:nvSpPr>
-          <p:cNvPr id="24" name="PlaceHolder 1"/>
+          <p:cNvPr id="26" name="PlaceHolder 1"/>
           <p:cNvSpPr>
             <a:spLocks noGrp="1"/>
           </p:cNvSpPr>
@@ -221,7 +221,7 @@
       </p:sp>
       <p:sp>
         <p:nvSpPr>
-          <p:cNvPr id="25" name="PlaceHolder 2"/>
+          <p:cNvPr id="27" name="PlaceHolder 2"/>
           <p:cNvSpPr>
             <a:spLocks noGrp="1"/>
           </p:cNvSpPr>
@@ -257,7 +257,7 @@
       </p:sp>
       <p:sp>
         <p:nvSpPr>
-          <p:cNvPr id="26" name="PlaceHolder 3"/>
+          <p:cNvPr id="28" name="PlaceHolder 3"/>
           <p:cNvSpPr>
             <a:spLocks noGrp="1"/>
           </p:cNvSpPr>
@@ -293,7 +293,7 @@
       </p:sp>
       <p:sp>
         <p:nvSpPr>
-          <p:cNvPr id="27" name="PlaceHolder 4"/>
+          <p:cNvPr id="29" name="PlaceHolder 4"/>
           <p:cNvSpPr>
             <a:spLocks noGrp="1"/>
           </p:cNvSpPr>
@@ -329,7 +329,7 @@
       </p:sp>
       <p:sp>
         <p:nvSpPr>
-          <p:cNvPr id="28" name="PlaceHolder 5"/>
+          <p:cNvPr id="30" name="PlaceHolder 5"/>
           <p:cNvSpPr>
             <a:spLocks noGrp="1"/>
           </p:cNvSpPr>
@@ -387,7 +387,7 @@
       </p:grpSpPr>
       <p:sp>
         <p:nvSpPr>
-          <p:cNvPr id="29" name="PlaceHolder 1"/>
+          <p:cNvPr id="31" name="PlaceHolder 1"/>
           <p:cNvSpPr>
             <a:spLocks noGrp="1"/>
           </p:cNvSpPr>
@@ -424,7 +424,7 @@
       </p:sp>
       <p:sp>
         <p:nvSpPr>
-          <p:cNvPr id="30" name="PlaceHolder 2"/>
+          <p:cNvPr id="32" name="PlaceHolder 2"/>
           <p:cNvSpPr>
             <a:spLocks noGrp="1"/>
           </p:cNvSpPr>
@@ -460,7 +460,7 @@
       </p:sp>
       <p:sp>
         <p:nvSpPr>
-          <p:cNvPr id="31" name="PlaceHolder 3"/>
+          <p:cNvPr id="33" name="PlaceHolder 3"/>
           <p:cNvSpPr>
             <a:spLocks noGrp="1"/>
           </p:cNvSpPr>
@@ -496,7 +496,7 @@
       </p:sp>
       <p:pic>
         <p:nvPicPr>
-          <p:cNvPr id="32" name="" descr=""/>
+          <p:cNvPr id="34" name="" descr=""/>
           <p:cNvPicPr/>
           <p:nvPr/>
         </p:nvPicPr>
@@ -519,7 +519,7 @@
       </p:pic>
       <p:pic>
         <p:nvPicPr>
-          <p:cNvPr id="33" name="" descr=""/>
+          <p:cNvPr id="35" name="" descr=""/>
           <p:cNvPicPr/>
           <p:nvPr/>
         </p:nvPicPr>
@@ -564,7 +564,7 @@
       </p:grpSpPr>
       <p:sp>
         <p:nvSpPr>
-          <p:cNvPr id="0" name="PlaceHolder 1"/>
+          <p:cNvPr id="2" name="PlaceHolder 1"/>
           <p:cNvSpPr>
             <a:spLocks noGrp="1"/>
           </p:cNvSpPr>
@@ -601,7 +601,7 @@
       </p:sp>
       <p:sp>
         <p:nvSpPr>
-          <p:cNvPr id="1" name="PlaceHolder 2"/>
+          <p:cNvPr id="3" name="PlaceHolder 2"/>
           <p:cNvSpPr>
             <a:spLocks noGrp="1"/>
           </p:cNvSpPr>
@@ -660,7 +660,7 @@
       </p:grpSpPr>
       <p:sp>
         <p:nvSpPr>
-          <p:cNvPr id="2" name="PlaceHolder 1"/>
+          <p:cNvPr id="4" name="PlaceHolder 1"/>
           <p:cNvSpPr>
             <a:spLocks noGrp="1"/>
           </p:cNvSpPr>
@@ -697,7 +697,7 @@
       </p:sp>
       <p:sp>
         <p:nvSpPr>
-          <p:cNvPr id="3" name="PlaceHolder 2"/>
+          <p:cNvPr id="5" name="PlaceHolder 2"/>
           <p:cNvSpPr>
             <a:spLocks noGrp="1"/>
           </p:cNvSpPr>
@@ -755,7 +755,7 @@
       </p:grpSpPr>
       <p:sp>
         <p:nvSpPr>
-          <p:cNvPr id="4" name="PlaceHolder 1"/>
+          <p:cNvPr id="6" name="PlaceHolder 1"/>
           <p:cNvSpPr>
             <a:spLocks noGrp="1"/>
           </p:cNvSpPr>
@@ -792,7 +792,7 @@
       </p:sp>
       <p:sp>
         <p:nvSpPr>
-          <p:cNvPr id="5" name="PlaceHolder 2"/>
+          <p:cNvPr id="7" name="PlaceHolder 2"/>
           <p:cNvSpPr>
             <a:spLocks noGrp="1"/>
           </p:cNvSpPr>
@@ -828,7 +828,7 @@
       </p:sp>
       <p:sp>
         <p:nvSpPr>
-          <p:cNvPr id="6" name="PlaceHolder 3"/>
+          <p:cNvPr id="8" name="PlaceHolder 3"/>
           <p:cNvSpPr>
             <a:spLocks noGrp="1"/>
           </p:cNvSpPr>
@@ -886,7 +886,7 @@
       </p:grpSpPr>
       <p:sp>
         <p:nvSpPr>
-          <p:cNvPr id="7" name="PlaceHolder 1"/>
+          <p:cNvPr id="9" name="PlaceHolder 1"/>
           <p:cNvSpPr>
             <a:spLocks noGrp="1"/>
           </p:cNvSpPr>
@@ -945,7 +945,7 @@
       </p:grpSpPr>
       <p:sp>
         <p:nvSpPr>
-          <p:cNvPr id="8" name="PlaceHolder 1"/>
+          <p:cNvPr id="10" name="PlaceHolder 1"/>
           <p:cNvSpPr>
             <a:spLocks noGrp="1"/>
           </p:cNvSpPr>
@@ -1004,7 +1004,7 @@
       </p:grpSpPr>
       <p:sp>
         <p:nvSpPr>
-          <p:cNvPr id="9" name="PlaceHolder 1"/>
+          <p:cNvPr id="11" name="PlaceHolder 1"/>
           <p:cNvSpPr>
             <a:spLocks noGrp="1"/>
           </p:cNvSpPr>
@@ -1041,7 +1041,7 @@
       </p:sp>
       <p:sp>
         <p:nvSpPr>
-          <p:cNvPr id="10" name="PlaceHolder 2"/>
+          <p:cNvPr id="12" name="PlaceHolder 2"/>
           <p:cNvSpPr>
             <a:spLocks noGrp="1"/>
           </p:cNvSpPr>
@@ -1077,7 +1077,7 @@
       </p:sp>
       <p:sp>
         <p:nvSpPr>
-          <p:cNvPr id="11" name="PlaceHolder 3"/>
+          <p:cNvPr id="13" name="PlaceHolder 3"/>
           <p:cNvSpPr>
             <a:spLocks noGrp="1"/>
           </p:cNvSpPr>
@@ -1113,7 +1113,7 @@
       </p:sp>
       <p:sp>
         <p:nvSpPr>
-          <p:cNvPr id="12" name="PlaceHolder 4"/>
+          <p:cNvPr id="14" name="PlaceHolder 4"/>
           <p:cNvSpPr>
             <a:spLocks noGrp="1"/>
           </p:cNvSpPr>
@@ -1171,7 +1171,7 @@
       </p:grpSpPr>
       <p:sp>
         <p:nvSpPr>
-          <p:cNvPr id="13" name="PlaceHolder 1"/>
+          <p:cNvPr id="15" name="PlaceHolder 1"/>
           <p:cNvSpPr>
             <a:spLocks noGrp="1"/>
           </p:cNvSpPr>
@@ -1208,7 +1208,7 @@
       </p:sp>
       <p:sp>
         <p:nvSpPr>
-          <p:cNvPr id="14" name="PlaceHolder 2"/>
+          <p:cNvPr id="16" name="PlaceHolder 2"/>
           <p:cNvSpPr>
             <a:spLocks noGrp="1"/>
           </p:cNvSpPr>
@@ -1244,7 +1244,7 @@
       </p:sp>
       <p:sp>
         <p:nvSpPr>
-          <p:cNvPr id="15" name="PlaceHolder 3"/>
+          <p:cNvPr id="17" name="PlaceHolder 3"/>
           <p:cNvSpPr>
             <a:spLocks noGrp="1"/>
           </p:cNvSpPr>
@@ -1280,7 +1280,7 @@
       </p:sp>
       <p:sp>
         <p:nvSpPr>
-          <p:cNvPr id="16" name="PlaceHolder 4"/>
+          <p:cNvPr id="18" name="PlaceHolder 4"/>
           <p:cNvSpPr>
             <a:spLocks noGrp="1"/>
           </p:cNvSpPr>
@@ -1338,7 +1338,7 @@
       </p:grpSpPr>
       <p:sp>
         <p:nvSpPr>
-          <p:cNvPr id="17" name="PlaceHolder 1"/>
+          <p:cNvPr id="19" name="PlaceHolder 1"/>
           <p:cNvSpPr>
             <a:spLocks noGrp="1"/>
           </p:cNvSpPr>
@@ -1375,7 +1375,7 @@
       </p:sp>
       <p:sp>
         <p:nvSpPr>
-          <p:cNvPr id="18" name="PlaceHolder 2"/>
+          <p:cNvPr id="20" name="PlaceHolder 2"/>
           <p:cNvSpPr>
             <a:spLocks noGrp="1"/>
           </p:cNvSpPr>
@@ -1411,7 +1411,7 @@
       </p:sp>
       <p:sp>
         <p:nvSpPr>
-          <p:cNvPr id="19" name="PlaceHolder 3"/>
+          <p:cNvPr id="21" name="PlaceHolder 3"/>
           <p:cNvSpPr>
             <a:spLocks noGrp="1"/>
           </p:cNvSpPr>
@@ -1447,7 +1447,7 @@
       </p:sp>
       <p:sp>
         <p:nvSpPr>
-          <p:cNvPr id="20" name="PlaceHolder 4"/>
+          <p:cNvPr id="22" name="PlaceHolder 4"/>
           <p:cNvSpPr>
             <a:spLocks noGrp="1"/>
           </p:cNvSpPr>
@@ -1510,6 +1510,325 @@
           <a:chExt cx="0" cy="0"/>
         </a:xfrm>
       </p:grpSpPr>
+      <p:sp>
+        <p:nvSpPr>
+          <p:cNvPr id="0" name="PlaceHolder 1"/>
+          <p:cNvSpPr>
+            <a:spLocks noGrp="1"/>
+          </p:cNvSpPr>
+          <p:nvPr>
+            <p:ph type="title"/>
+          </p:nvPr>
+        </p:nvSpPr>
+        <p:spPr>
+          <a:xfrm>
+            <a:off x="457200" y="273600"/>
+            <a:ext cx="8229240" cy="1144800"/>
+          </a:xfrm>
+          <a:prstGeom prst="rect">
+            <a:avLst/>
+          </a:prstGeom>
+        </p:spPr>
+        <p:txBody>
+          <a:bodyPr lIns="0" rIns="0" tIns="0" bIns="0" anchor="ctr"/>
+          <a:p>
+            <a:pPr algn="ctr"/>
+            <a:r>
+              <a:rPr b="0" lang="en-US" sz="4400" spc="-1" strike="noStrike">
+                <a:solidFill>
+                  <a:srgbClr val="000000"/>
+                </a:solidFill>
+                <a:uFill>
+                  <a:solidFill>
+                    <a:srgbClr val="ffffff"/>
+                  </a:solidFill>
+                </a:uFill>
+                <a:latin typeface="Arial"/>
+              </a:rPr>
+              <a:t>Click to edit the title text format</a:t>
+            </a:r>
+            <a:endParaRPr b="0" lang="en-US" sz="4400" spc="-1" strike="noStrike">
+              <a:solidFill>
+                <a:srgbClr val="000000"/>
+              </a:solidFill>
+              <a:uFill>
+                <a:solidFill>
+                  <a:srgbClr val="ffffff"/>
+                </a:solidFill>
+              </a:uFill>
+              <a:latin typeface="Arial"/>
+            </a:endParaRPr>
+          </a:p>
+        </p:txBody>
+      </p:sp>
+      <p:sp>
+        <p:nvSpPr>
+          <p:cNvPr id="1" name="PlaceHolder 2"/>
+          <p:cNvSpPr>
+            <a:spLocks noGrp="1"/>
+          </p:cNvSpPr>
+          <p:nvPr>
+            <p:ph type="body"/>
+          </p:nvPr>
+        </p:nvSpPr>
+        <p:spPr>
+          <a:xfrm>
+            <a:off x="457200" y="1604520"/>
+            <a:ext cx="8229240" cy="3977280"/>
+          </a:xfrm>
+          <a:prstGeom prst="rect">
+            <a:avLst/>
+          </a:prstGeom>
+        </p:spPr>
+        <p:txBody>
+          <a:bodyPr lIns="0" rIns="0" tIns="0" bIns="0"/>
+          <a:p>
+            <a:pPr marL="432000" indent="-324000">
+              <a:buClr>
+                <a:srgbClr val="000000"/>
+              </a:buClr>
+              <a:buSzPct val="45000"/>
+              <a:buFont typeface="Wingdings" charset="2"/>
+              <a:buChar char=""/>
+            </a:pPr>
+            <a:r>
+              <a:rPr b="0" lang="en-US" sz="3200" spc="-1" strike="noStrike">
+                <a:solidFill>
+                  <a:srgbClr val="000000"/>
+                </a:solidFill>
+                <a:uFill>
+                  <a:solidFill>
+                    <a:srgbClr val="ffffff"/>
+                  </a:solidFill>
+                </a:uFill>
+                <a:latin typeface="Arial"/>
+              </a:rPr>
+              <a:t>Click to edit the outline text format</a:t>
+            </a:r>
+            <a:endParaRPr b="0" lang="en-US" sz="3200" spc="-1" strike="noStrike">
+              <a:solidFill>
+                <a:srgbClr val="000000"/>
+              </a:solidFill>
+              <a:uFill>
+                <a:solidFill>
+                  <a:srgbClr val="ffffff"/>
+                </a:solidFill>
+              </a:uFill>
+              <a:latin typeface="Arial"/>
+            </a:endParaRPr>
+          </a:p>
+          <a:p>
+            <a:pPr lvl="1" marL="864000" indent="-324000">
+              <a:buClr>
+                <a:srgbClr val="000000"/>
+              </a:buClr>
+              <a:buSzPct val="75000"/>
+              <a:buFont typeface="Symbol" charset="2"/>
+              <a:buChar char=""/>
+            </a:pPr>
+            <a:r>
+              <a:rPr b="0" lang="en-US" sz="2800" spc="-1" strike="noStrike">
+                <a:solidFill>
+                  <a:srgbClr val="000000"/>
+                </a:solidFill>
+                <a:uFill>
+                  <a:solidFill>
+                    <a:srgbClr val="ffffff"/>
+                  </a:solidFill>
+                </a:uFill>
+                <a:latin typeface="Arial"/>
+              </a:rPr>
+              <a:t>Second Outline Level</a:t>
+            </a:r>
+            <a:endParaRPr b="0" lang="en-US" sz="2800" spc="-1" strike="noStrike">
+              <a:solidFill>
+                <a:srgbClr val="000000"/>
+              </a:solidFill>
+              <a:uFill>
+                <a:solidFill>
+                  <a:srgbClr val="ffffff"/>
+                </a:solidFill>
+              </a:uFill>
+              <a:latin typeface="Arial"/>
+            </a:endParaRPr>
+          </a:p>
+          <a:p>
+            <a:pPr lvl="2" marL="1296000" indent="-288000">
+              <a:buClr>
+                <a:srgbClr val="000000"/>
+              </a:buClr>
+              <a:buSzPct val="45000"/>
+              <a:buFont typeface="Wingdings" charset="2"/>
+              <a:buChar char=""/>
+            </a:pPr>
+            <a:r>
+              <a:rPr b="0" lang="en-US" sz="2400" spc="-1" strike="noStrike">
+                <a:solidFill>
+                  <a:srgbClr val="000000"/>
+                </a:solidFill>
+                <a:uFill>
+                  <a:solidFill>
+                    <a:srgbClr val="ffffff"/>
+                  </a:solidFill>
+                </a:uFill>
+                <a:latin typeface="Arial"/>
+              </a:rPr>
+              <a:t>Third Outline Level</a:t>
+            </a:r>
+            <a:endParaRPr b="0" lang="en-US" sz="2400" spc="-1" strike="noStrike">
+              <a:solidFill>
+                <a:srgbClr val="000000"/>
+              </a:solidFill>
+              <a:uFill>
+                <a:solidFill>
+                  <a:srgbClr val="ffffff"/>
+                </a:solidFill>
+              </a:uFill>
+              <a:latin typeface="Arial"/>
+            </a:endParaRPr>
+          </a:p>
+          <a:p>
+            <a:pPr lvl="3" marL="1728000" indent="-216000">
+              <a:buClr>
+                <a:srgbClr val="000000"/>
+              </a:buClr>
+              <a:buSzPct val="75000"/>
+              <a:buFont typeface="Symbol" charset="2"/>
+              <a:buChar char=""/>
+            </a:pPr>
+            <a:r>
+              <a:rPr b="0" lang="en-US" sz="2000" spc="-1" strike="noStrike">
+                <a:solidFill>
+                  <a:srgbClr val="000000"/>
+                </a:solidFill>
+                <a:uFill>
+                  <a:solidFill>
+                    <a:srgbClr val="ffffff"/>
+                  </a:solidFill>
+                </a:uFill>
+                <a:latin typeface="Arial"/>
+              </a:rPr>
+              <a:t>Fourth Outline Level</a:t>
+            </a:r>
+            <a:endParaRPr b="0" lang="en-US" sz="2000" spc="-1" strike="noStrike">
+              <a:solidFill>
+                <a:srgbClr val="000000"/>
+              </a:solidFill>
+              <a:uFill>
+                <a:solidFill>
+                  <a:srgbClr val="ffffff"/>
+                </a:solidFill>
+              </a:uFill>
+              <a:latin typeface="Arial"/>
+            </a:endParaRPr>
+          </a:p>
+          <a:p>
+            <a:pPr lvl="4" marL="2160000" indent="-216000">
+              <a:buClr>
+                <a:srgbClr val="000000"/>
+              </a:buClr>
+              <a:buSzPct val="45000"/>
+              <a:buFont typeface="Wingdings" charset="2"/>
+              <a:buChar char=""/>
+            </a:pPr>
+            <a:r>
+              <a:rPr b="0" lang="en-US" sz="2000" spc="-1" strike="noStrike">
+                <a:solidFill>
+                  <a:srgbClr val="000000"/>
+                </a:solidFill>
+                <a:uFill>
+                  <a:solidFill>
+                    <a:srgbClr val="ffffff"/>
+                  </a:solidFill>
+                </a:uFill>
+                <a:latin typeface="Arial"/>
+              </a:rPr>
+              <a:t>Fifth Outline Level</a:t>
+            </a:r>
+            <a:endParaRPr b="0" lang="en-US" sz="2000" spc="-1" strike="noStrike">
+              <a:solidFill>
+                <a:srgbClr val="000000"/>
+              </a:solidFill>
+              <a:uFill>
+                <a:solidFill>
+                  <a:srgbClr val="ffffff"/>
+                </a:solidFill>
+              </a:uFill>
+              <a:latin typeface="Arial"/>
+            </a:endParaRPr>
+          </a:p>
+          <a:p>
+            <a:pPr lvl="5" marL="2592000" indent="-216000">
+              <a:buClr>
+                <a:srgbClr val="000000"/>
+              </a:buClr>
+              <a:buSzPct val="45000"/>
+              <a:buFont typeface="Wingdings" charset="2"/>
+              <a:buChar char=""/>
+            </a:pPr>
+            <a:r>
+              <a:rPr b="0" lang="en-US" sz="2000" spc="-1" strike="noStrike">
+                <a:solidFill>
+                  <a:srgbClr val="000000"/>
+                </a:solidFill>
+                <a:uFill>
+                  <a:solidFill>
+                    <a:srgbClr val="ffffff"/>
+                  </a:solidFill>
+                </a:uFill>
+                <a:latin typeface="Arial"/>
+              </a:rPr>
+              <a:t>Sixth Outline Level</a:t>
+            </a:r>
+            <a:endParaRPr b="0" lang="en-US" sz="2000" spc="-1" strike="noStrike">
+              <a:solidFill>
+                <a:srgbClr val="000000"/>
+              </a:solidFill>
+              <a:uFill>
+                <a:solidFill>
+                  <a:srgbClr val="ffffff"/>
+                </a:solidFill>
+              </a:uFill>
+              <a:latin typeface="Arial"/>
+            </a:endParaRPr>
+          </a:p>
+          <a:p>
+            <a:pPr lvl="6" marL="3024000" indent="-216000">
+              <a:buClr>
+                <a:srgbClr val="000000"/>
+              </a:buClr>
+              <a:buSzPct val="45000"/>
+              <a:buFont typeface="Wingdings" charset="2"/>
+              <a:buChar char=""/>
+            </a:pPr>
+            <a:r>
+              <a:rPr b="0" lang="en-US" sz="2000" spc="-1" strike="noStrike">
+                <a:solidFill>
+                  <a:srgbClr val="000000"/>
+                </a:solidFill>
+                <a:uFill>
+                  <a:solidFill>
+                    <a:srgbClr val="ffffff"/>
+                  </a:solidFill>
+                </a:uFill>
+                <a:latin typeface="Arial"/>
+              </a:rPr>
+              <a:t>Seventh Outline Level</a:t>
+            </a:r>
+            <a:endParaRPr b="0" lang="en-US" sz="2000" spc="-1" strike="noStrike">
+              <a:solidFill>
+                <a:srgbClr val="000000"/>
+              </a:solidFill>
+              <a:uFill>
+                <a:solidFill>
+                  <a:srgbClr val="ffffff"/>
+                </a:solidFill>
+              </a:uFill>
+              <a:latin typeface="Arial"/>
+            </a:endParaRPr>
+          </a:p>
+        </p:txBody>
+      </p:sp>
     </p:spTree>
   </p:cSld>
   <p:clrMap bg1="lt1" bg2="lt2" tx1="dk1" tx2="dk2" accent1="accent1" accent2="accent2" accent3="accent3" accent4="accent4" accent5="accent5" accent6="accent6" hlink="hlink" folHlink="folHlink"/>
@@ -1549,14 +1868,14 @@
       </p:grpSpPr>
       <p:sp>
         <p:nvSpPr>
-          <p:cNvPr id="34" name="CustomShape 1"/>
+          <p:cNvPr id="36" name="CustomShape 1"/>
           <p:cNvSpPr/>
           <p:nvPr/>
         </p:nvSpPr>
         <p:spPr>
           <a:xfrm>
             <a:off x="922320" y="199080"/>
-            <a:ext cx="6348600" cy="6276960"/>
+            <a:ext cx="6348240" cy="6276600"/>
           </a:xfrm>
           <a:prstGeom prst="roundRect">
             <a:avLst>
@@ -1628,14 +1947,14 @@
       </p:sp>
       <p:sp>
         <p:nvSpPr>
-          <p:cNvPr id="35" name="CustomShape 2"/>
+          <p:cNvPr id="37" name="CustomShape 2"/>
           <p:cNvSpPr/>
           <p:nvPr/>
         </p:nvSpPr>
         <p:spPr>
           <a:xfrm>
             <a:off x="2056680" y="1352520"/>
-            <a:ext cx="1411200" cy="446400"/>
+            <a:ext cx="1410840" cy="446040"/>
           </a:xfrm>
           <a:prstGeom prst="rect">
             <a:avLst/>
@@ -1705,14 +2024,14 @@
       </p:sp>
       <p:sp>
         <p:nvSpPr>
-          <p:cNvPr id="36" name="CustomShape 3"/>
+          <p:cNvPr id="38" name="CustomShape 3"/>
           <p:cNvSpPr/>
           <p:nvPr/>
         </p:nvSpPr>
         <p:spPr>
           <a:xfrm>
             <a:off x="2697480" y="2166840"/>
-            <a:ext cx="1411560" cy="304920"/>
+            <a:ext cx="1411200" cy="304560"/>
           </a:xfrm>
           <a:prstGeom prst="rect">
             <a:avLst/>
@@ -1782,14 +2101,14 @@
       </p:sp>
       <p:sp>
         <p:nvSpPr>
-          <p:cNvPr id="37" name="CustomShape 4"/>
+          <p:cNvPr id="39" name="CustomShape 4"/>
           <p:cNvSpPr/>
           <p:nvPr/>
         </p:nvSpPr>
         <p:spPr>
           <a:xfrm>
             <a:off x="2052720" y="615960"/>
-            <a:ext cx="1411200" cy="447120"/>
+            <a:ext cx="1410840" cy="446760"/>
           </a:xfrm>
           <a:prstGeom prst="rect">
             <a:avLst/>
@@ -1862,14 +2181,14 @@
       </p:sp>
       <p:sp>
         <p:nvSpPr>
-          <p:cNvPr id="38" name="CustomShape 5"/>
+          <p:cNvPr id="40" name="CustomShape 5"/>
           <p:cNvSpPr/>
           <p:nvPr/>
         </p:nvSpPr>
         <p:spPr>
           <a:xfrm flipH="1" rot="16200000">
-            <a:off x="2615760" y="1206720"/>
-            <a:ext cx="288000" cy="3600"/>
+            <a:off x="2615040" y="1207080"/>
+            <a:ext cx="287640" cy="3240"/>
           </a:xfrm>
           <a:prstGeom prst="bentConnector3">
             <a:avLst>
@@ -1906,14 +2225,14 @@
       </p:sp>
       <p:sp>
         <p:nvSpPr>
-          <p:cNvPr id="39" name="CustomShape 6"/>
+          <p:cNvPr id="41" name="CustomShape 6"/>
           <p:cNvSpPr/>
           <p:nvPr/>
         </p:nvSpPr>
         <p:spPr>
           <a:xfrm flipV="1" rot="10800000">
-            <a:off x="7014240" y="1506600"/>
-            <a:ext cx="348480" cy="226080"/>
+            <a:off x="6657480" y="1288080"/>
+            <a:ext cx="348120" cy="225720"/>
           </a:xfrm>
           <a:prstGeom prst="triangle">
             <a:avLst>
@@ -1949,14 +2268,14 @@
       </p:sp>
       <p:sp>
         <p:nvSpPr>
-          <p:cNvPr id="40" name="CustomShape 7"/>
+          <p:cNvPr id="42" name="CustomShape 7"/>
           <p:cNvSpPr/>
           <p:nvPr/>
         </p:nvSpPr>
         <p:spPr>
           <a:xfrm flipV="1">
-            <a:off x="182880" y="2191320"/>
-            <a:ext cx="883440" cy="360"/>
+            <a:off x="182880" y="2190600"/>
+            <a:ext cx="883080" cy="360"/>
           </a:xfrm>
           <a:prstGeom prst="bentConnector3">
             <a:avLst>
@@ -1998,14 +2317,14 @@
       </p:sp>
       <p:sp>
         <p:nvSpPr>
-          <p:cNvPr id="41" name="CustomShape 8"/>
+          <p:cNvPr id="43" name="CustomShape 8"/>
           <p:cNvSpPr/>
           <p:nvPr/>
         </p:nvSpPr>
         <p:spPr>
           <a:xfrm rot="16200000">
-            <a:off x="6715440" y="1513080"/>
-            <a:ext cx="3049200" cy="422640"/>
+            <a:off x="6715440" y="1513440"/>
+            <a:ext cx="3048840" cy="422280"/>
           </a:xfrm>
           <a:prstGeom prst="roundRect">
             <a:avLst>
@@ -2080,14 +2399,14 @@
       </p:sp>
       <p:sp>
         <p:nvSpPr>
-          <p:cNvPr id="42" name="CustomShape 9"/>
+          <p:cNvPr id="44" name="CustomShape 9"/>
           <p:cNvSpPr/>
           <p:nvPr/>
         </p:nvSpPr>
         <p:spPr>
           <a:xfrm>
             <a:off x="2697480" y="3041280"/>
-            <a:ext cx="1411560" cy="305280"/>
+            <a:ext cx="1411200" cy="304920"/>
           </a:xfrm>
           <a:prstGeom prst="rect">
             <a:avLst/>
@@ -2157,14 +2476,14 @@
       </p:sp>
       <p:sp>
         <p:nvSpPr>
-          <p:cNvPr id="43" name="CustomShape 10"/>
+          <p:cNvPr id="45" name="CustomShape 10"/>
           <p:cNvSpPr/>
           <p:nvPr/>
         </p:nvSpPr>
         <p:spPr>
           <a:xfrm>
             <a:off x="2700720" y="4880160"/>
-            <a:ext cx="1410840" cy="304920"/>
+            <a:ext cx="1410480" cy="304560"/>
           </a:xfrm>
           <a:prstGeom prst="rect">
             <a:avLst/>
@@ -2234,14 +2553,14 @@
       </p:sp>
       <p:sp>
         <p:nvSpPr>
-          <p:cNvPr id="44" name="CustomShape 11"/>
+          <p:cNvPr id="46" name="CustomShape 11"/>
           <p:cNvSpPr/>
           <p:nvPr/>
         </p:nvSpPr>
         <p:spPr>
           <a:xfrm>
             <a:off x="2692800" y="3995280"/>
-            <a:ext cx="1411560" cy="305280"/>
+            <a:ext cx="1411200" cy="304920"/>
           </a:xfrm>
           <a:prstGeom prst="rect">
             <a:avLst/>
@@ -2311,14 +2630,14 @@
       </p:sp>
       <p:sp>
         <p:nvSpPr>
-          <p:cNvPr id="45" name="CustomShape 12"/>
+          <p:cNvPr id="47" name="CustomShape 12"/>
           <p:cNvSpPr/>
           <p:nvPr/>
         </p:nvSpPr>
         <p:spPr>
           <a:xfrm>
             <a:off x="4217040" y="4428000"/>
-            <a:ext cx="1342440" cy="305280"/>
+            <a:ext cx="1342080" cy="304920"/>
           </a:xfrm>
           <a:prstGeom prst="rect">
             <a:avLst/>
@@ -2388,14 +2707,14 @@
       </p:sp>
       <p:sp>
         <p:nvSpPr>
-          <p:cNvPr id="46" name="CustomShape 13"/>
+          <p:cNvPr id="48" name="CustomShape 13"/>
           <p:cNvSpPr/>
           <p:nvPr/>
         </p:nvSpPr>
         <p:spPr>
           <a:xfrm>
             <a:off x="2703240" y="5415120"/>
-            <a:ext cx="1411560" cy="304920"/>
+            <a:ext cx="1411200" cy="304560"/>
           </a:xfrm>
           <a:prstGeom prst="rect">
             <a:avLst/>
@@ -2465,14 +2784,14 @@
       </p:sp>
       <p:sp>
         <p:nvSpPr>
-          <p:cNvPr id="47" name="CustomShape 14"/>
+          <p:cNvPr id="49" name="CustomShape 14"/>
           <p:cNvSpPr/>
           <p:nvPr/>
         </p:nvSpPr>
         <p:spPr>
           <a:xfrm>
             <a:off x="2351880" y="1824480"/>
-            <a:ext cx="235440" cy="207360"/>
+            <a:ext cx="235080" cy="207000"/>
           </a:xfrm>
           <a:prstGeom prst="flowChartDecision">
             <a:avLst/>
@@ -2504,14 +2823,14 @@
       </p:sp>
       <p:sp>
         <p:nvSpPr>
-          <p:cNvPr id="48" name="CustomShape 15"/>
+          <p:cNvPr id="50" name="CustomShape 15"/>
           <p:cNvSpPr/>
           <p:nvPr/>
         </p:nvSpPr>
         <p:spPr>
           <a:xfrm flipH="1" rot="16200000">
-            <a:off x="2439360" y="2063520"/>
-            <a:ext cx="285480" cy="226440"/>
+            <a:off x="2439360" y="2063880"/>
+            <a:ext cx="285120" cy="226080"/>
           </a:xfrm>
           <a:prstGeom prst="bentConnector2">
             <a:avLst/>
@@ -2546,14 +2865,14 @@
       </p:sp>
       <p:sp>
         <p:nvSpPr>
-          <p:cNvPr id="49" name="CustomShape 16"/>
+          <p:cNvPr id="51" name="CustomShape 16"/>
           <p:cNvSpPr/>
           <p:nvPr/>
         </p:nvSpPr>
         <p:spPr>
           <a:xfrm>
             <a:off x="2695680" y="2596320"/>
-            <a:ext cx="1413720" cy="305280"/>
+            <a:ext cx="1413360" cy="304920"/>
           </a:xfrm>
           <a:prstGeom prst="rect">
             <a:avLst/>
@@ -2623,14 +2942,14 @@
       </p:sp>
       <p:sp>
         <p:nvSpPr>
-          <p:cNvPr id="50" name="CustomShape 17"/>
+          <p:cNvPr id="52" name="CustomShape 17"/>
           <p:cNvSpPr/>
           <p:nvPr/>
         </p:nvSpPr>
         <p:spPr>
           <a:xfrm flipH="1" rot="16200000">
-            <a:off x="2001600" y="2500920"/>
-            <a:ext cx="1160640" cy="226440"/>
+            <a:off x="2001600" y="2501280"/>
+            <a:ext cx="1160280" cy="226080"/>
           </a:xfrm>
           <a:prstGeom prst="bentConnector2">
             <a:avLst/>
@@ -2665,14 +2984,14 @@
       </p:sp>
       <p:sp>
         <p:nvSpPr>
-          <p:cNvPr id="51" name="CustomShape 18"/>
+          <p:cNvPr id="53" name="CustomShape 18"/>
           <p:cNvSpPr/>
           <p:nvPr/>
         </p:nvSpPr>
         <p:spPr>
           <a:xfrm flipH="1" rot="16200000">
-            <a:off x="1522800" y="2980080"/>
-            <a:ext cx="2114280" cy="221760"/>
+            <a:off x="1522080" y="2980440"/>
+            <a:ext cx="2113920" cy="221400"/>
           </a:xfrm>
           <a:prstGeom prst="bentConnector2">
             <a:avLst/>
@@ -2707,14 +3026,14 @@
       </p:sp>
       <p:sp>
         <p:nvSpPr>
-          <p:cNvPr id="52" name="CustomShape 19"/>
+          <p:cNvPr id="54" name="CustomShape 19"/>
           <p:cNvSpPr/>
           <p:nvPr/>
         </p:nvSpPr>
         <p:spPr>
           <a:xfrm flipH="1" rot="16200000">
-            <a:off x="1083960" y="3418920"/>
-            <a:ext cx="2998800" cy="228600"/>
+            <a:off x="1083960" y="3419280"/>
+            <a:ext cx="2998440" cy="228240"/>
           </a:xfrm>
           <a:prstGeom prst="bentConnector2">
             <a:avLst/>
@@ -2749,14 +3068,14 @@
       </p:sp>
       <p:sp>
         <p:nvSpPr>
-          <p:cNvPr id="53" name="CustomShape 20"/>
+          <p:cNvPr id="55" name="CustomShape 20"/>
           <p:cNvSpPr/>
           <p:nvPr/>
         </p:nvSpPr>
         <p:spPr>
           <a:xfrm flipH="1" rot="16200000">
-            <a:off x="328320" y="3659760"/>
-            <a:ext cx="4232880" cy="513360"/>
+            <a:off x="327240" y="3660120"/>
+            <a:ext cx="4232520" cy="513000"/>
           </a:xfrm>
           <a:prstGeom prst="bentConnector2">
             <a:avLst/>
@@ -2791,14 +3110,14 @@
       </p:sp>
       <p:sp>
         <p:nvSpPr>
-          <p:cNvPr id="54" name="CustomShape 21"/>
+          <p:cNvPr id="56" name="CustomShape 21"/>
           <p:cNvSpPr/>
           <p:nvPr/>
         </p:nvSpPr>
         <p:spPr>
           <a:xfrm>
-            <a:off x="5992560" y="615960"/>
-            <a:ext cx="995760" cy="447120"/>
+            <a:off x="5992560" y="579960"/>
+            <a:ext cx="995400" cy="446760"/>
           </a:xfrm>
           <a:prstGeom prst="rect">
             <a:avLst/>
@@ -2896,14 +3215,14 @@
       </p:sp>
       <p:sp>
         <p:nvSpPr>
-          <p:cNvPr id="55" name="CustomShape 22"/>
+          <p:cNvPr id="57" name="CustomShape 22"/>
           <p:cNvSpPr/>
           <p:nvPr/>
         </p:nvSpPr>
         <p:spPr>
           <a:xfrm flipV="1">
-            <a:off x="4109760" y="1280160"/>
-            <a:ext cx="2379960" cy="1467360"/>
+            <a:off x="4109760" y="1279440"/>
+            <a:ext cx="2379600" cy="1467000"/>
           </a:xfrm>
           <a:prstGeom prst="bentConnector2">
             <a:avLst/>
@@ -2937,14 +3256,14 @@
       </p:sp>
       <p:sp>
         <p:nvSpPr>
-          <p:cNvPr id="56" name="CustomShape 23"/>
+          <p:cNvPr id="58" name="CustomShape 23"/>
           <p:cNvSpPr/>
           <p:nvPr/>
         </p:nvSpPr>
         <p:spPr>
           <a:xfrm rot="5400000">
-            <a:off x="4376520" y="2465640"/>
-            <a:ext cx="3299400" cy="929880"/>
+            <a:off x="4376880" y="2465640"/>
+            <a:ext cx="3299040" cy="929520"/>
           </a:xfrm>
           <a:prstGeom prst="bentConnector2">
             <a:avLst/>
@@ -2978,14 +3297,14 @@
       </p:sp>
       <p:sp>
         <p:nvSpPr>
-          <p:cNvPr id="57" name="CustomShape 24"/>
+          <p:cNvPr id="59" name="CustomShape 24"/>
           <p:cNvSpPr/>
           <p:nvPr/>
         </p:nvSpPr>
         <p:spPr>
           <a:xfrm rot="5400000">
-            <a:off x="4344480" y="1046880"/>
-            <a:ext cx="1912680" cy="2380320"/>
+            <a:off x="4344840" y="1046880"/>
+            <a:ext cx="1912320" cy="2379960"/>
           </a:xfrm>
           <a:prstGeom prst="bentConnector2">
             <a:avLst/>
@@ -3019,14 +3338,14 @@
       </p:sp>
       <p:sp>
         <p:nvSpPr>
-          <p:cNvPr id="58" name="CustomShape 25"/>
+          <p:cNvPr id="60" name="CustomShape 25"/>
           <p:cNvSpPr/>
           <p:nvPr/>
         </p:nvSpPr>
         <p:spPr>
           <a:xfrm flipV="1">
-            <a:off x="3468600" y="1280520"/>
-            <a:ext cx="3021120" cy="294480"/>
+            <a:off x="3468600" y="1279800"/>
+            <a:ext cx="3020760" cy="294120"/>
           </a:xfrm>
           <a:prstGeom prst="bentConnector2">
             <a:avLst/>
@@ -3060,14 +3379,14 @@
       </p:sp>
       <p:sp>
         <p:nvSpPr>
-          <p:cNvPr id="59" name="CustomShape 26"/>
+          <p:cNvPr id="61" name="CustomShape 26"/>
           <p:cNvSpPr/>
           <p:nvPr/>
         </p:nvSpPr>
         <p:spPr>
           <a:xfrm rot="5400000">
-            <a:off x="3426840" y="1967760"/>
-            <a:ext cx="3751200" cy="2377080"/>
+            <a:off x="3427200" y="1967760"/>
+            <a:ext cx="3750840" cy="2376720"/>
           </a:xfrm>
           <a:prstGeom prst="bentConnector2">
             <a:avLst/>
@@ -3101,14 +3420,14 @@
       </p:sp>
       <p:sp>
         <p:nvSpPr>
-          <p:cNvPr id="60" name="CustomShape 27"/>
+          <p:cNvPr id="62" name="CustomShape 27"/>
           <p:cNvSpPr/>
           <p:nvPr/>
         </p:nvSpPr>
         <p:spPr>
           <a:xfrm rot="5400000">
-            <a:off x="2809440" y="2351160"/>
-            <a:ext cx="4986360" cy="2374200"/>
+            <a:off x="2927520" y="2468880"/>
+            <a:ext cx="4750200" cy="2373840"/>
           </a:xfrm>
           <a:prstGeom prst="bentConnector2">
             <a:avLst/>
@@ -3142,14 +3461,14 @@
       </p:sp>
       <p:sp>
         <p:nvSpPr>
-          <p:cNvPr id="61" name="CustomShape 28"/>
+          <p:cNvPr id="63" name="CustomShape 28"/>
           <p:cNvSpPr/>
           <p:nvPr/>
         </p:nvSpPr>
         <p:spPr>
           <a:xfrm flipH="1" flipV="1" rot="5400000">
-            <a:off x="5283720" y="-2129760"/>
-            <a:ext cx="219240" cy="5269680"/>
+            <a:off x="5283360" y="-2129400"/>
+            <a:ext cx="218880" cy="5269320"/>
           </a:xfrm>
           <a:prstGeom prst="bentConnector2">
             <a:avLst/>
@@ -3184,14 +3503,14 @@
       </p:sp>
       <p:sp>
         <p:nvSpPr>
-          <p:cNvPr id="62" name="CustomShape 29"/>
+          <p:cNvPr id="64" name="CustomShape 29"/>
           <p:cNvSpPr/>
           <p:nvPr/>
         </p:nvSpPr>
         <p:spPr>
           <a:xfrm rot="16200000">
-            <a:off x="7373520" y="4218480"/>
-            <a:ext cx="1769760" cy="423000"/>
+            <a:off x="7373520" y="4218840"/>
+            <a:ext cx="1769400" cy="422640"/>
           </a:xfrm>
           <a:prstGeom prst="roundRect">
             <a:avLst>
@@ -3266,14 +3585,14 @@
       </p:sp>
       <p:sp>
         <p:nvSpPr>
-          <p:cNvPr id="63" name="CustomShape 30"/>
+          <p:cNvPr id="65" name="CustomShape 30"/>
           <p:cNvSpPr/>
           <p:nvPr/>
         </p:nvSpPr>
         <p:spPr>
           <a:xfrm rot="16200000">
-            <a:off x="585000" y="2024640"/>
-            <a:ext cx="1410840" cy="446760"/>
+            <a:off x="585000" y="2025000"/>
+            <a:ext cx="1410480" cy="446400"/>
           </a:xfrm>
           <a:prstGeom prst="rect">
             <a:avLst/>
@@ -3379,14 +3698,14 @@
       </p:sp>
       <p:sp>
         <p:nvSpPr>
-          <p:cNvPr id="64" name="CustomShape 31"/>
+          <p:cNvPr id="66" name="CustomShape 31"/>
           <p:cNvSpPr/>
           <p:nvPr/>
         </p:nvSpPr>
         <p:spPr>
           <a:xfrm flipV="1">
-            <a:off x="1116360" y="1280160"/>
-            <a:ext cx="348120" cy="226080"/>
+            <a:off x="1116360" y="1279440"/>
+            <a:ext cx="347760" cy="225720"/>
           </a:xfrm>
           <a:prstGeom prst="triangle">
             <a:avLst>
@@ -3422,14 +3741,14 @@
       </p:sp>
       <p:sp>
         <p:nvSpPr>
-          <p:cNvPr id="65" name="CustomShape 32"/>
+          <p:cNvPr id="67" name="CustomShape 32"/>
           <p:cNvSpPr/>
           <p:nvPr/>
         </p:nvSpPr>
         <p:spPr>
           <a:xfrm flipV="1" rot="10800000">
-            <a:off x="2813040" y="1720800"/>
-            <a:ext cx="759960" cy="440280"/>
+            <a:off x="2061000" y="1261080"/>
+            <a:ext cx="759600" cy="439920"/>
           </a:xfrm>
           <a:prstGeom prst="bentConnector2">
             <a:avLst/>
@@ -3466,14 +3785,14 @@
       </p:sp>
       <p:sp>
         <p:nvSpPr>
-          <p:cNvPr id="66" name="CustomShape 33"/>
+          <p:cNvPr id="68" name="CustomShape 33"/>
           <p:cNvSpPr/>
           <p:nvPr/>
         </p:nvSpPr>
         <p:spPr>
           <a:xfrm flipH="1" rot="16200000">
-            <a:off x="2224440" y="2279160"/>
-            <a:ext cx="714960" cy="224640"/>
+            <a:off x="2223720" y="2279520"/>
+            <a:ext cx="714600" cy="224280"/>
           </a:xfrm>
           <a:prstGeom prst="bentConnector2">
             <a:avLst/>
@@ -3508,14 +3827,14 @@
       </p:sp>
       <p:sp>
         <p:nvSpPr>
-          <p:cNvPr id="67" name="CustomShape 34"/>
+          <p:cNvPr id="69" name="CustomShape 34"/>
           <p:cNvSpPr/>
           <p:nvPr/>
         </p:nvSpPr>
         <p:spPr>
           <a:xfrm rot="5400000">
-            <a:off x="4781880" y="609480"/>
-            <a:ext cx="1037880" cy="2380320"/>
+            <a:off x="4782240" y="609480"/>
+            <a:ext cx="1037520" cy="2379960"/>
           </a:xfrm>
           <a:prstGeom prst="bentConnector2">
             <a:avLst/>
@@ -3549,14 +3868,14 @@
       </p:sp>
       <p:sp>
         <p:nvSpPr>
-          <p:cNvPr id="68" name="CustomShape 35"/>
+          <p:cNvPr id="70" name="CustomShape 35"/>
           <p:cNvSpPr/>
           <p:nvPr/>
         </p:nvSpPr>
         <p:spPr>
           <a:xfrm flipH="1" rot="16200000">
-            <a:off x="3667320" y="4033440"/>
-            <a:ext cx="279000" cy="816840"/>
+            <a:off x="3667320" y="4033800"/>
+            <a:ext cx="278640" cy="816480"/>
           </a:xfrm>
           <a:prstGeom prst="bentConnector2">
             <a:avLst/>
@@ -3591,14 +3910,14 @@
       </p:sp>
       <p:sp>
         <p:nvSpPr>
-          <p:cNvPr id="69" name="CustomShape 36"/>
+          <p:cNvPr id="71" name="CustomShape 36"/>
           <p:cNvSpPr/>
           <p:nvPr/>
         </p:nvSpPr>
         <p:spPr>
           <a:xfrm rot="5400000">
-            <a:off x="3864960" y="1521360"/>
-            <a:ext cx="2866680" cy="2385360"/>
+            <a:off x="3865320" y="1557360"/>
+            <a:ext cx="2866320" cy="2385000"/>
           </a:xfrm>
           <a:prstGeom prst="bentConnector2">
             <a:avLst/>
@@ -3632,14 +3951,14 @@
       </p:sp>
       <p:sp>
         <p:nvSpPr>
-          <p:cNvPr id="70" name="CustomShape 37"/>
+          <p:cNvPr id="72" name="CustomShape 37"/>
           <p:cNvSpPr/>
           <p:nvPr/>
         </p:nvSpPr>
         <p:spPr>
           <a:xfrm>
             <a:off x="6369840" y="1871640"/>
-            <a:ext cx="294840" cy="214200"/>
+            <a:ext cx="294480" cy="213840"/>
           </a:xfrm>
           <a:prstGeom prst="rect">
             <a:avLst/>
@@ -3675,14 +3994,14 @@
       </p:sp>
       <p:sp>
         <p:nvSpPr>
-          <p:cNvPr id="71" name="CustomShape 38"/>
+          <p:cNvPr id="73" name="CustomShape 38"/>
           <p:cNvSpPr/>
           <p:nvPr/>
         </p:nvSpPr>
         <p:spPr>
           <a:xfrm>
             <a:off x="4111560" y="1982160"/>
-            <a:ext cx="3934800" cy="261000"/>
+            <a:ext cx="3934440" cy="260640"/>
           </a:xfrm>
           <a:custGeom>
             <a:avLst/>
@@ -3734,14 +4053,14 @@
       </p:sp>
       <p:sp>
         <p:nvSpPr>
-          <p:cNvPr id="72" name="CustomShape 39"/>
+          <p:cNvPr id="74" name="CustomShape 39"/>
           <p:cNvSpPr/>
           <p:nvPr/>
         </p:nvSpPr>
         <p:spPr>
           <a:xfrm>
             <a:off x="6364080" y="4124520"/>
-            <a:ext cx="294840" cy="206280"/>
+            <a:ext cx="294480" cy="205920"/>
           </a:xfrm>
           <a:prstGeom prst="rect">
             <a:avLst/>
@@ -3777,14 +4096,14 @@
       </p:sp>
       <p:sp>
         <p:nvSpPr>
-          <p:cNvPr id="73" name="CustomShape 40"/>
+          <p:cNvPr id="75" name="CustomShape 40"/>
           <p:cNvSpPr/>
           <p:nvPr/>
         </p:nvSpPr>
         <p:spPr>
           <a:xfrm>
             <a:off x="4901040" y="4235760"/>
-            <a:ext cx="3173040" cy="191160"/>
+            <a:ext cx="3172680" cy="190800"/>
           </a:xfrm>
           <a:custGeom>
             <a:avLst/>
@@ -3839,14 +4158,14 @@
       </p:sp>
       <p:sp>
         <p:nvSpPr>
-          <p:cNvPr id="74" name="CustomShape 41"/>
+          <p:cNvPr id="76" name="CustomShape 41"/>
           <p:cNvSpPr/>
           <p:nvPr/>
         </p:nvSpPr>
         <p:spPr>
           <a:xfrm flipV="1">
-            <a:off x="2468880" y="3670200"/>
-            <a:ext cx="227880" cy="10080"/>
+            <a:off x="2468880" y="3669480"/>
+            <a:ext cx="227520" cy="9720"/>
           </a:xfrm>
           <a:prstGeom prst="bentConnector3">
             <a:avLst>
@@ -3883,14 +4202,14 @@
       </p:sp>
       <p:sp>
         <p:nvSpPr>
-          <p:cNvPr id="75" name="CustomShape 42"/>
+          <p:cNvPr id="77" name="CustomShape 42"/>
           <p:cNvSpPr/>
           <p:nvPr/>
         </p:nvSpPr>
         <p:spPr>
           <a:xfrm>
             <a:off x="2697480" y="3518640"/>
-            <a:ext cx="1411560" cy="304920"/>
+            <a:ext cx="1411200" cy="304560"/>
           </a:xfrm>
           <a:prstGeom prst="rect">
             <a:avLst/>
@@ -3960,14 +4279,14 @@
       </p:sp>
       <p:sp>
         <p:nvSpPr>
-          <p:cNvPr id="76" name="CustomShape 43"/>
+          <p:cNvPr id="78" name="CustomShape 43"/>
           <p:cNvSpPr/>
           <p:nvPr/>
         </p:nvSpPr>
         <p:spPr>
           <a:xfrm rot="10800000">
-            <a:off x="6498000" y="3657600"/>
-            <a:ext cx="2382120" cy="720"/>
+            <a:off x="6504120" y="3658320"/>
+            <a:ext cx="2381760" cy="360"/>
           </a:xfrm>
           <a:prstGeom prst="bentConnector3">
             <a:avLst>
@@ -4003,14 +4322,14 @@
       </p:sp>
       <p:sp>
         <p:nvSpPr>
-          <p:cNvPr id="77" name="CustomShape 44"/>
+          <p:cNvPr id="79" name="CustomShape 44"/>
           <p:cNvSpPr/>
           <p:nvPr/>
         </p:nvSpPr>
         <p:spPr>
           <a:xfrm>
             <a:off x="2703240" y="5901840"/>
-            <a:ext cx="1411560" cy="305280"/>
+            <a:ext cx="1411200" cy="304920"/>
           </a:xfrm>
           <a:prstGeom prst="rect">
             <a:avLst/>
@@ -4080,14 +4399,14 @@
       </p:sp>
       <p:sp>
         <p:nvSpPr>
-          <p:cNvPr id="78" name="CustomShape 45"/>
+          <p:cNvPr id="80" name="CustomShape 45"/>
           <p:cNvSpPr/>
           <p:nvPr/>
         </p:nvSpPr>
         <p:spPr>
           <a:xfrm flipH="1" rot="16200000">
-            <a:off x="725760" y="3568680"/>
-            <a:ext cx="3716640" cy="228960"/>
+            <a:off x="724680" y="3569040"/>
+            <a:ext cx="3716280" cy="228600"/>
           </a:xfrm>
           <a:prstGeom prst="bentConnector2">
             <a:avLst/>
@@ -4122,14 +4441,14 @@
       </p:sp>
       <p:sp>
         <p:nvSpPr>
-          <p:cNvPr id="79" name="CustomShape 46"/>
+          <p:cNvPr id="81" name="CustomShape 46"/>
           <p:cNvSpPr/>
           <p:nvPr/>
         </p:nvSpPr>
         <p:spPr>
           <a:xfrm rot="5400000">
-            <a:off x="3046680" y="2112120"/>
-            <a:ext cx="4511160" cy="2377080"/>
+            <a:off x="3146760" y="2283840"/>
+            <a:ext cx="4311000" cy="2376720"/>
           </a:xfrm>
           <a:prstGeom prst="bentConnector2">
             <a:avLst/>

--- a/docs/diagrams/UiComponentClassDiagram.pptx
+++ b/docs/diagrams/UiComponentClassDiagram.pptx
@@ -1,19 +1,114 @@
 
 <file path=ppt/presentation.xml><?xml version="1.0" encoding="utf-8"?>
-<p:presentation xmlns:a="http://schemas.openxmlformats.org/drawingml/2006/main" xmlns:p="http://schemas.openxmlformats.org/presentationml/2006/main" xmlns:r="http://schemas.openxmlformats.org/officeDocument/2006/relationships" xmlns:p14="http://schemas.microsoft.com/office/powerpoint/2010/main" xmlns:p15="http://schemas.microsoft.com/office/powerpoint/2012/main" xmlns:mc="http://schemas.openxmlformats.org/markup-compatibility/2006">
+<p:presentation xmlns:a="http://schemas.openxmlformats.org/drawingml/2006/main" xmlns:r="http://schemas.openxmlformats.org/officeDocument/2006/relationships" xmlns:p="http://schemas.openxmlformats.org/presentationml/2006/main">
   <p:sldMasterIdLst>
-    <p:sldMasterId id="2147483648" r:id="rId2"/>
+    <p:sldMasterId id="2147483648" r:id="rId1"/>
   </p:sldMasterIdLst>
   <p:sldIdLst>
-    <p:sldId id="256" r:id="rId3"/>
+    <p:sldId id="256" r:id="rId2"/>
   </p:sldIdLst>
-  <p:sldSz cx="9144000" cy="6858000"/>
-  <p:notesSz cx="7559675" cy="10691812"/>
+  <p:sldSz cx="9144000" cy="6858000" type="screen4x3"/>
+  <p:notesSz cx="7559675" cy="10691813"/>
+  <p:defaultTextStyle>
+    <a:defPPr>
+      <a:defRPr lang="en-US"/>
+    </a:defPPr>
+    <a:lvl1pPr marL="0" algn="l" defTabSz="914400" rtl="0" eaLnBrk="1" latinLnBrk="0" hangingPunct="1">
+      <a:defRPr sz="1800" kern="1200">
+        <a:solidFill>
+          <a:schemeClr val="tx1"/>
+        </a:solidFill>
+        <a:latin typeface="+mn-lt"/>
+        <a:ea typeface="+mn-ea"/>
+        <a:cs typeface="+mn-cs"/>
+      </a:defRPr>
+    </a:lvl1pPr>
+    <a:lvl2pPr marL="457200" algn="l" defTabSz="914400" rtl="0" eaLnBrk="1" latinLnBrk="0" hangingPunct="1">
+      <a:defRPr sz="1800" kern="1200">
+        <a:solidFill>
+          <a:schemeClr val="tx1"/>
+        </a:solidFill>
+        <a:latin typeface="+mn-lt"/>
+        <a:ea typeface="+mn-ea"/>
+        <a:cs typeface="+mn-cs"/>
+      </a:defRPr>
+    </a:lvl2pPr>
+    <a:lvl3pPr marL="914400" algn="l" defTabSz="914400" rtl="0" eaLnBrk="1" latinLnBrk="0" hangingPunct="1">
+      <a:defRPr sz="1800" kern="1200">
+        <a:solidFill>
+          <a:schemeClr val="tx1"/>
+        </a:solidFill>
+        <a:latin typeface="+mn-lt"/>
+        <a:ea typeface="+mn-ea"/>
+        <a:cs typeface="+mn-cs"/>
+      </a:defRPr>
+    </a:lvl3pPr>
+    <a:lvl4pPr marL="1371600" algn="l" defTabSz="914400" rtl="0" eaLnBrk="1" latinLnBrk="0" hangingPunct="1">
+      <a:defRPr sz="1800" kern="1200">
+        <a:solidFill>
+          <a:schemeClr val="tx1"/>
+        </a:solidFill>
+        <a:latin typeface="+mn-lt"/>
+        <a:ea typeface="+mn-ea"/>
+        <a:cs typeface="+mn-cs"/>
+      </a:defRPr>
+    </a:lvl4pPr>
+    <a:lvl5pPr marL="1828800" algn="l" defTabSz="914400" rtl="0" eaLnBrk="1" latinLnBrk="0" hangingPunct="1">
+      <a:defRPr sz="1800" kern="1200">
+        <a:solidFill>
+          <a:schemeClr val="tx1"/>
+        </a:solidFill>
+        <a:latin typeface="+mn-lt"/>
+        <a:ea typeface="+mn-ea"/>
+        <a:cs typeface="+mn-cs"/>
+      </a:defRPr>
+    </a:lvl5pPr>
+    <a:lvl6pPr marL="2286000" algn="l" defTabSz="914400" rtl="0" eaLnBrk="1" latinLnBrk="0" hangingPunct="1">
+      <a:defRPr sz="1800" kern="1200">
+        <a:solidFill>
+          <a:schemeClr val="tx1"/>
+        </a:solidFill>
+        <a:latin typeface="+mn-lt"/>
+        <a:ea typeface="+mn-ea"/>
+        <a:cs typeface="+mn-cs"/>
+      </a:defRPr>
+    </a:lvl6pPr>
+    <a:lvl7pPr marL="2743200" algn="l" defTabSz="914400" rtl="0" eaLnBrk="1" latinLnBrk="0" hangingPunct="1">
+      <a:defRPr sz="1800" kern="1200">
+        <a:solidFill>
+          <a:schemeClr val="tx1"/>
+        </a:solidFill>
+        <a:latin typeface="+mn-lt"/>
+        <a:ea typeface="+mn-ea"/>
+        <a:cs typeface="+mn-cs"/>
+      </a:defRPr>
+    </a:lvl7pPr>
+    <a:lvl8pPr marL="3200400" algn="l" defTabSz="914400" rtl="0" eaLnBrk="1" latinLnBrk="0" hangingPunct="1">
+      <a:defRPr sz="1800" kern="1200">
+        <a:solidFill>
+          <a:schemeClr val="tx1"/>
+        </a:solidFill>
+        <a:latin typeface="+mn-lt"/>
+        <a:ea typeface="+mn-ea"/>
+        <a:cs typeface="+mn-cs"/>
+      </a:defRPr>
+    </a:lvl8pPr>
+    <a:lvl9pPr marL="3657600" algn="l" defTabSz="914400" rtl="0" eaLnBrk="1" latinLnBrk="0" hangingPunct="1">
+      <a:defRPr sz="1800" kern="1200">
+        <a:solidFill>
+          <a:schemeClr val="tx1"/>
+        </a:solidFill>
+        <a:latin typeface="+mn-lt"/>
+        <a:ea typeface="+mn-ea"/>
+        <a:cs typeface="+mn-cs"/>
+      </a:defRPr>
+    </a:lvl9pPr>
+  </p:defaultTextStyle>
 </p:presentation>
 </file>
 
 <file path=ppt/slideLayouts/slideLayout1.xml><?xml version="1.0" encoding="utf-8"?>
-<p:sldLayout xmlns:a="http://schemas.openxmlformats.org/drawingml/2006/main" xmlns:p="http://schemas.openxmlformats.org/presentationml/2006/main" xmlns:r="http://schemas.openxmlformats.org/officeDocument/2006/relationships" xmlns:p14="http://schemas.microsoft.com/office/powerpoint/2010/main" xmlns:p15="http://schemas.microsoft.com/office/powerpoint/2012/main" xmlns:mc="http://schemas.openxmlformats.org/markup-compatibility/2006" type="blank" preserve="1">
+<p:sldLayout xmlns:a="http://schemas.openxmlformats.org/drawingml/2006/main" xmlns:r="http://schemas.openxmlformats.org/officeDocument/2006/relationships" xmlns:p="http://schemas.openxmlformats.org/presentationml/2006/main" type="blank" preserve="1">
   <p:cSld name="Blank Slide">
     <p:spTree>
       <p:nvGrpSpPr>
@@ -31,11 +126,14 @@
       </p:grpSpPr>
     </p:spTree>
   </p:cSld>
+  <p:clrMapOvr>
+    <a:masterClrMapping/>
+  </p:clrMapOvr>
 </p:sldLayout>
 </file>
 
 <file path=ppt/slideLayouts/slideLayout10.xml><?xml version="1.0" encoding="utf-8"?>
-<p:sldLayout xmlns:a="http://schemas.openxmlformats.org/drawingml/2006/main" xmlns:p="http://schemas.openxmlformats.org/presentationml/2006/main" xmlns:r="http://schemas.openxmlformats.org/officeDocument/2006/relationships" xmlns:p14="http://schemas.microsoft.com/office/powerpoint/2010/main" xmlns:p15="http://schemas.microsoft.com/office/powerpoint/2012/main" xmlns:mc="http://schemas.openxmlformats.org/markup-compatibility/2006" type="objOverTx" preserve="1">
+<p:sldLayout xmlns:a="http://schemas.openxmlformats.org/drawingml/2006/main" xmlns:r="http://schemas.openxmlformats.org/officeDocument/2006/relationships" xmlns:p="http://schemas.openxmlformats.org/presentationml/2006/main" type="objOverTx" preserve="1">
   <p:cSld name="Title, Content over Content">
     <p:spTree>
       <p:nvGrpSpPr>
@@ -71,16 +169,17 @@
           </a:prstGeom>
         </p:spPr>
         <p:txBody>
-          <a:bodyPr lIns="0" rIns="0" tIns="0" bIns="0" anchor="ctr"/>
+          <a:bodyPr lIns="0" tIns="0" rIns="0" bIns="0" anchor="ctr"/>
+          <a:lstStyle/>
           <a:p>
             <a:pPr algn="ctr"/>
-            <a:endParaRPr b="0" lang="en-US" sz="4400" spc="-1" strike="noStrike">
+            <a:endParaRPr lang="en-US" sz="4400" b="0" strike="noStrike" spc="-1">
               <a:solidFill>
                 <a:srgbClr val="000000"/>
               </a:solidFill>
               <a:uFill>
                 <a:solidFill>
-                  <a:srgbClr val="ffffff"/>
+                  <a:srgbClr val="FFFFFF"/>
                 </a:solidFill>
               </a:uFill>
               <a:latin typeface="Arial"/>
@@ -108,15 +207,16 @@
           </a:prstGeom>
         </p:spPr>
         <p:txBody>
-          <a:bodyPr lIns="0" rIns="0" tIns="0" bIns="0"/>
-          <a:p>
-            <a:endParaRPr b="0" lang="en-US" sz="3200" spc="-1" strike="noStrike">
+          <a:bodyPr lIns="0" tIns="0" rIns="0" bIns="0"/>
+          <a:lstStyle/>
+          <a:p>
+            <a:endParaRPr lang="en-US" sz="3200" b="0" strike="noStrike" spc="-1">
               <a:solidFill>
                 <a:srgbClr val="000000"/>
               </a:solidFill>
               <a:uFill>
                 <a:solidFill>
-                  <a:srgbClr val="ffffff"/>
+                  <a:srgbClr val="FFFFFF"/>
                 </a:solidFill>
               </a:uFill>
               <a:latin typeface="Arial"/>
@@ -144,15 +244,16 @@
           </a:prstGeom>
         </p:spPr>
         <p:txBody>
-          <a:bodyPr lIns="0" rIns="0" tIns="0" bIns="0"/>
-          <a:p>
-            <a:endParaRPr b="0" lang="en-US" sz="3200" spc="-1" strike="noStrike">
+          <a:bodyPr lIns="0" tIns="0" rIns="0" bIns="0"/>
+          <a:lstStyle/>
+          <a:p>
+            <a:endParaRPr lang="en-US" sz="3200" b="0" strike="noStrike" spc="-1">
               <a:solidFill>
                 <a:srgbClr val="000000"/>
               </a:solidFill>
               <a:uFill>
                 <a:solidFill>
-                  <a:srgbClr val="ffffff"/>
+                  <a:srgbClr val="FFFFFF"/>
                 </a:solidFill>
               </a:uFill>
               <a:latin typeface="Arial"/>
@@ -162,11 +263,14 @@
       </p:sp>
     </p:spTree>
   </p:cSld>
+  <p:clrMapOvr>
+    <a:masterClrMapping/>
+  </p:clrMapOvr>
 </p:sldLayout>
 </file>
 
 <file path=ppt/slideLayouts/slideLayout11.xml><?xml version="1.0" encoding="utf-8"?>
-<p:sldLayout xmlns:a="http://schemas.openxmlformats.org/drawingml/2006/main" xmlns:p="http://schemas.openxmlformats.org/presentationml/2006/main" xmlns:r="http://schemas.openxmlformats.org/officeDocument/2006/relationships" xmlns:p14="http://schemas.microsoft.com/office/powerpoint/2010/main" xmlns:p15="http://schemas.microsoft.com/office/powerpoint/2012/main" xmlns:mc="http://schemas.openxmlformats.org/markup-compatibility/2006" type="fourObj" preserve="1">
+<p:sldLayout xmlns:a="http://schemas.openxmlformats.org/drawingml/2006/main" xmlns:r="http://schemas.openxmlformats.org/officeDocument/2006/relationships" xmlns:p="http://schemas.openxmlformats.org/presentationml/2006/main" type="fourObj" preserve="1">
   <p:cSld name="Title, 4 Content">
     <p:spTree>
       <p:nvGrpSpPr>
@@ -202,16 +306,17 @@
           </a:prstGeom>
         </p:spPr>
         <p:txBody>
-          <a:bodyPr lIns="0" rIns="0" tIns="0" bIns="0" anchor="ctr"/>
+          <a:bodyPr lIns="0" tIns="0" rIns="0" bIns="0" anchor="ctr"/>
+          <a:lstStyle/>
           <a:p>
             <a:pPr algn="ctr"/>
-            <a:endParaRPr b="0" lang="en-US" sz="4400" spc="-1" strike="noStrike">
+            <a:endParaRPr lang="en-US" sz="4400" b="0" strike="noStrike" spc="-1">
               <a:solidFill>
                 <a:srgbClr val="000000"/>
               </a:solidFill>
               <a:uFill>
                 <a:solidFill>
-                  <a:srgbClr val="ffffff"/>
+                  <a:srgbClr val="FFFFFF"/>
                 </a:solidFill>
               </a:uFill>
               <a:latin typeface="Arial"/>
@@ -239,15 +344,16 @@
           </a:prstGeom>
         </p:spPr>
         <p:txBody>
-          <a:bodyPr lIns="0" rIns="0" tIns="0" bIns="0"/>
-          <a:p>
-            <a:endParaRPr b="0" lang="en-US" sz="3200" spc="-1" strike="noStrike">
+          <a:bodyPr lIns="0" tIns="0" rIns="0" bIns="0"/>
+          <a:lstStyle/>
+          <a:p>
+            <a:endParaRPr lang="en-US" sz="3200" b="0" strike="noStrike" spc="-1">
               <a:solidFill>
                 <a:srgbClr val="000000"/>
               </a:solidFill>
               <a:uFill>
                 <a:solidFill>
-                  <a:srgbClr val="ffffff"/>
+                  <a:srgbClr val="FFFFFF"/>
                 </a:solidFill>
               </a:uFill>
               <a:latin typeface="Arial"/>
@@ -275,15 +381,16 @@
           </a:prstGeom>
         </p:spPr>
         <p:txBody>
-          <a:bodyPr lIns="0" rIns="0" tIns="0" bIns="0"/>
-          <a:p>
-            <a:endParaRPr b="0" lang="en-US" sz="3200" spc="-1" strike="noStrike">
+          <a:bodyPr lIns="0" tIns="0" rIns="0" bIns="0"/>
+          <a:lstStyle/>
+          <a:p>
+            <a:endParaRPr lang="en-US" sz="3200" b="0" strike="noStrike" spc="-1">
               <a:solidFill>
                 <a:srgbClr val="000000"/>
               </a:solidFill>
               <a:uFill>
                 <a:solidFill>
-                  <a:srgbClr val="ffffff"/>
+                  <a:srgbClr val="FFFFFF"/>
                 </a:solidFill>
               </a:uFill>
               <a:latin typeface="Arial"/>
@@ -311,15 +418,16 @@
           </a:prstGeom>
         </p:spPr>
         <p:txBody>
-          <a:bodyPr lIns="0" rIns="0" tIns="0" bIns="0"/>
-          <a:p>
-            <a:endParaRPr b="0" lang="en-US" sz="3200" spc="-1" strike="noStrike">
+          <a:bodyPr lIns="0" tIns="0" rIns="0" bIns="0"/>
+          <a:lstStyle/>
+          <a:p>
+            <a:endParaRPr lang="en-US" sz="3200" b="0" strike="noStrike" spc="-1">
               <a:solidFill>
                 <a:srgbClr val="000000"/>
               </a:solidFill>
               <a:uFill>
                 <a:solidFill>
-                  <a:srgbClr val="ffffff"/>
+                  <a:srgbClr val="FFFFFF"/>
                 </a:solidFill>
               </a:uFill>
               <a:latin typeface="Arial"/>
@@ -347,15 +455,16 @@
           </a:prstGeom>
         </p:spPr>
         <p:txBody>
-          <a:bodyPr lIns="0" rIns="0" tIns="0" bIns="0"/>
-          <a:p>
-            <a:endParaRPr b="0" lang="en-US" sz="3200" spc="-1" strike="noStrike">
+          <a:bodyPr lIns="0" tIns="0" rIns="0" bIns="0"/>
+          <a:lstStyle/>
+          <a:p>
+            <a:endParaRPr lang="en-US" sz="3200" b="0" strike="noStrike" spc="-1">
               <a:solidFill>
                 <a:srgbClr val="000000"/>
               </a:solidFill>
               <a:uFill>
                 <a:solidFill>
-                  <a:srgbClr val="ffffff"/>
+                  <a:srgbClr val="FFFFFF"/>
                 </a:solidFill>
               </a:uFill>
               <a:latin typeface="Arial"/>
@@ -365,11 +474,14 @@
       </p:sp>
     </p:spTree>
   </p:cSld>
+  <p:clrMapOvr>
+    <a:masterClrMapping/>
+  </p:clrMapOvr>
 </p:sldLayout>
 </file>
 
 <file path=ppt/slideLayouts/slideLayout12.xml><?xml version="1.0" encoding="utf-8"?>
-<p:sldLayout xmlns:a="http://schemas.openxmlformats.org/drawingml/2006/main" xmlns:p="http://schemas.openxmlformats.org/presentationml/2006/main" xmlns:r="http://schemas.openxmlformats.org/officeDocument/2006/relationships" xmlns:p14="http://schemas.microsoft.com/office/powerpoint/2010/main" xmlns:p15="http://schemas.microsoft.com/office/powerpoint/2012/main" xmlns:mc="http://schemas.openxmlformats.org/markup-compatibility/2006" type="blank" preserve="1">
+<p:sldLayout xmlns:a="http://schemas.openxmlformats.org/drawingml/2006/main" xmlns:r="http://schemas.openxmlformats.org/officeDocument/2006/relationships" xmlns:p="http://schemas.openxmlformats.org/presentationml/2006/main" type="blank" preserve="1">
   <p:cSld name="Title, 6 Content">
     <p:spTree>
       <p:nvGrpSpPr>
@@ -405,16 +517,17 @@
           </a:prstGeom>
         </p:spPr>
         <p:txBody>
-          <a:bodyPr lIns="0" rIns="0" tIns="0" bIns="0" anchor="ctr"/>
+          <a:bodyPr lIns="0" tIns="0" rIns="0" bIns="0" anchor="ctr"/>
+          <a:lstStyle/>
           <a:p>
             <a:pPr algn="ctr"/>
-            <a:endParaRPr b="0" lang="en-US" sz="4400" spc="-1" strike="noStrike">
+            <a:endParaRPr lang="en-US" sz="4400" b="0" strike="noStrike" spc="-1">
               <a:solidFill>
                 <a:srgbClr val="000000"/>
               </a:solidFill>
               <a:uFill>
                 <a:solidFill>
-                  <a:srgbClr val="ffffff"/>
+                  <a:srgbClr val="FFFFFF"/>
                 </a:solidFill>
               </a:uFill>
               <a:latin typeface="Arial"/>
@@ -442,15 +555,16 @@
           </a:prstGeom>
         </p:spPr>
         <p:txBody>
-          <a:bodyPr lIns="0" rIns="0" tIns="0" bIns="0"/>
-          <a:p>
-            <a:endParaRPr b="0" lang="en-US" sz="3200" spc="-1" strike="noStrike">
+          <a:bodyPr lIns="0" tIns="0" rIns="0" bIns="0"/>
+          <a:lstStyle/>
+          <a:p>
+            <a:endParaRPr lang="en-US" sz="3200" b="0" strike="noStrike" spc="-1">
               <a:solidFill>
                 <a:srgbClr val="000000"/>
               </a:solidFill>
               <a:uFill>
                 <a:solidFill>
-                  <a:srgbClr val="ffffff"/>
+                  <a:srgbClr val="FFFFFF"/>
                 </a:solidFill>
               </a:uFill>
               <a:latin typeface="Arial"/>
@@ -478,15 +592,16 @@
           </a:prstGeom>
         </p:spPr>
         <p:txBody>
-          <a:bodyPr lIns="0" rIns="0" tIns="0" bIns="0"/>
-          <a:p>
-            <a:endParaRPr b="0" lang="en-US" sz="3200" spc="-1" strike="noStrike">
+          <a:bodyPr lIns="0" tIns="0" rIns="0" bIns="0"/>
+          <a:lstStyle/>
+          <a:p>
+            <a:endParaRPr lang="en-US" sz="3200" b="0" strike="noStrike" spc="-1">
               <a:solidFill>
                 <a:srgbClr val="000000"/>
               </a:solidFill>
               <a:uFill>
                 <a:solidFill>
-                  <a:srgbClr val="ffffff"/>
+                  <a:srgbClr val="FFFFFF"/>
                 </a:solidFill>
               </a:uFill>
               <a:latin typeface="Arial"/>
@@ -496,7 +611,7 @@
       </p:sp>
       <p:pic>
         <p:nvPicPr>
-          <p:cNvPr id="34" name="" descr=""/>
+          <p:cNvPr id="34" name="Picture 33"/>
           <p:cNvPicPr/>
           <p:nvPr/>
         </p:nvPicPr>
@@ -519,12 +634,12 @@
       </p:pic>
       <p:pic>
         <p:nvPicPr>
-          <p:cNvPr id="35" name="" descr=""/>
+          <p:cNvPr id="35" name="Picture 34"/>
           <p:cNvPicPr/>
           <p:nvPr/>
         </p:nvPicPr>
         <p:blipFill>
-          <a:blip r:embed="rId3"/>
+          <a:blip r:embed="rId2"/>
           <a:stretch/>
         </p:blipFill>
         <p:spPr>
@@ -542,11 +657,14 @@
       </p:pic>
     </p:spTree>
   </p:cSld>
+  <p:clrMapOvr>
+    <a:masterClrMapping/>
+  </p:clrMapOvr>
 </p:sldLayout>
 </file>
 
 <file path=ppt/slideLayouts/slideLayout2.xml><?xml version="1.0" encoding="utf-8"?>
-<p:sldLayout xmlns:a="http://schemas.openxmlformats.org/drawingml/2006/main" xmlns:p="http://schemas.openxmlformats.org/presentationml/2006/main" xmlns:r="http://schemas.openxmlformats.org/officeDocument/2006/relationships" xmlns:p14="http://schemas.microsoft.com/office/powerpoint/2010/main" xmlns:p15="http://schemas.microsoft.com/office/powerpoint/2012/main" xmlns:mc="http://schemas.openxmlformats.org/markup-compatibility/2006" type="tx" preserve="1">
+<p:sldLayout xmlns:a="http://schemas.openxmlformats.org/drawingml/2006/main" xmlns:r="http://schemas.openxmlformats.org/officeDocument/2006/relationships" xmlns:p="http://schemas.openxmlformats.org/presentationml/2006/main" type="tx" preserve="1">
   <p:cSld name="Title Slide">
     <p:spTree>
       <p:nvGrpSpPr>
@@ -582,16 +700,17 @@
           </a:prstGeom>
         </p:spPr>
         <p:txBody>
-          <a:bodyPr lIns="0" rIns="0" tIns="0" bIns="0" anchor="ctr"/>
+          <a:bodyPr lIns="0" tIns="0" rIns="0" bIns="0" anchor="ctr"/>
+          <a:lstStyle/>
           <a:p>
             <a:pPr algn="ctr"/>
-            <a:endParaRPr b="0" lang="en-US" sz="4400" spc="-1" strike="noStrike">
+            <a:endParaRPr lang="en-US" sz="4400" b="0" strike="noStrike" spc="-1">
               <a:solidFill>
                 <a:srgbClr val="000000"/>
               </a:solidFill>
               <a:uFill>
                 <a:solidFill>
-                  <a:srgbClr val="ffffff"/>
+                  <a:srgbClr val="FFFFFF"/>
                 </a:solidFill>
               </a:uFill>
               <a:latin typeface="Arial"/>
@@ -619,16 +738,17 @@
           </a:prstGeom>
         </p:spPr>
         <p:txBody>
-          <a:bodyPr lIns="0" rIns="0" tIns="0" bIns="0" anchor="ctr"/>
+          <a:bodyPr lIns="0" tIns="0" rIns="0" bIns="0" anchor="ctr"/>
+          <a:lstStyle/>
           <a:p>
             <a:pPr algn="ctr"/>
-            <a:endParaRPr b="0" lang="en-US" sz="3200" spc="-1" strike="noStrike">
+            <a:endParaRPr lang="en-US" sz="3200" b="0" strike="noStrike" spc="-1">
               <a:solidFill>
                 <a:srgbClr val="000000"/>
               </a:solidFill>
               <a:uFill>
                 <a:solidFill>
-                  <a:srgbClr val="ffffff"/>
+                  <a:srgbClr val="FFFFFF"/>
                 </a:solidFill>
               </a:uFill>
               <a:latin typeface="Arial"/>
@@ -638,11 +758,14 @@
       </p:sp>
     </p:spTree>
   </p:cSld>
+  <p:clrMapOvr>
+    <a:masterClrMapping/>
+  </p:clrMapOvr>
 </p:sldLayout>
 </file>
 
 <file path=ppt/slideLayouts/slideLayout3.xml><?xml version="1.0" encoding="utf-8"?>
-<p:sldLayout xmlns:a="http://schemas.openxmlformats.org/drawingml/2006/main" xmlns:p="http://schemas.openxmlformats.org/presentationml/2006/main" xmlns:r="http://schemas.openxmlformats.org/officeDocument/2006/relationships" xmlns:p14="http://schemas.microsoft.com/office/powerpoint/2010/main" xmlns:p15="http://schemas.microsoft.com/office/powerpoint/2012/main" xmlns:mc="http://schemas.openxmlformats.org/markup-compatibility/2006" type="obj" preserve="1">
+<p:sldLayout xmlns:a="http://schemas.openxmlformats.org/drawingml/2006/main" xmlns:r="http://schemas.openxmlformats.org/officeDocument/2006/relationships" xmlns:p="http://schemas.openxmlformats.org/presentationml/2006/main" type="obj" preserve="1">
   <p:cSld name="Title, Content">
     <p:spTree>
       <p:nvGrpSpPr>
@@ -678,16 +801,17 @@
           </a:prstGeom>
         </p:spPr>
         <p:txBody>
-          <a:bodyPr lIns="0" rIns="0" tIns="0" bIns="0" anchor="ctr"/>
+          <a:bodyPr lIns="0" tIns="0" rIns="0" bIns="0" anchor="ctr"/>
+          <a:lstStyle/>
           <a:p>
             <a:pPr algn="ctr"/>
-            <a:endParaRPr b="0" lang="en-US" sz="4400" spc="-1" strike="noStrike">
+            <a:endParaRPr lang="en-US" sz="4400" b="0" strike="noStrike" spc="-1">
               <a:solidFill>
                 <a:srgbClr val="000000"/>
               </a:solidFill>
               <a:uFill>
                 <a:solidFill>
-                  <a:srgbClr val="ffffff"/>
+                  <a:srgbClr val="FFFFFF"/>
                 </a:solidFill>
               </a:uFill>
               <a:latin typeface="Arial"/>
@@ -715,15 +839,16 @@
           </a:prstGeom>
         </p:spPr>
         <p:txBody>
-          <a:bodyPr lIns="0" rIns="0" tIns="0" bIns="0"/>
-          <a:p>
-            <a:endParaRPr b="0" lang="en-US" sz="3200" spc="-1" strike="noStrike">
+          <a:bodyPr lIns="0" tIns="0" rIns="0" bIns="0"/>
+          <a:lstStyle/>
+          <a:p>
+            <a:endParaRPr lang="en-US" sz="3200" b="0" strike="noStrike" spc="-1">
               <a:solidFill>
                 <a:srgbClr val="000000"/>
               </a:solidFill>
               <a:uFill>
                 <a:solidFill>
-                  <a:srgbClr val="ffffff"/>
+                  <a:srgbClr val="FFFFFF"/>
                 </a:solidFill>
               </a:uFill>
               <a:latin typeface="Arial"/>
@@ -733,11 +858,14 @@
       </p:sp>
     </p:spTree>
   </p:cSld>
+  <p:clrMapOvr>
+    <a:masterClrMapping/>
+  </p:clrMapOvr>
 </p:sldLayout>
 </file>
 
 <file path=ppt/slideLayouts/slideLayout4.xml><?xml version="1.0" encoding="utf-8"?>
-<p:sldLayout xmlns:a="http://schemas.openxmlformats.org/drawingml/2006/main" xmlns:p="http://schemas.openxmlformats.org/presentationml/2006/main" xmlns:r="http://schemas.openxmlformats.org/officeDocument/2006/relationships" xmlns:p14="http://schemas.microsoft.com/office/powerpoint/2010/main" xmlns:p15="http://schemas.microsoft.com/office/powerpoint/2012/main" xmlns:mc="http://schemas.openxmlformats.org/markup-compatibility/2006" type="twoObj" preserve="1">
+<p:sldLayout xmlns:a="http://schemas.openxmlformats.org/drawingml/2006/main" xmlns:r="http://schemas.openxmlformats.org/officeDocument/2006/relationships" xmlns:p="http://schemas.openxmlformats.org/presentationml/2006/main" type="twoObj" preserve="1">
   <p:cSld name="Title, 2 Content">
     <p:spTree>
       <p:nvGrpSpPr>
@@ -773,16 +901,17 @@
           </a:prstGeom>
         </p:spPr>
         <p:txBody>
-          <a:bodyPr lIns="0" rIns="0" tIns="0" bIns="0" anchor="ctr"/>
+          <a:bodyPr lIns="0" tIns="0" rIns="0" bIns="0" anchor="ctr"/>
+          <a:lstStyle/>
           <a:p>
             <a:pPr algn="ctr"/>
-            <a:endParaRPr b="0" lang="en-US" sz="4400" spc="-1" strike="noStrike">
+            <a:endParaRPr lang="en-US" sz="4400" b="0" strike="noStrike" spc="-1">
               <a:solidFill>
                 <a:srgbClr val="000000"/>
               </a:solidFill>
               <a:uFill>
                 <a:solidFill>
-                  <a:srgbClr val="ffffff"/>
+                  <a:srgbClr val="FFFFFF"/>
                 </a:solidFill>
               </a:uFill>
               <a:latin typeface="Arial"/>
@@ -810,15 +939,16 @@
           </a:prstGeom>
         </p:spPr>
         <p:txBody>
-          <a:bodyPr lIns="0" rIns="0" tIns="0" bIns="0"/>
-          <a:p>
-            <a:endParaRPr b="0" lang="en-US" sz="3200" spc="-1" strike="noStrike">
+          <a:bodyPr lIns="0" tIns="0" rIns="0" bIns="0"/>
+          <a:lstStyle/>
+          <a:p>
+            <a:endParaRPr lang="en-US" sz="3200" b="0" strike="noStrike" spc="-1">
               <a:solidFill>
                 <a:srgbClr val="000000"/>
               </a:solidFill>
               <a:uFill>
                 <a:solidFill>
-                  <a:srgbClr val="ffffff"/>
+                  <a:srgbClr val="FFFFFF"/>
                 </a:solidFill>
               </a:uFill>
               <a:latin typeface="Arial"/>
@@ -846,15 +976,16 @@
           </a:prstGeom>
         </p:spPr>
         <p:txBody>
-          <a:bodyPr lIns="0" rIns="0" tIns="0" bIns="0"/>
-          <a:p>
-            <a:endParaRPr b="0" lang="en-US" sz="3200" spc="-1" strike="noStrike">
+          <a:bodyPr lIns="0" tIns="0" rIns="0" bIns="0"/>
+          <a:lstStyle/>
+          <a:p>
+            <a:endParaRPr lang="en-US" sz="3200" b="0" strike="noStrike" spc="-1">
               <a:solidFill>
                 <a:srgbClr val="000000"/>
               </a:solidFill>
               <a:uFill>
                 <a:solidFill>
-                  <a:srgbClr val="ffffff"/>
+                  <a:srgbClr val="FFFFFF"/>
                 </a:solidFill>
               </a:uFill>
               <a:latin typeface="Arial"/>
@@ -864,11 +995,14 @@
       </p:sp>
     </p:spTree>
   </p:cSld>
+  <p:clrMapOvr>
+    <a:masterClrMapping/>
+  </p:clrMapOvr>
 </p:sldLayout>
 </file>
 
 <file path=ppt/slideLayouts/slideLayout5.xml><?xml version="1.0" encoding="utf-8"?>
-<p:sldLayout xmlns:a="http://schemas.openxmlformats.org/drawingml/2006/main" xmlns:p="http://schemas.openxmlformats.org/presentationml/2006/main" xmlns:r="http://schemas.openxmlformats.org/officeDocument/2006/relationships" xmlns:p14="http://schemas.microsoft.com/office/powerpoint/2010/main" xmlns:p15="http://schemas.microsoft.com/office/powerpoint/2012/main" xmlns:mc="http://schemas.openxmlformats.org/markup-compatibility/2006" type="titleOnly" preserve="1">
+<p:sldLayout xmlns:a="http://schemas.openxmlformats.org/drawingml/2006/main" xmlns:r="http://schemas.openxmlformats.org/officeDocument/2006/relationships" xmlns:p="http://schemas.openxmlformats.org/presentationml/2006/main" type="titleOnly" preserve="1">
   <p:cSld name="Title Only">
     <p:spTree>
       <p:nvGrpSpPr>
@@ -904,16 +1038,17 @@
           </a:prstGeom>
         </p:spPr>
         <p:txBody>
-          <a:bodyPr lIns="0" rIns="0" tIns="0" bIns="0" anchor="ctr"/>
+          <a:bodyPr lIns="0" tIns="0" rIns="0" bIns="0" anchor="ctr"/>
+          <a:lstStyle/>
           <a:p>
             <a:pPr algn="ctr"/>
-            <a:endParaRPr b="0" lang="en-US" sz="4400" spc="-1" strike="noStrike">
+            <a:endParaRPr lang="en-US" sz="4400" b="0" strike="noStrike" spc="-1">
               <a:solidFill>
                 <a:srgbClr val="000000"/>
               </a:solidFill>
               <a:uFill>
                 <a:solidFill>
-                  <a:srgbClr val="ffffff"/>
+                  <a:srgbClr val="FFFFFF"/>
                 </a:solidFill>
               </a:uFill>
               <a:latin typeface="Arial"/>
@@ -923,11 +1058,14 @@
       </p:sp>
     </p:spTree>
   </p:cSld>
+  <p:clrMapOvr>
+    <a:masterClrMapping/>
+  </p:clrMapOvr>
 </p:sldLayout>
 </file>
 
 <file path=ppt/slideLayouts/slideLayout6.xml><?xml version="1.0" encoding="utf-8"?>
-<p:sldLayout xmlns:a="http://schemas.openxmlformats.org/drawingml/2006/main" xmlns:p="http://schemas.openxmlformats.org/presentationml/2006/main" xmlns:r="http://schemas.openxmlformats.org/officeDocument/2006/relationships" xmlns:p14="http://schemas.microsoft.com/office/powerpoint/2010/main" xmlns:p15="http://schemas.microsoft.com/office/powerpoint/2012/main" xmlns:mc="http://schemas.openxmlformats.org/markup-compatibility/2006" type="objOnly" preserve="1">
+<p:sldLayout xmlns:a="http://schemas.openxmlformats.org/drawingml/2006/main" xmlns:r="http://schemas.openxmlformats.org/officeDocument/2006/relationships" xmlns:p="http://schemas.openxmlformats.org/presentationml/2006/main" type="objOnly" preserve="1">
   <p:cSld name="Centered Text">
     <p:spTree>
       <p:nvGrpSpPr>
@@ -963,16 +1101,17 @@
           </a:prstGeom>
         </p:spPr>
         <p:txBody>
-          <a:bodyPr lIns="0" rIns="0" tIns="0" bIns="0" anchor="ctr"/>
+          <a:bodyPr lIns="0" tIns="0" rIns="0" bIns="0" anchor="ctr"/>
+          <a:lstStyle/>
           <a:p>
             <a:pPr algn="ctr"/>
-            <a:endParaRPr b="0" lang="en-US" sz="3200" spc="-1" strike="noStrike">
+            <a:endParaRPr lang="en-US" sz="3200" b="0" strike="noStrike" spc="-1">
               <a:solidFill>
                 <a:srgbClr val="000000"/>
               </a:solidFill>
               <a:uFill>
                 <a:solidFill>
-                  <a:srgbClr val="ffffff"/>
+                  <a:srgbClr val="FFFFFF"/>
                 </a:solidFill>
               </a:uFill>
               <a:latin typeface="Arial"/>
@@ -982,11 +1121,14 @@
       </p:sp>
     </p:spTree>
   </p:cSld>
+  <p:clrMapOvr>
+    <a:masterClrMapping/>
+  </p:clrMapOvr>
 </p:sldLayout>
 </file>
 
 <file path=ppt/slideLayouts/slideLayout7.xml><?xml version="1.0" encoding="utf-8"?>
-<p:sldLayout xmlns:a="http://schemas.openxmlformats.org/drawingml/2006/main" xmlns:p="http://schemas.openxmlformats.org/presentationml/2006/main" xmlns:r="http://schemas.openxmlformats.org/officeDocument/2006/relationships" xmlns:p14="http://schemas.microsoft.com/office/powerpoint/2010/main" xmlns:p15="http://schemas.microsoft.com/office/powerpoint/2012/main" xmlns:mc="http://schemas.openxmlformats.org/markup-compatibility/2006" type="twoObjAndObj" preserve="1">
+<p:sldLayout xmlns:a="http://schemas.openxmlformats.org/drawingml/2006/main" xmlns:r="http://schemas.openxmlformats.org/officeDocument/2006/relationships" xmlns:p="http://schemas.openxmlformats.org/presentationml/2006/main" type="twoObjAndObj" preserve="1">
   <p:cSld name="Title, 2 Content and Content">
     <p:spTree>
       <p:nvGrpSpPr>
@@ -1022,16 +1164,17 @@
           </a:prstGeom>
         </p:spPr>
         <p:txBody>
-          <a:bodyPr lIns="0" rIns="0" tIns="0" bIns="0" anchor="ctr"/>
+          <a:bodyPr lIns="0" tIns="0" rIns="0" bIns="0" anchor="ctr"/>
+          <a:lstStyle/>
           <a:p>
             <a:pPr algn="ctr"/>
-            <a:endParaRPr b="0" lang="en-US" sz="4400" spc="-1" strike="noStrike">
+            <a:endParaRPr lang="en-US" sz="4400" b="0" strike="noStrike" spc="-1">
               <a:solidFill>
                 <a:srgbClr val="000000"/>
               </a:solidFill>
               <a:uFill>
                 <a:solidFill>
-                  <a:srgbClr val="ffffff"/>
+                  <a:srgbClr val="FFFFFF"/>
                 </a:solidFill>
               </a:uFill>
               <a:latin typeface="Arial"/>
@@ -1059,15 +1202,16 @@
           </a:prstGeom>
         </p:spPr>
         <p:txBody>
-          <a:bodyPr lIns="0" rIns="0" tIns="0" bIns="0"/>
-          <a:p>
-            <a:endParaRPr b="0" lang="en-US" sz="3200" spc="-1" strike="noStrike">
+          <a:bodyPr lIns="0" tIns="0" rIns="0" bIns="0"/>
+          <a:lstStyle/>
+          <a:p>
+            <a:endParaRPr lang="en-US" sz="3200" b="0" strike="noStrike" spc="-1">
               <a:solidFill>
                 <a:srgbClr val="000000"/>
               </a:solidFill>
               <a:uFill>
                 <a:solidFill>
-                  <a:srgbClr val="ffffff"/>
+                  <a:srgbClr val="FFFFFF"/>
                 </a:solidFill>
               </a:uFill>
               <a:latin typeface="Arial"/>
@@ -1095,15 +1239,16 @@
           </a:prstGeom>
         </p:spPr>
         <p:txBody>
-          <a:bodyPr lIns="0" rIns="0" tIns="0" bIns="0"/>
-          <a:p>
-            <a:endParaRPr b="0" lang="en-US" sz="3200" spc="-1" strike="noStrike">
+          <a:bodyPr lIns="0" tIns="0" rIns="0" bIns="0"/>
+          <a:lstStyle/>
+          <a:p>
+            <a:endParaRPr lang="en-US" sz="3200" b="0" strike="noStrike" spc="-1">
               <a:solidFill>
                 <a:srgbClr val="000000"/>
               </a:solidFill>
               <a:uFill>
                 <a:solidFill>
-                  <a:srgbClr val="ffffff"/>
+                  <a:srgbClr val="FFFFFF"/>
                 </a:solidFill>
               </a:uFill>
               <a:latin typeface="Arial"/>
@@ -1131,15 +1276,16 @@
           </a:prstGeom>
         </p:spPr>
         <p:txBody>
-          <a:bodyPr lIns="0" rIns="0" tIns="0" bIns="0"/>
-          <a:p>
-            <a:endParaRPr b="0" lang="en-US" sz="3200" spc="-1" strike="noStrike">
+          <a:bodyPr lIns="0" tIns="0" rIns="0" bIns="0"/>
+          <a:lstStyle/>
+          <a:p>
+            <a:endParaRPr lang="en-US" sz="3200" b="0" strike="noStrike" spc="-1">
               <a:solidFill>
                 <a:srgbClr val="000000"/>
               </a:solidFill>
               <a:uFill>
                 <a:solidFill>
-                  <a:srgbClr val="ffffff"/>
+                  <a:srgbClr val="FFFFFF"/>
                 </a:solidFill>
               </a:uFill>
               <a:latin typeface="Arial"/>
@@ -1149,11 +1295,14 @@
       </p:sp>
     </p:spTree>
   </p:cSld>
+  <p:clrMapOvr>
+    <a:masterClrMapping/>
+  </p:clrMapOvr>
 </p:sldLayout>
 </file>
 
 <file path=ppt/slideLayouts/slideLayout8.xml><?xml version="1.0" encoding="utf-8"?>
-<p:sldLayout xmlns:a="http://schemas.openxmlformats.org/drawingml/2006/main" xmlns:p="http://schemas.openxmlformats.org/presentationml/2006/main" xmlns:r="http://schemas.openxmlformats.org/officeDocument/2006/relationships" xmlns:p14="http://schemas.microsoft.com/office/powerpoint/2010/main" xmlns:p15="http://schemas.microsoft.com/office/powerpoint/2012/main" xmlns:mc="http://schemas.openxmlformats.org/markup-compatibility/2006" type="objAndTwoObj" preserve="1">
+<p:sldLayout xmlns:a="http://schemas.openxmlformats.org/drawingml/2006/main" xmlns:r="http://schemas.openxmlformats.org/officeDocument/2006/relationships" xmlns:p="http://schemas.openxmlformats.org/presentationml/2006/main" type="objAndTwoObj" preserve="1">
   <p:cSld name="Title Content and 2 Content">
     <p:spTree>
       <p:nvGrpSpPr>
@@ -1189,16 +1338,17 @@
           </a:prstGeom>
         </p:spPr>
         <p:txBody>
-          <a:bodyPr lIns="0" rIns="0" tIns="0" bIns="0" anchor="ctr"/>
+          <a:bodyPr lIns="0" tIns="0" rIns="0" bIns="0" anchor="ctr"/>
+          <a:lstStyle/>
           <a:p>
             <a:pPr algn="ctr"/>
-            <a:endParaRPr b="0" lang="en-US" sz="4400" spc="-1" strike="noStrike">
+            <a:endParaRPr lang="en-US" sz="4400" b="0" strike="noStrike" spc="-1">
               <a:solidFill>
                 <a:srgbClr val="000000"/>
               </a:solidFill>
               <a:uFill>
                 <a:solidFill>
-                  <a:srgbClr val="ffffff"/>
+                  <a:srgbClr val="FFFFFF"/>
                 </a:solidFill>
               </a:uFill>
               <a:latin typeface="Arial"/>
@@ -1226,15 +1376,16 @@
           </a:prstGeom>
         </p:spPr>
         <p:txBody>
-          <a:bodyPr lIns="0" rIns="0" tIns="0" bIns="0"/>
-          <a:p>
-            <a:endParaRPr b="0" lang="en-US" sz="3200" spc="-1" strike="noStrike">
+          <a:bodyPr lIns="0" tIns="0" rIns="0" bIns="0"/>
+          <a:lstStyle/>
+          <a:p>
+            <a:endParaRPr lang="en-US" sz="3200" b="0" strike="noStrike" spc="-1">
               <a:solidFill>
                 <a:srgbClr val="000000"/>
               </a:solidFill>
               <a:uFill>
                 <a:solidFill>
-                  <a:srgbClr val="ffffff"/>
+                  <a:srgbClr val="FFFFFF"/>
                 </a:solidFill>
               </a:uFill>
               <a:latin typeface="Arial"/>
@@ -1262,15 +1413,16 @@
           </a:prstGeom>
         </p:spPr>
         <p:txBody>
-          <a:bodyPr lIns="0" rIns="0" tIns="0" bIns="0"/>
-          <a:p>
-            <a:endParaRPr b="0" lang="en-US" sz="3200" spc="-1" strike="noStrike">
+          <a:bodyPr lIns="0" tIns="0" rIns="0" bIns="0"/>
+          <a:lstStyle/>
+          <a:p>
+            <a:endParaRPr lang="en-US" sz="3200" b="0" strike="noStrike" spc="-1">
               <a:solidFill>
                 <a:srgbClr val="000000"/>
               </a:solidFill>
               <a:uFill>
                 <a:solidFill>
-                  <a:srgbClr val="ffffff"/>
+                  <a:srgbClr val="FFFFFF"/>
                 </a:solidFill>
               </a:uFill>
               <a:latin typeface="Arial"/>
@@ -1298,15 +1450,16 @@
           </a:prstGeom>
         </p:spPr>
         <p:txBody>
-          <a:bodyPr lIns="0" rIns="0" tIns="0" bIns="0"/>
-          <a:p>
-            <a:endParaRPr b="0" lang="en-US" sz="3200" spc="-1" strike="noStrike">
+          <a:bodyPr lIns="0" tIns="0" rIns="0" bIns="0"/>
+          <a:lstStyle/>
+          <a:p>
+            <a:endParaRPr lang="en-US" sz="3200" b="0" strike="noStrike" spc="-1">
               <a:solidFill>
                 <a:srgbClr val="000000"/>
               </a:solidFill>
               <a:uFill>
                 <a:solidFill>
-                  <a:srgbClr val="ffffff"/>
+                  <a:srgbClr val="FFFFFF"/>
                 </a:solidFill>
               </a:uFill>
               <a:latin typeface="Arial"/>
@@ -1316,11 +1469,14 @@
       </p:sp>
     </p:spTree>
   </p:cSld>
+  <p:clrMapOvr>
+    <a:masterClrMapping/>
+  </p:clrMapOvr>
 </p:sldLayout>
 </file>
 
 <file path=ppt/slideLayouts/slideLayout9.xml><?xml version="1.0" encoding="utf-8"?>
-<p:sldLayout xmlns:a="http://schemas.openxmlformats.org/drawingml/2006/main" xmlns:p="http://schemas.openxmlformats.org/presentationml/2006/main" xmlns:r="http://schemas.openxmlformats.org/officeDocument/2006/relationships" xmlns:p14="http://schemas.microsoft.com/office/powerpoint/2010/main" xmlns:p15="http://schemas.microsoft.com/office/powerpoint/2012/main" xmlns:mc="http://schemas.openxmlformats.org/markup-compatibility/2006" type="twoObjOverTx" preserve="1">
+<p:sldLayout xmlns:a="http://schemas.openxmlformats.org/drawingml/2006/main" xmlns:r="http://schemas.openxmlformats.org/officeDocument/2006/relationships" xmlns:p="http://schemas.openxmlformats.org/presentationml/2006/main" type="twoObjOverTx" preserve="1">
   <p:cSld name="Title, 2 Content over Content">
     <p:spTree>
       <p:nvGrpSpPr>
@@ -1356,16 +1512,17 @@
           </a:prstGeom>
         </p:spPr>
         <p:txBody>
-          <a:bodyPr lIns="0" rIns="0" tIns="0" bIns="0" anchor="ctr"/>
+          <a:bodyPr lIns="0" tIns="0" rIns="0" bIns="0" anchor="ctr"/>
+          <a:lstStyle/>
           <a:p>
             <a:pPr algn="ctr"/>
-            <a:endParaRPr b="0" lang="en-US" sz="4400" spc="-1" strike="noStrike">
+            <a:endParaRPr lang="en-US" sz="4400" b="0" strike="noStrike" spc="-1">
               <a:solidFill>
                 <a:srgbClr val="000000"/>
               </a:solidFill>
               <a:uFill>
                 <a:solidFill>
-                  <a:srgbClr val="ffffff"/>
+                  <a:srgbClr val="FFFFFF"/>
                 </a:solidFill>
               </a:uFill>
               <a:latin typeface="Arial"/>
@@ -1393,15 +1550,16 @@
           </a:prstGeom>
         </p:spPr>
         <p:txBody>
-          <a:bodyPr lIns="0" rIns="0" tIns="0" bIns="0"/>
-          <a:p>
-            <a:endParaRPr b="0" lang="en-US" sz="3200" spc="-1" strike="noStrike">
+          <a:bodyPr lIns="0" tIns="0" rIns="0" bIns="0"/>
+          <a:lstStyle/>
+          <a:p>
+            <a:endParaRPr lang="en-US" sz="3200" b="0" strike="noStrike" spc="-1">
               <a:solidFill>
                 <a:srgbClr val="000000"/>
               </a:solidFill>
               <a:uFill>
                 <a:solidFill>
-                  <a:srgbClr val="ffffff"/>
+                  <a:srgbClr val="FFFFFF"/>
                 </a:solidFill>
               </a:uFill>
               <a:latin typeface="Arial"/>
@@ -1429,15 +1587,16 @@
           </a:prstGeom>
         </p:spPr>
         <p:txBody>
-          <a:bodyPr lIns="0" rIns="0" tIns="0" bIns="0"/>
-          <a:p>
-            <a:endParaRPr b="0" lang="en-US" sz="3200" spc="-1" strike="noStrike">
+          <a:bodyPr lIns="0" tIns="0" rIns="0" bIns="0"/>
+          <a:lstStyle/>
+          <a:p>
+            <a:endParaRPr lang="en-US" sz="3200" b="0" strike="noStrike" spc="-1">
               <a:solidFill>
                 <a:srgbClr val="000000"/>
               </a:solidFill>
               <a:uFill>
                 <a:solidFill>
-                  <a:srgbClr val="ffffff"/>
+                  <a:srgbClr val="FFFFFF"/>
                 </a:solidFill>
               </a:uFill>
               <a:latin typeface="Arial"/>
@@ -1465,15 +1624,16 @@
           </a:prstGeom>
         </p:spPr>
         <p:txBody>
-          <a:bodyPr lIns="0" rIns="0" tIns="0" bIns="0"/>
-          <a:p>
-            <a:endParaRPr b="0" lang="en-US" sz="3200" spc="-1" strike="noStrike">
+          <a:bodyPr lIns="0" tIns="0" rIns="0" bIns="0"/>
+          <a:lstStyle/>
+          <a:p>
+            <a:endParaRPr lang="en-US" sz="3200" b="0" strike="noStrike" spc="-1">
               <a:solidFill>
                 <a:srgbClr val="000000"/>
               </a:solidFill>
               <a:uFill>
                 <a:solidFill>
-                  <a:srgbClr val="ffffff"/>
+                  <a:srgbClr val="FFFFFF"/>
                 </a:solidFill>
               </a:uFill>
               <a:latin typeface="Arial"/>
@@ -1483,17 +1643,21 @@
       </p:sp>
     </p:spTree>
   </p:cSld>
+  <p:clrMapOvr>
+    <a:masterClrMapping/>
+  </p:clrMapOvr>
 </p:sldLayout>
 </file>
 
 <file path=ppt/slideMasters/slideMaster1.xml><?xml version="1.0" encoding="utf-8"?>
-<p:sldMaster xmlns:a="http://schemas.openxmlformats.org/drawingml/2006/main" xmlns:p="http://schemas.openxmlformats.org/presentationml/2006/main" xmlns:r="http://schemas.openxmlformats.org/officeDocument/2006/relationships" xmlns:p14="http://schemas.microsoft.com/office/powerpoint/2010/main" xmlns:p15="http://schemas.microsoft.com/office/powerpoint/2012/main" xmlns:mc="http://schemas.openxmlformats.org/markup-compatibility/2006">
+<p:sldMaster xmlns:a="http://schemas.openxmlformats.org/drawingml/2006/main" xmlns:r="http://schemas.openxmlformats.org/officeDocument/2006/relationships" xmlns:p="http://schemas.openxmlformats.org/presentationml/2006/main">
   <p:cSld>
     <p:bg>
       <p:bgPr>
         <a:solidFill>
-          <a:srgbClr val="ffffff"/>
+          <a:srgbClr val="FFFFFF"/>
         </a:solidFill>
+        <a:effectLst/>
       </p:bgPr>
     </p:bg>
     <p:spTree>
@@ -1512,7 +1676,7 @@
       </p:grpSpPr>
       <p:sp>
         <p:nvSpPr>
-          <p:cNvPr id="0" name="PlaceHolder 1"/>
+          <p:cNvPr id="2" name="PlaceHolder 1"/>
           <p:cNvSpPr>
             <a:spLocks noGrp="1"/>
           </p:cNvSpPr>
@@ -1530,40 +1694,30 @@
           </a:prstGeom>
         </p:spPr>
         <p:txBody>
-          <a:bodyPr lIns="0" rIns="0" tIns="0" bIns="0" anchor="ctr"/>
+          <a:bodyPr lIns="0" tIns="0" rIns="0" bIns="0" anchor="ctr"/>
+          <a:lstStyle/>
           <a:p>
             <a:pPr algn="ctr"/>
             <a:r>
-              <a:rPr b="0" lang="en-US" sz="4400" spc="-1" strike="noStrike">
+              <a:rPr lang="en-US" sz="4400" b="0" strike="noStrike" spc="-1">
                 <a:solidFill>
                   <a:srgbClr val="000000"/>
                 </a:solidFill>
                 <a:uFill>
                   <a:solidFill>
-                    <a:srgbClr val="ffffff"/>
+                    <a:srgbClr val="FFFFFF"/>
                   </a:solidFill>
                 </a:uFill>
                 <a:latin typeface="Arial"/>
               </a:rPr>
               <a:t>Click to edit the title text format</a:t>
             </a:r>
-            <a:endParaRPr b="0" lang="en-US" sz="4400" spc="-1" strike="noStrike">
-              <a:solidFill>
-                <a:srgbClr val="000000"/>
-              </a:solidFill>
-              <a:uFill>
-                <a:solidFill>
-                  <a:srgbClr val="ffffff"/>
-                </a:solidFill>
-              </a:uFill>
-              <a:latin typeface="Arial"/>
-            </a:endParaRPr>
           </a:p>
         </p:txBody>
       </p:sp>
       <p:sp>
         <p:nvSpPr>
-          <p:cNvPr id="1" name="PlaceHolder 2"/>
+          <p:cNvPr id="3" name="PlaceHolder 2"/>
           <p:cNvSpPr>
             <a:spLocks noGrp="1"/>
           </p:cNvSpPr>
@@ -1581,7 +1735,8 @@
           </a:prstGeom>
         </p:spPr>
         <p:txBody>
-          <a:bodyPr lIns="0" rIns="0" tIns="0" bIns="0"/>
+          <a:bodyPr lIns="0" tIns="0" rIns="0" bIns="0"/>
+          <a:lstStyle/>
           <a:p>
             <a:pPr marL="432000" indent="-324000">
               <a:buClr>
@@ -1592,33 +1747,22 @@
               <a:buChar char=""/>
             </a:pPr>
             <a:r>
-              <a:rPr b="0" lang="en-US" sz="3200" spc="-1" strike="noStrike">
+              <a:rPr lang="en-US" sz="3200" b="0" strike="noStrike" spc="-1">
                 <a:solidFill>
                   <a:srgbClr val="000000"/>
                 </a:solidFill>
                 <a:uFill>
                   <a:solidFill>
-                    <a:srgbClr val="ffffff"/>
+                    <a:srgbClr val="FFFFFF"/>
                   </a:solidFill>
                 </a:uFill>
                 <a:latin typeface="Arial"/>
               </a:rPr>
               <a:t>Click to edit the outline text format</a:t>
             </a:r>
-            <a:endParaRPr b="0" lang="en-US" sz="3200" spc="-1" strike="noStrike">
-              <a:solidFill>
-                <a:srgbClr val="000000"/>
-              </a:solidFill>
-              <a:uFill>
-                <a:solidFill>
-                  <a:srgbClr val="ffffff"/>
-                </a:solidFill>
-              </a:uFill>
-              <a:latin typeface="Arial"/>
-            </a:endParaRPr>
-          </a:p>
-          <a:p>
-            <a:pPr lvl="1" marL="864000" indent="-324000">
+          </a:p>
+          <a:p>
+            <a:pPr marL="864000" lvl="1" indent="-324000">
               <a:buClr>
                 <a:srgbClr val="000000"/>
               </a:buClr>
@@ -1627,33 +1771,22 @@
               <a:buChar char=""/>
             </a:pPr>
             <a:r>
-              <a:rPr b="0" lang="en-US" sz="2800" spc="-1" strike="noStrike">
+              <a:rPr lang="en-US" sz="2800" b="0" strike="noStrike" spc="-1">
                 <a:solidFill>
                   <a:srgbClr val="000000"/>
                 </a:solidFill>
                 <a:uFill>
                   <a:solidFill>
-                    <a:srgbClr val="ffffff"/>
+                    <a:srgbClr val="FFFFFF"/>
                   </a:solidFill>
                 </a:uFill>
                 <a:latin typeface="Arial"/>
               </a:rPr>
               <a:t>Second Outline Level</a:t>
             </a:r>
-            <a:endParaRPr b="0" lang="en-US" sz="2800" spc="-1" strike="noStrike">
-              <a:solidFill>
-                <a:srgbClr val="000000"/>
-              </a:solidFill>
-              <a:uFill>
-                <a:solidFill>
-                  <a:srgbClr val="ffffff"/>
-                </a:solidFill>
-              </a:uFill>
-              <a:latin typeface="Arial"/>
-            </a:endParaRPr>
-          </a:p>
-          <a:p>
-            <a:pPr lvl="2" marL="1296000" indent="-288000">
+          </a:p>
+          <a:p>
+            <a:pPr marL="1296000" lvl="2" indent="-288000">
               <a:buClr>
                 <a:srgbClr val="000000"/>
               </a:buClr>
@@ -1662,33 +1795,22 @@
               <a:buChar char=""/>
             </a:pPr>
             <a:r>
-              <a:rPr b="0" lang="en-US" sz="2400" spc="-1" strike="noStrike">
+              <a:rPr lang="en-US" sz="2400" b="0" strike="noStrike" spc="-1">
                 <a:solidFill>
                   <a:srgbClr val="000000"/>
                 </a:solidFill>
                 <a:uFill>
                   <a:solidFill>
-                    <a:srgbClr val="ffffff"/>
+                    <a:srgbClr val="FFFFFF"/>
                   </a:solidFill>
                 </a:uFill>
                 <a:latin typeface="Arial"/>
               </a:rPr>
               <a:t>Third Outline Level</a:t>
             </a:r>
-            <a:endParaRPr b="0" lang="en-US" sz="2400" spc="-1" strike="noStrike">
-              <a:solidFill>
-                <a:srgbClr val="000000"/>
-              </a:solidFill>
-              <a:uFill>
-                <a:solidFill>
-                  <a:srgbClr val="ffffff"/>
-                </a:solidFill>
-              </a:uFill>
-              <a:latin typeface="Arial"/>
-            </a:endParaRPr>
-          </a:p>
-          <a:p>
-            <a:pPr lvl="3" marL="1728000" indent="-216000">
+          </a:p>
+          <a:p>
+            <a:pPr marL="1728000" lvl="3" indent="-216000">
               <a:buClr>
                 <a:srgbClr val="000000"/>
               </a:buClr>
@@ -1697,33 +1819,22 @@
               <a:buChar char=""/>
             </a:pPr>
             <a:r>
-              <a:rPr b="0" lang="en-US" sz="2000" spc="-1" strike="noStrike">
+              <a:rPr lang="en-US" sz="2000" b="0" strike="noStrike" spc="-1">
                 <a:solidFill>
                   <a:srgbClr val="000000"/>
                 </a:solidFill>
                 <a:uFill>
                   <a:solidFill>
-                    <a:srgbClr val="ffffff"/>
+                    <a:srgbClr val="FFFFFF"/>
                   </a:solidFill>
                 </a:uFill>
                 <a:latin typeface="Arial"/>
               </a:rPr>
               <a:t>Fourth Outline Level</a:t>
             </a:r>
-            <a:endParaRPr b="0" lang="en-US" sz="2000" spc="-1" strike="noStrike">
-              <a:solidFill>
-                <a:srgbClr val="000000"/>
-              </a:solidFill>
-              <a:uFill>
-                <a:solidFill>
-                  <a:srgbClr val="ffffff"/>
-                </a:solidFill>
-              </a:uFill>
-              <a:latin typeface="Arial"/>
-            </a:endParaRPr>
-          </a:p>
-          <a:p>
-            <a:pPr lvl="4" marL="2160000" indent="-216000">
+          </a:p>
+          <a:p>
+            <a:pPr marL="2160000" lvl="4" indent="-216000">
               <a:buClr>
                 <a:srgbClr val="000000"/>
               </a:buClr>
@@ -1732,33 +1843,22 @@
               <a:buChar char=""/>
             </a:pPr>
             <a:r>
-              <a:rPr b="0" lang="en-US" sz="2000" spc="-1" strike="noStrike">
+              <a:rPr lang="en-US" sz="2000" b="0" strike="noStrike" spc="-1">
                 <a:solidFill>
                   <a:srgbClr val="000000"/>
                 </a:solidFill>
                 <a:uFill>
                   <a:solidFill>
-                    <a:srgbClr val="ffffff"/>
+                    <a:srgbClr val="FFFFFF"/>
                   </a:solidFill>
                 </a:uFill>
                 <a:latin typeface="Arial"/>
               </a:rPr>
               <a:t>Fifth Outline Level</a:t>
             </a:r>
-            <a:endParaRPr b="0" lang="en-US" sz="2000" spc="-1" strike="noStrike">
-              <a:solidFill>
-                <a:srgbClr val="000000"/>
-              </a:solidFill>
-              <a:uFill>
-                <a:solidFill>
-                  <a:srgbClr val="ffffff"/>
-                </a:solidFill>
-              </a:uFill>
-              <a:latin typeface="Arial"/>
-            </a:endParaRPr>
-          </a:p>
-          <a:p>
-            <a:pPr lvl="5" marL="2592000" indent="-216000">
+          </a:p>
+          <a:p>
+            <a:pPr marL="2592000" lvl="5" indent="-216000">
               <a:buClr>
                 <a:srgbClr val="000000"/>
               </a:buClr>
@@ -1767,33 +1867,22 @@
               <a:buChar char=""/>
             </a:pPr>
             <a:r>
-              <a:rPr b="0" lang="en-US" sz="2000" spc="-1" strike="noStrike">
+              <a:rPr lang="en-US" sz="2000" b="0" strike="noStrike" spc="-1">
                 <a:solidFill>
                   <a:srgbClr val="000000"/>
                 </a:solidFill>
                 <a:uFill>
                   <a:solidFill>
-                    <a:srgbClr val="ffffff"/>
+                    <a:srgbClr val="FFFFFF"/>
                   </a:solidFill>
                 </a:uFill>
                 <a:latin typeface="Arial"/>
               </a:rPr>
               <a:t>Sixth Outline Level</a:t>
             </a:r>
-            <a:endParaRPr b="0" lang="en-US" sz="2000" spc="-1" strike="noStrike">
-              <a:solidFill>
-                <a:srgbClr val="000000"/>
-              </a:solidFill>
-              <a:uFill>
-                <a:solidFill>
-                  <a:srgbClr val="ffffff"/>
-                </a:solidFill>
-              </a:uFill>
-              <a:latin typeface="Arial"/>
-            </a:endParaRPr>
-          </a:p>
-          <a:p>
-            <a:pPr lvl="6" marL="3024000" indent="-216000">
+          </a:p>
+          <a:p>
+            <a:pPr marL="3024000" lvl="6" indent="-216000">
               <a:buClr>
                 <a:srgbClr val="000000"/>
               </a:buClr>
@@ -1802,55 +1891,324 @@
               <a:buChar char=""/>
             </a:pPr>
             <a:r>
-              <a:rPr b="0" lang="en-US" sz="2000" spc="-1" strike="noStrike">
+              <a:rPr lang="en-US" sz="2000" b="0" strike="noStrike" spc="-1">
                 <a:solidFill>
                   <a:srgbClr val="000000"/>
                 </a:solidFill>
                 <a:uFill>
                   <a:solidFill>
-                    <a:srgbClr val="ffffff"/>
+                    <a:srgbClr val="FFFFFF"/>
                   </a:solidFill>
                 </a:uFill>
                 <a:latin typeface="Arial"/>
               </a:rPr>
               <a:t>Seventh Outline Level</a:t>
             </a:r>
-            <a:endParaRPr b="0" lang="en-US" sz="2000" spc="-1" strike="noStrike">
-              <a:solidFill>
-                <a:srgbClr val="000000"/>
-              </a:solidFill>
-              <a:uFill>
-                <a:solidFill>
-                  <a:srgbClr val="ffffff"/>
-                </a:solidFill>
-              </a:uFill>
-              <a:latin typeface="Arial"/>
-            </a:endParaRPr>
           </a:p>
         </p:txBody>
       </p:sp>
     </p:spTree>
   </p:cSld>
-  <p:clrMap bg1="lt1" bg2="lt2" tx1="dk1" tx2="dk2" accent1="accent1" accent2="accent2" accent3="accent3" accent4="accent4" accent5="accent5" accent6="accent6" hlink="hlink" folHlink="folHlink"/>
+  <p:clrMap bg1="lt1" tx1="dk1" bg2="lt2" tx2="dk2" accent1="accent1" accent2="accent2" accent3="accent3" accent4="accent4" accent5="accent5" accent6="accent6" hlink="hlink" folHlink="folHlink"/>
   <p:sldLayoutIdLst>
-    <p:sldLayoutId id="2147483649" r:id="rId2"/>
-    <p:sldLayoutId id="2147483650" r:id="rId3"/>
-    <p:sldLayoutId id="2147483651" r:id="rId4"/>
-    <p:sldLayoutId id="2147483652" r:id="rId5"/>
-    <p:sldLayoutId id="2147483653" r:id="rId6"/>
-    <p:sldLayoutId id="2147483654" r:id="rId7"/>
-    <p:sldLayoutId id="2147483655" r:id="rId8"/>
-    <p:sldLayoutId id="2147483656" r:id="rId9"/>
-    <p:sldLayoutId id="2147483657" r:id="rId10"/>
-    <p:sldLayoutId id="2147483658" r:id="rId11"/>
-    <p:sldLayoutId id="2147483659" r:id="rId12"/>
-    <p:sldLayoutId id="2147483660" r:id="rId13"/>
+    <p:sldLayoutId id="2147483649" r:id="rId1"/>
+    <p:sldLayoutId id="2147483650" r:id="rId2"/>
+    <p:sldLayoutId id="2147483651" r:id="rId3"/>
+    <p:sldLayoutId id="2147483652" r:id="rId4"/>
+    <p:sldLayoutId id="2147483653" r:id="rId5"/>
+    <p:sldLayoutId id="2147483654" r:id="rId6"/>
+    <p:sldLayoutId id="2147483655" r:id="rId7"/>
+    <p:sldLayoutId id="2147483656" r:id="rId8"/>
+    <p:sldLayoutId id="2147483657" r:id="rId9"/>
+    <p:sldLayoutId id="2147483658" r:id="rId10"/>
+    <p:sldLayoutId id="2147483659" r:id="rId11"/>
+    <p:sldLayoutId id="2147483660" r:id="rId12"/>
   </p:sldLayoutIdLst>
+  <p:txStyles>
+    <p:titleStyle>
+      <a:lvl1pPr algn="l" defTabSz="914400" rtl="0" eaLnBrk="1" latinLnBrk="0" hangingPunct="1">
+        <a:lnSpc>
+          <a:spcPct val="90000"/>
+        </a:lnSpc>
+        <a:spcBef>
+          <a:spcPct val="0"/>
+        </a:spcBef>
+        <a:buNone/>
+        <a:defRPr sz="4400" kern="1200">
+          <a:solidFill>
+            <a:schemeClr val="tx1"/>
+          </a:solidFill>
+          <a:latin typeface="+mj-lt"/>
+          <a:ea typeface="+mj-ea"/>
+          <a:cs typeface="+mj-cs"/>
+        </a:defRPr>
+      </a:lvl1pPr>
+    </p:titleStyle>
+    <p:bodyStyle>
+      <a:lvl1pPr marL="228600" indent="-228600" algn="l" defTabSz="914400" rtl="0" eaLnBrk="1" latinLnBrk="0" hangingPunct="1">
+        <a:lnSpc>
+          <a:spcPct val="90000"/>
+        </a:lnSpc>
+        <a:spcBef>
+          <a:spcPts val="1000"/>
+        </a:spcBef>
+        <a:buFont typeface="Arial" panose="020B0604020202020204" pitchFamily="34" charset="0"/>
+        <a:buChar char="•"/>
+        <a:defRPr sz="2800" kern="1200">
+          <a:solidFill>
+            <a:schemeClr val="tx1"/>
+          </a:solidFill>
+          <a:latin typeface="+mn-lt"/>
+          <a:ea typeface="+mn-ea"/>
+          <a:cs typeface="+mn-cs"/>
+        </a:defRPr>
+      </a:lvl1pPr>
+      <a:lvl2pPr marL="685800" indent="-228600" algn="l" defTabSz="914400" rtl="0" eaLnBrk="1" latinLnBrk="0" hangingPunct="1">
+        <a:lnSpc>
+          <a:spcPct val="90000"/>
+        </a:lnSpc>
+        <a:spcBef>
+          <a:spcPts val="500"/>
+        </a:spcBef>
+        <a:buFont typeface="Arial" panose="020B0604020202020204" pitchFamily="34" charset="0"/>
+        <a:buChar char="•"/>
+        <a:defRPr sz="2400" kern="1200">
+          <a:solidFill>
+            <a:schemeClr val="tx1"/>
+          </a:solidFill>
+          <a:latin typeface="+mn-lt"/>
+          <a:ea typeface="+mn-ea"/>
+          <a:cs typeface="+mn-cs"/>
+        </a:defRPr>
+      </a:lvl2pPr>
+      <a:lvl3pPr marL="1143000" indent="-228600" algn="l" defTabSz="914400" rtl="0" eaLnBrk="1" latinLnBrk="0" hangingPunct="1">
+        <a:lnSpc>
+          <a:spcPct val="90000"/>
+        </a:lnSpc>
+        <a:spcBef>
+          <a:spcPts val="500"/>
+        </a:spcBef>
+        <a:buFont typeface="Arial" panose="020B0604020202020204" pitchFamily="34" charset="0"/>
+        <a:buChar char="•"/>
+        <a:defRPr sz="2000" kern="1200">
+          <a:solidFill>
+            <a:schemeClr val="tx1"/>
+          </a:solidFill>
+          <a:latin typeface="+mn-lt"/>
+          <a:ea typeface="+mn-ea"/>
+          <a:cs typeface="+mn-cs"/>
+        </a:defRPr>
+      </a:lvl3pPr>
+      <a:lvl4pPr marL="1600200" indent="-228600" algn="l" defTabSz="914400" rtl="0" eaLnBrk="1" latinLnBrk="0" hangingPunct="1">
+        <a:lnSpc>
+          <a:spcPct val="90000"/>
+        </a:lnSpc>
+        <a:spcBef>
+          <a:spcPts val="500"/>
+        </a:spcBef>
+        <a:buFont typeface="Arial" panose="020B0604020202020204" pitchFamily="34" charset="0"/>
+        <a:buChar char="•"/>
+        <a:defRPr sz="1800" kern="1200">
+          <a:solidFill>
+            <a:schemeClr val="tx1"/>
+          </a:solidFill>
+          <a:latin typeface="+mn-lt"/>
+          <a:ea typeface="+mn-ea"/>
+          <a:cs typeface="+mn-cs"/>
+        </a:defRPr>
+      </a:lvl4pPr>
+      <a:lvl5pPr marL="2057400" indent="-228600" algn="l" defTabSz="914400" rtl="0" eaLnBrk="1" latinLnBrk="0" hangingPunct="1">
+        <a:lnSpc>
+          <a:spcPct val="90000"/>
+        </a:lnSpc>
+        <a:spcBef>
+          <a:spcPts val="500"/>
+        </a:spcBef>
+        <a:buFont typeface="Arial" panose="020B0604020202020204" pitchFamily="34" charset="0"/>
+        <a:buChar char="•"/>
+        <a:defRPr sz="1800" kern="1200">
+          <a:solidFill>
+            <a:schemeClr val="tx1"/>
+          </a:solidFill>
+          <a:latin typeface="+mn-lt"/>
+          <a:ea typeface="+mn-ea"/>
+          <a:cs typeface="+mn-cs"/>
+        </a:defRPr>
+      </a:lvl5pPr>
+      <a:lvl6pPr marL="2514600" indent="-228600" algn="l" defTabSz="914400" rtl="0" eaLnBrk="1" latinLnBrk="0" hangingPunct="1">
+        <a:lnSpc>
+          <a:spcPct val="90000"/>
+        </a:lnSpc>
+        <a:spcBef>
+          <a:spcPts val="500"/>
+        </a:spcBef>
+        <a:buFont typeface="Arial" panose="020B0604020202020204" pitchFamily="34" charset="0"/>
+        <a:buChar char="•"/>
+        <a:defRPr sz="1800" kern="1200">
+          <a:solidFill>
+            <a:schemeClr val="tx1"/>
+          </a:solidFill>
+          <a:latin typeface="+mn-lt"/>
+          <a:ea typeface="+mn-ea"/>
+          <a:cs typeface="+mn-cs"/>
+        </a:defRPr>
+      </a:lvl6pPr>
+      <a:lvl7pPr marL="2971800" indent="-228600" algn="l" defTabSz="914400" rtl="0" eaLnBrk="1" latinLnBrk="0" hangingPunct="1">
+        <a:lnSpc>
+          <a:spcPct val="90000"/>
+        </a:lnSpc>
+        <a:spcBef>
+          <a:spcPts val="500"/>
+        </a:spcBef>
+        <a:buFont typeface="Arial" panose="020B0604020202020204" pitchFamily="34" charset="0"/>
+        <a:buChar char="•"/>
+        <a:defRPr sz="1800" kern="1200">
+          <a:solidFill>
+            <a:schemeClr val="tx1"/>
+          </a:solidFill>
+          <a:latin typeface="+mn-lt"/>
+          <a:ea typeface="+mn-ea"/>
+          <a:cs typeface="+mn-cs"/>
+        </a:defRPr>
+      </a:lvl7pPr>
+      <a:lvl8pPr marL="3429000" indent="-228600" algn="l" defTabSz="914400" rtl="0" eaLnBrk="1" latinLnBrk="0" hangingPunct="1">
+        <a:lnSpc>
+          <a:spcPct val="90000"/>
+        </a:lnSpc>
+        <a:spcBef>
+          <a:spcPts val="500"/>
+        </a:spcBef>
+        <a:buFont typeface="Arial" panose="020B0604020202020204" pitchFamily="34" charset="0"/>
+        <a:buChar char="•"/>
+        <a:defRPr sz="1800" kern="1200">
+          <a:solidFill>
+            <a:schemeClr val="tx1"/>
+          </a:solidFill>
+          <a:latin typeface="+mn-lt"/>
+          <a:ea typeface="+mn-ea"/>
+          <a:cs typeface="+mn-cs"/>
+        </a:defRPr>
+      </a:lvl8pPr>
+      <a:lvl9pPr marL="3886200" indent="-228600" algn="l" defTabSz="914400" rtl="0" eaLnBrk="1" latinLnBrk="0" hangingPunct="1">
+        <a:lnSpc>
+          <a:spcPct val="90000"/>
+        </a:lnSpc>
+        <a:spcBef>
+          <a:spcPts val="500"/>
+        </a:spcBef>
+        <a:buFont typeface="Arial" panose="020B0604020202020204" pitchFamily="34" charset="0"/>
+        <a:buChar char="•"/>
+        <a:defRPr sz="1800" kern="1200">
+          <a:solidFill>
+            <a:schemeClr val="tx1"/>
+          </a:solidFill>
+          <a:latin typeface="+mn-lt"/>
+          <a:ea typeface="+mn-ea"/>
+          <a:cs typeface="+mn-cs"/>
+        </a:defRPr>
+      </a:lvl9pPr>
+    </p:bodyStyle>
+    <p:otherStyle>
+      <a:defPPr>
+        <a:defRPr lang="en-US"/>
+      </a:defPPr>
+      <a:lvl1pPr marL="0" algn="l" defTabSz="914400" rtl="0" eaLnBrk="1" latinLnBrk="0" hangingPunct="1">
+        <a:defRPr sz="1800" kern="1200">
+          <a:solidFill>
+            <a:schemeClr val="tx1"/>
+          </a:solidFill>
+          <a:latin typeface="+mn-lt"/>
+          <a:ea typeface="+mn-ea"/>
+          <a:cs typeface="+mn-cs"/>
+        </a:defRPr>
+      </a:lvl1pPr>
+      <a:lvl2pPr marL="457200" algn="l" defTabSz="914400" rtl="0" eaLnBrk="1" latinLnBrk="0" hangingPunct="1">
+        <a:defRPr sz="1800" kern="1200">
+          <a:solidFill>
+            <a:schemeClr val="tx1"/>
+          </a:solidFill>
+          <a:latin typeface="+mn-lt"/>
+          <a:ea typeface="+mn-ea"/>
+          <a:cs typeface="+mn-cs"/>
+        </a:defRPr>
+      </a:lvl2pPr>
+      <a:lvl3pPr marL="914400" algn="l" defTabSz="914400" rtl="0" eaLnBrk="1" latinLnBrk="0" hangingPunct="1">
+        <a:defRPr sz="1800" kern="1200">
+          <a:solidFill>
+            <a:schemeClr val="tx1"/>
+          </a:solidFill>
+          <a:latin typeface="+mn-lt"/>
+          <a:ea typeface="+mn-ea"/>
+          <a:cs typeface="+mn-cs"/>
+        </a:defRPr>
+      </a:lvl3pPr>
+      <a:lvl4pPr marL="1371600" algn="l" defTabSz="914400" rtl="0" eaLnBrk="1" latinLnBrk="0" hangingPunct="1">
+        <a:defRPr sz="1800" kern="1200">
+          <a:solidFill>
+            <a:schemeClr val="tx1"/>
+          </a:solidFill>
+          <a:latin typeface="+mn-lt"/>
+          <a:ea typeface="+mn-ea"/>
+          <a:cs typeface="+mn-cs"/>
+        </a:defRPr>
+      </a:lvl4pPr>
+      <a:lvl5pPr marL="1828800" algn="l" defTabSz="914400" rtl="0" eaLnBrk="1" latinLnBrk="0" hangingPunct="1">
+        <a:defRPr sz="1800" kern="1200">
+          <a:solidFill>
+            <a:schemeClr val="tx1"/>
+          </a:solidFill>
+          <a:latin typeface="+mn-lt"/>
+          <a:ea typeface="+mn-ea"/>
+          <a:cs typeface="+mn-cs"/>
+        </a:defRPr>
+      </a:lvl5pPr>
+      <a:lvl6pPr marL="2286000" algn="l" defTabSz="914400" rtl="0" eaLnBrk="1" latinLnBrk="0" hangingPunct="1">
+        <a:defRPr sz="1800" kern="1200">
+          <a:solidFill>
+            <a:schemeClr val="tx1"/>
+          </a:solidFill>
+          <a:latin typeface="+mn-lt"/>
+          <a:ea typeface="+mn-ea"/>
+          <a:cs typeface="+mn-cs"/>
+        </a:defRPr>
+      </a:lvl6pPr>
+      <a:lvl7pPr marL="2743200" algn="l" defTabSz="914400" rtl="0" eaLnBrk="1" latinLnBrk="0" hangingPunct="1">
+        <a:defRPr sz="1800" kern="1200">
+          <a:solidFill>
+            <a:schemeClr val="tx1"/>
+          </a:solidFill>
+          <a:latin typeface="+mn-lt"/>
+          <a:ea typeface="+mn-ea"/>
+          <a:cs typeface="+mn-cs"/>
+        </a:defRPr>
+      </a:lvl7pPr>
+      <a:lvl8pPr marL="3200400" algn="l" defTabSz="914400" rtl="0" eaLnBrk="1" latinLnBrk="0" hangingPunct="1">
+        <a:defRPr sz="1800" kern="1200">
+          <a:solidFill>
+            <a:schemeClr val="tx1"/>
+          </a:solidFill>
+          <a:latin typeface="+mn-lt"/>
+          <a:ea typeface="+mn-ea"/>
+          <a:cs typeface="+mn-cs"/>
+        </a:defRPr>
+      </a:lvl8pPr>
+      <a:lvl9pPr marL="3657600" algn="l" defTabSz="914400" rtl="0" eaLnBrk="1" latinLnBrk="0" hangingPunct="1">
+        <a:defRPr sz="1800" kern="1200">
+          <a:solidFill>
+            <a:schemeClr val="tx1"/>
+          </a:solidFill>
+          <a:latin typeface="+mn-lt"/>
+          <a:ea typeface="+mn-ea"/>
+          <a:cs typeface="+mn-cs"/>
+        </a:defRPr>
+      </a:lvl9pPr>
+    </p:otherStyle>
+  </p:txStyles>
 </p:sldMaster>
 </file>
 
 <file path=ppt/slides/slide1.xml><?xml version="1.0" encoding="utf-8"?>
-<p:sld xmlns:a="http://schemas.openxmlformats.org/drawingml/2006/main" xmlns:p="http://schemas.openxmlformats.org/presentationml/2006/main" xmlns:r="http://schemas.openxmlformats.org/officeDocument/2006/relationships" xmlns:p14="http://schemas.microsoft.com/office/powerpoint/2010/main" xmlns:p15="http://schemas.microsoft.com/office/powerpoint/2012/main" xmlns:mc="http://schemas.openxmlformats.org/markup-compatibility/2006">
+<p:sld xmlns:a="http://schemas.openxmlformats.org/drawingml/2006/main" xmlns:r="http://schemas.openxmlformats.org/officeDocument/2006/relationships" xmlns:p="http://schemas.openxmlformats.org/presentationml/2006/main">
   <p:cSld>
     <p:spTree>
       <p:nvGrpSpPr>
@@ -1883,13 +2241,13 @@
             </a:avLst>
           </a:prstGeom>
           <a:solidFill>
-            <a:srgbClr val="f1f5e9"/>
+            <a:srgbClr val="F1F5E9"/>
           </a:solidFill>
           <a:ln w="19080">
             <a:noFill/>
           </a:ln>
           <a:effectLst>
-            <a:outerShdw blurRad="40000" dir="5400000" dist="20000" rotWithShape="0">
+            <a:outerShdw blurRad="40000" dist="20000" dir="5400000" rotWithShape="0">
               <a:srgbClr val="000000">
                 <a:alpha val="38000"/>
               </a:srgbClr>
@@ -1909,7 +2267,8 @@
           <a:fontRef idx="minor"/>
         </p:style>
         <p:txBody>
-          <a:bodyPr lIns="90000" rIns="90000" tIns="45000" bIns="45000"/>
+          <a:bodyPr lIns="90000" tIns="45000" rIns="90000" bIns="45000"/>
+          <a:lstStyle/>
           <a:p>
             <a:pPr>
               <a:lnSpc>
@@ -1917,13 +2276,13 @@
               </a:lnSpc>
             </a:pPr>
             <a:r>
-              <a:rPr b="1" lang="en-US" sz="1200" spc="-1" strike="noStrike">
-                <a:solidFill>
-                  <a:srgbClr val="77933c"/>
+              <a:rPr lang="en-US" sz="1200" b="1" strike="noStrike" spc="-1">
+                <a:solidFill>
+                  <a:srgbClr val="77933C"/>
                 </a:solidFill>
                 <a:uFill>
                   <a:solidFill>
-                    <a:srgbClr val="ffffff"/>
+                    <a:srgbClr val="FFFFFF"/>
                   </a:solidFill>
                 </a:uFill>
                 <a:latin typeface="Calibri"/>
@@ -1931,13 +2290,13 @@
               </a:rPr>
               <a:t>UI</a:t>
             </a:r>
-            <a:endParaRPr b="0" lang="en-US" sz="1800" spc="-1" strike="noStrike">
+            <a:endParaRPr lang="en-US" sz="1800" b="0" strike="noStrike" spc="-1">
               <a:solidFill>
                 <a:srgbClr val="000000"/>
               </a:solidFill>
               <a:uFill>
                 <a:solidFill>
-                  <a:srgbClr val="ffffff"/>
+                  <a:srgbClr val="FFFFFF"/>
                 </a:solidFill>
               </a:uFill>
               <a:latin typeface="Arial"/>
@@ -1966,7 +2325,7 @@
             <a:round/>
           </a:ln>
           <a:effectLst>
-            <a:outerShdw blurRad="40000" dir="5400000" dist="20000" rotWithShape="0">
+            <a:outerShdw blurRad="40000" dist="20000" dir="5400000" rotWithShape="0">
               <a:srgbClr val="000000">
                 <a:alpha val="38000"/>
               </a:srgbClr>
@@ -1986,7 +2345,8 @@
           <a:fontRef idx="minor"/>
         </p:style>
         <p:txBody>
-          <a:bodyPr lIns="90000" rIns="90000" tIns="45000" bIns="45000" anchor="ctr"/>
+          <a:bodyPr lIns="90000" tIns="45000" rIns="90000" bIns="45000" anchor="ctr"/>
+          <a:lstStyle/>
           <a:p>
             <a:pPr algn="ctr">
               <a:lnSpc>
@@ -1994,13 +2354,13 @@
               </a:lnSpc>
             </a:pPr>
             <a:r>
-              <a:rPr b="1" lang="en-US" sz="1050" spc="-1" strike="noStrike">
-                <a:solidFill>
-                  <a:srgbClr val="77933c"/>
+              <a:rPr lang="en-US" sz="1050" b="1" strike="noStrike" spc="-1">
+                <a:solidFill>
+                  <a:srgbClr val="77933C"/>
                 </a:solidFill>
                 <a:uFill>
                   <a:solidFill>
-                    <a:srgbClr val="ffffff"/>
+                    <a:srgbClr val="FFFFFF"/>
                   </a:solidFill>
                 </a:uFill>
                 <a:latin typeface="Calibri"/>
@@ -2008,13 +2368,13 @@
               </a:rPr>
               <a:t>MainWindow</a:t>
             </a:r>
-            <a:endParaRPr b="0" lang="en-US" sz="1800" spc="-1" strike="noStrike">
+            <a:endParaRPr lang="en-US" sz="1800" b="0" strike="noStrike" spc="-1">
               <a:solidFill>
                 <a:srgbClr val="000000"/>
               </a:solidFill>
               <a:uFill>
                 <a:solidFill>
-                  <a:srgbClr val="ffffff"/>
+                  <a:srgbClr val="FFFFFF"/>
                 </a:solidFill>
               </a:uFill>
               <a:latin typeface="Arial"/>
@@ -2043,7 +2403,7 @@
             <a:round/>
           </a:ln>
           <a:effectLst>
-            <a:outerShdw blurRad="40000" dir="5400000" dist="20000" rotWithShape="0">
+            <a:outerShdw blurRad="40000" dist="20000" dir="5400000" rotWithShape="0">
               <a:srgbClr val="000000">
                 <a:alpha val="38000"/>
               </a:srgbClr>
@@ -2063,7 +2423,8 @@
           <a:fontRef idx="minor"/>
         </p:style>
         <p:txBody>
-          <a:bodyPr lIns="90000" rIns="90000" tIns="45000" bIns="45000" anchor="ctr"/>
+          <a:bodyPr lIns="90000" tIns="45000" rIns="90000" bIns="45000" anchor="ctr"/>
+          <a:lstStyle/>
           <a:p>
             <a:pPr algn="ctr">
               <a:lnSpc>
@@ -2071,13 +2432,13 @@
               </a:lnSpc>
             </a:pPr>
             <a:r>
-              <a:rPr b="1" lang="en-US" sz="1050" spc="-1" strike="noStrike">
-                <a:solidFill>
-                  <a:srgbClr val="77933c"/>
+              <a:rPr lang="en-US" sz="1050" b="1" strike="noStrike" spc="-1">
+                <a:solidFill>
+                  <a:srgbClr val="77933C"/>
                 </a:solidFill>
                 <a:uFill>
                   <a:solidFill>
-                    <a:srgbClr val="ffffff"/>
+                    <a:srgbClr val="FFFFFF"/>
                   </a:solidFill>
                 </a:uFill>
                 <a:latin typeface="Calibri"/>
@@ -2085,13 +2446,13 @@
               </a:rPr>
               <a:t>CommandBox</a:t>
             </a:r>
-            <a:endParaRPr b="0" lang="en-US" sz="1800" spc="-1" strike="noStrike">
+            <a:endParaRPr lang="en-US" sz="1800" b="0" strike="noStrike" spc="-1">
               <a:solidFill>
                 <a:srgbClr val="000000"/>
               </a:solidFill>
               <a:uFill>
                 <a:solidFill>
-                  <a:srgbClr val="ffffff"/>
+                  <a:srgbClr val="FFFFFF"/>
                 </a:solidFill>
               </a:uFill>
               <a:latin typeface="Arial"/>
@@ -2114,16 +2475,16 @@
             <a:avLst/>
           </a:prstGeom>
           <a:solidFill>
-            <a:srgbClr val="00b050"/>
+            <a:srgbClr val="00B050"/>
           </a:solidFill>
           <a:ln w="19080">
             <a:solidFill>
-              <a:srgbClr val="00b050"/>
+              <a:srgbClr val="00B050"/>
             </a:solidFill>
             <a:round/>
           </a:ln>
           <a:effectLst>
-            <a:outerShdw blurRad="40000" dir="5400000" dist="20000" rotWithShape="0">
+            <a:outerShdw blurRad="40000" dist="20000" dir="5400000" rotWithShape="0">
               <a:srgbClr val="000000">
                 <a:alpha val="38000"/>
               </a:srgbClr>
@@ -2143,7 +2504,8 @@
           <a:fontRef idx="minor"/>
         </p:style>
         <p:txBody>
-          <a:bodyPr lIns="90000" rIns="90000" tIns="45000" bIns="45000" anchor="ctr"/>
+          <a:bodyPr lIns="90000" tIns="45000" rIns="90000" bIns="45000" anchor="ctr"/>
+          <a:lstStyle/>
           <a:p>
             <a:pPr algn="ctr">
               <a:lnSpc>
@@ -2151,13 +2513,13 @@
               </a:lnSpc>
             </a:pPr>
             <a:r>
-              <a:rPr b="0" lang="en-US" sz="1050" spc="-1" strike="noStrike">
-                <a:solidFill>
-                  <a:srgbClr val="ffffff"/>
+              <a:rPr lang="en-US" sz="1050" b="0" strike="noStrike" spc="-1">
+                <a:solidFill>
+                  <a:srgbClr val="FFFFFF"/>
                 </a:solidFill>
                 <a:uFill>
                   <a:solidFill>
-                    <a:srgbClr val="ffffff"/>
+                    <a:srgbClr val="FFFFFF"/>
                   </a:solidFill>
                 </a:uFill>
                 <a:latin typeface="Calibri"/>
@@ -2165,13 +2527,13 @@
               </a:rPr>
               <a:t>UiManager</a:t>
             </a:r>
-            <a:endParaRPr b="0" lang="en-US" sz="1800" spc="-1" strike="noStrike">
+            <a:endParaRPr lang="en-US" sz="1800" b="0" strike="noStrike" spc="-1">
               <a:solidFill>
                 <a:srgbClr val="000000"/>
               </a:solidFill>
               <a:uFill>
                 <a:solidFill>
-                  <a:srgbClr val="ffffff"/>
+                  <a:srgbClr val="FFFFFF"/>
                 </a:solidFill>
               </a:uFill>
               <a:latin typeface="Arial"/>
@@ -2186,7 +2548,7 @@
           <p:nvPr/>
         </p:nvSpPr>
         <p:spPr>
-          <a:xfrm flipH="1" rot="16200000">
+          <a:xfrm rot="16200000" flipH="1">
             <a:off x="2615040" y="1207080"/>
             <a:ext cx="287640" cy="3240"/>
           </a:xfrm>
@@ -2197,13 +2559,13 @@
           </a:prstGeom>
           <a:ln w="19080">
             <a:solidFill>
-              <a:srgbClr val="00b050"/>
+              <a:srgbClr val="00B050"/>
             </a:solidFill>
             <a:round/>
-            <a:tailEnd len="med" type="arrow" w="med"/>
+            <a:tailEnd type="arrow" w="med" len="med"/>
           </a:ln>
           <a:effectLst>
-            <a:outerShdw blurRad="40000" dir="5400000" dist="20000" rotWithShape="0">
+            <a:outerShdw blurRad="40000" dist="20000" dir="5400000" rotWithShape="0">
               <a:srgbClr val="000000">
                 <a:alpha val="38000"/>
               </a:srgbClr>
@@ -2230,7 +2592,7 @@
           <p:nvPr/>
         </p:nvSpPr>
         <p:spPr>
-          <a:xfrm flipV="1" rot="10800000">
+          <a:xfrm rot="10800000" flipV="1">
             <a:off x="6657480" y="1288080"/>
             <a:ext cx="348120" cy="225720"/>
           </a:xfrm>
@@ -2246,7 +2608,7 @@
             <a:round/>
           </a:ln>
           <a:effectLst>
-            <a:outerShdw blurRad="40000" dir="5400000" dist="20000" rotWithShape="0">
+            <a:outerShdw blurRad="40000" dist="20000" dir="5400000" rotWithShape="0">
               <a:srgbClr val="000000">
                 <a:alpha val="38000"/>
               </a:srgbClr>
@@ -2292,10 +2654,10 @@
               <a:ds d="100000" sp="100000"/>
             </a:custDash>
             <a:round/>
-            <a:tailEnd len="med" type="arrow" w="med"/>
+            <a:tailEnd type="arrow" w="med" len="med"/>
           </a:ln>
           <a:effectLst>
-            <a:outerShdw blurRad="40000" dir="5400000" dist="20000" rotWithShape="0">
+            <a:outerShdw blurRad="40000" dist="20000" dir="5400000" rotWithShape="0">
               <a:srgbClr val="000000">
                 <a:alpha val="38000"/>
               </a:srgbClr>
@@ -2341,7 +2703,7 @@
             <a:noFill/>
           </a:ln>
           <a:effectLst>
-            <a:outerShdw blurRad="40000" dir="5400000" dist="20000" rotWithShape="0">
+            <a:outerShdw blurRad="40000" dist="20000" dir="5400000" rotWithShape="0">
               <a:srgbClr val="000000">
                 <a:alpha val="38000"/>
               </a:srgbClr>
@@ -2361,7 +2723,8 @@
           <a:fontRef idx="minor"/>
         </p:style>
         <p:txBody>
-          <a:bodyPr lIns="90000" rIns="90000" tIns="45000" bIns="45000" anchor="ctr"/>
+          <a:bodyPr lIns="90000" tIns="45000" rIns="90000" bIns="45000" anchor="ctr"/>
+          <a:lstStyle/>
           <a:p>
             <a:pPr algn="ctr">
               <a:lnSpc>
@@ -2369,13 +2732,13 @@
               </a:lnSpc>
             </a:pPr>
             <a:r>
-              <a:rPr b="1" lang="en-US" sz="1100" spc="-1" strike="noStrike">
-                <a:solidFill>
-                  <a:srgbClr val="ffffff"/>
+              <a:rPr lang="en-US" sz="1100" b="1" strike="noStrike" spc="-1">
+                <a:solidFill>
+                  <a:srgbClr val="FFFFFF"/>
                 </a:solidFill>
                 <a:uFill>
                   <a:solidFill>
-                    <a:srgbClr val="ffffff"/>
+                    <a:srgbClr val="FFFFFF"/>
                   </a:solidFill>
                 </a:uFill>
                 <a:latin typeface="Calibri"/>
@@ -2383,13 +2746,13 @@
               </a:rPr>
               <a:t>Logic</a:t>
             </a:r>
-            <a:endParaRPr b="0" lang="en-US" sz="1800" spc="-1" strike="noStrike">
+            <a:endParaRPr lang="en-US" sz="1800" b="0" strike="noStrike" spc="-1">
               <a:solidFill>
                 <a:srgbClr val="000000"/>
               </a:solidFill>
               <a:uFill>
                 <a:solidFill>
-                  <a:srgbClr val="ffffff"/>
+                  <a:srgbClr val="FFFFFF"/>
                 </a:solidFill>
               </a:uFill>
               <a:latin typeface="Arial"/>
@@ -2418,7 +2781,7 @@
             <a:round/>
           </a:ln>
           <a:effectLst>
-            <a:outerShdw blurRad="40000" dir="5400000" dist="20000" rotWithShape="0">
+            <a:outerShdw blurRad="40000" dist="20000" dir="5400000" rotWithShape="0">
               <a:srgbClr val="000000">
                 <a:alpha val="38000"/>
               </a:srgbClr>
@@ -2438,7 +2801,8 @@
           <a:fontRef idx="minor"/>
         </p:style>
         <p:txBody>
-          <a:bodyPr lIns="90000" rIns="90000" tIns="45000" bIns="45000" anchor="ctr"/>
+          <a:bodyPr lIns="90000" tIns="45000" rIns="90000" bIns="45000" anchor="ctr"/>
+          <a:lstStyle/>
           <a:p>
             <a:pPr algn="ctr">
               <a:lnSpc>
@@ -2446,13 +2810,13 @@
               </a:lnSpc>
             </a:pPr>
             <a:r>
-              <a:rPr b="1" lang="en-US" sz="1050" spc="-1" strike="noStrike">
-                <a:solidFill>
-                  <a:srgbClr val="77933c"/>
+              <a:rPr lang="en-US" sz="1050" b="1" strike="noStrike" spc="-1">
+                <a:solidFill>
+                  <a:srgbClr val="77933C"/>
                 </a:solidFill>
                 <a:uFill>
                   <a:solidFill>
-                    <a:srgbClr val="ffffff"/>
+                    <a:srgbClr val="FFFFFF"/>
                   </a:solidFill>
                 </a:uFill>
                 <a:latin typeface="Calibri"/>
@@ -2460,13 +2824,13 @@
               </a:rPr>
               <a:t>TaskDescription</a:t>
             </a:r>
-            <a:endParaRPr b="0" lang="en-US" sz="1800" spc="-1" strike="noStrike">
+            <a:endParaRPr lang="en-US" sz="1800" b="0" strike="noStrike" spc="-1">
               <a:solidFill>
                 <a:srgbClr val="000000"/>
               </a:solidFill>
               <a:uFill>
                 <a:solidFill>
-                  <a:srgbClr val="ffffff"/>
+                  <a:srgbClr val="FFFFFF"/>
                 </a:solidFill>
               </a:uFill>
               <a:latin typeface="Arial"/>
@@ -2495,7 +2859,7 @@
             <a:round/>
           </a:ln>
           <a:effectLst>
-            <a:outerShdw blurRad="40000" dir="5400000" dist="20000" rotWithShape="0">
+            <a:outerShdw blurRad="40000" dist="20000" dir="5400000" rotWithShape="0">
               <a:srgbClr val="000000">
                 <a:alpha val="38000"/>
               </a:srgbClr>
@@ -2515,7 +2879,8 @@
           <a:fontRef idx="minor"/>
         </p:style>
         <p:txBody>
-          <a:bodyPr lIns="90000" rIns="90000" tIns="45000" bIns="45000" anchor="ctr"/>
+          <a:bodyPr lIns="90000" tIns="45000" rIns="90000" bIns="45000" anchor="ctr"/>
+          <a:lstStyle/>
           <a:p>
             <a:pPr algn="ctr">
               <a:lnSpc>
@@ -2523,13 +2888,13 @@
               </a:lnSpc>
             </a:pPr>
             <a:r>
-              <a:rPr b="1" lang="en-US" sz="1050" spc="-1" strike="noStrike">
-                <a:solidFill>
-                  <a:srgbClr val="77933c"/>
+              <a:rPr lang="en-US" sz="1050" b="1" strike="noStrike" spc="-1">
+                <a:solidFill>
+                  <a:srgbClr val="77933C"/>
                 </a:solidFill>
                 <a:uFill>
                   <a:solidFill>
-                    <a:srgbClr val="ffffff"/>
+                    <a:srgbClr val="FFFFFF"/>
                   </a:solidFill>
                 </a:uFill>
                 <a:latin typeface="Calibri"/>
@@ -2537,13 +2902,13 @@
               </a:rPr>
               <a:t>StatusBarFooter</a:t>
             </a:r>
-            <a:endParaRPr b="0" lang="en-US" sz="1800" spc="-1" strike="noStrike">
+            <a:endParaRPr lang="en-US" sz="1800" b="0" strike="noStrike" spc="-1">
               <a:solidFill>
                 <a:srgbClr val="000000"/>
               </a:solidFill>
               <a:uFill>
                 <a:solidFill>
-                  <a:srgbClr val="ffffff"/>
+                  <a:srgbClr val="FFFFFF"/>
                 </a:solidFill>
               </a:uFill>
               <a:latin typeface="Arial"/>
@@ -2572,7 +2937,7 @@
             <a:round/>
           </a:ln>
           <a:effectLst>
-            <a:outerShdw blurRad="40000" dir="5400000" dist="20000" rotWithShape="0">
+            <a:outerShdw blurRad="40000" dist="20000" dir="5400000" rotWithShape="0">
               <a:srgbClr val="000000">
                 <a:alpha val="38000"/>
               </a:srgbClr>
@@ -2592,7 +2957,8 @@
           <a:fontRef idx="minor"/>
         </p:style>
         <p:txBody>
-          <a:bodyPr lIns="90000" rIns="90000" tIns="45000" bIns="45000" anchor="ctr"/>
+          <a:bodyPr lIns="90000" tIns="45000" rIns="90000" bIns="45000" anchor="ctr"/>
+          <a:lstStyle/>
           <a:p>
             <a:pPr algn="ctr">
               <a:lnSpc>
@@ -2600,13 +2966,13 @@
               </a:lnSpc>
             </a:pPr>
             <a:r>
-              <a:rPr b="1" lang="en-US" sz="1050" spc="-1" strike="noStrike">
-                <a:solidFill>
-                  <a:srgbClr val="77933c"/>
+              <a:rPr lang="en-US" sz="1050" b="1" strike="noStrike" spc="-1">
+                <a:solidFill>
+                  <a:srgbClr val="77933C"/>
                 </a:solidFill>
                 <a:uFill>
                   <a:solidFill>
-                    <a:srgbClr val="ffffff"/>
+                    <a:srgbClr val="FFFFFF"/>
                   </a:solidFill>
                 </a:uFill>
                 <a:latin typeface="Calibri"/>
@@ -2614,13 +2980,13 @@
               </a:rPr>
               <a:t>TaskListPanel</a:t>
             </a:r>
-            <a:endParaRPr b="0" lang="en-US" sz="1800" spc="-1" strike="noStrike">
+            <a:endParaRPr lang="en-US" sz="1800" b="0" strike="noStrike" spc="-1">
               <a:solidFill>
                 <a:srgbClr val="000000"/>
               </a:solidFill>
               <a:uFill>
                 <a:solidFill>
-                  <a:srgbClr val="ffffff"/>
+                  <a:srgbClr val="FFFFFF"/>
                 </a:solidFill>
               </a:uFill>
               <a:latin typeface="Arial"/>
@@ -2649,7 +3015,7 @@
             <a:round/>
           </a:ln>
           <a:effectLst>
-            <a:outerShdw blurRad="40000" dir="5400000" dist="20000" rotWithShape="0">
+            <a:outerShdw blurRad="40000" dist="20000" dir="5400000" rotWithShape="0">
               <a:srgbClr val="000000">
                 <a:alpha val="38000"/>
               </a:srgbClr>
@@ -2669,7 +3035,8 @@
           <a:fontRef idx="minor"/>
         </p:style>
         <p:txBody>
-          <a:bodyPr lIns="90000" rIns="90000" tIns="45000" bIns="45000" anchor="ctr"/>
+          <a:bodyPr lIns="90000" tIns="45000" rIns="90000" bIns="45000" anchor="ctr"/>
+          <a:lstStyle/>
           <a:p>
             <a:pPr algn="ctr">
               <a:lnSpc>
@@ -2677,13 +3044,13 @@
               </a:lnSpc>
             </a:pPr>
             <a:r>
-              <a:rPr b="1" lang="en-US" sz="1050" spc="-1" strike="noStrike">
-                <a:solidFill>
-                  <a:srgbClr val="77933c"/>
+              <a:rPr lang="en-US" sz="1050" b="1" strike="noStrike" spc="-1">
+                <a:solidFill>
+                  <a:srgbClr val="77933C"/>
                 </a:solidFill>
                 <a:uFill>
                   <a:solidFill>
-                    <a:srgbClr val="ffffff"/>
+                    <a:srgbClr val="FFFFFF"/>
                   </a:solidFill>
                 </a:uFill>
                 <a:latin typeface="Calibri"/>
@@ -2691,13 +3058,13 @@
               </a:rPr>
               <a:t>TaskCard</a:t>
             </a:r>
-            <a:endParaRPr b="0" lang="en-US" sz="1800" spc="-1" strike="noStrike">
+            <a:endParaRPr lang="en-US" sz="1800" b="0" strike="noStrike" spc="-1">
               <a:solidFill>
                 <a:srgbClr val="000000"/>
               </a:solidFill>
               <a:uFill>
                 <a:solidFill>
-                  <a:srgbClr val="ffffff"/>
+                  <a:srgbClr val="FFFFFF"/>
                 </a:solidFill>
               </a:uFill>
               <a:latin typeface="Arial"/>
@@ -2726,7 +3093,7 @@
             <a:round/>
           </a:ln>
           <a:effectLst>
-            <a:outerShdw blurRad="40000" dir="5400000" dist="20000" rotWithShape="0">
+            <a:outerShdw blurRad="40000" dist="20000" dir="5400000" rotWithShape="0">
               <a:srgbClr val="000000">
                 <a:alpha val="38000"/>
               </a:srgbClr>
@@ -2746,7 +3113,8 @@
           <a:fontRef idx="minor"/>
         </p:style>
         <p:txBody>
-          <a:bodyPr lIns="90000" rIns="90000" tIns="45000" bIns="45000" anchor="ctr"/>
+          <a:bodyPr lIns="90000" tIns="45000" rIns="90000" bIns="45000" anchor="ctr"/>
+          <a:lstStyle/>
           <a:p>
             <a:pPr algn="ctr">
               <a:lnSpc>
@@ -2754,13 +3122,13 @@
               </a:lnSpc>
             </a:pPr>
             <a:r>
-              <a:rPr b="1" lang="en-US" sz="1050" spc="-1" strike="noStrike">
-                <a:solidFill>
-                  <a:srgbClr val="77933c"/>
+              <a:rPr lang="en-US" sz="1050" b="1" strike="noStrike" spc="-1">
+                <a:solidFill>
+                  <a:srgbClr val="77933C"/>
                 </a:solidFill>
                 <a:uFill>
                   <a:solidFill>
-                    <a:srgbClr val="ffffff"/>
+                    <a:srgbClr val="FFFFFF"/>
                   </a:solidFill>
                 </a:uFill>
                 <a:latin typeface="Calibri"/>
@@ -2768,13 +3136,13 @@
               </a:rPr>
               <a:t>TabList</a:t>
             </a:r>
-            <a:endParaRPr b="0" lang="en-US" sz="1800" spc="-1" strike="noStrike">
+            <a:endParaRPr lang="en-US" sz="1800" b="0" strike="noStrike" spc="-1">
               <a:solidFill>
                 <a:srgbClr val="000000"/>
               </a:solidFill>
               <a:uFill>
                 <a:solidFill>
-                  <a:srgbClr val="ffffff"/>
+                  <a:srgbClr val="FFFFFF"/>
                 </a:solidFill>
               </a:uFill>
               <a:latin typeface="Arial"/>
@@ -2828,7 +3196,7 @@
           <p:nvPr/>
         </p:nvSpPr>
         <p:spPr>
-          <a:xfrm flipH="1" rot="16200000">
+          <a:xfrm rot="16200000" flipH="1">
             <a:off x="2439360" y="2063880"/>
             <a:ext cx="285120" cy="226080"/>
           </a:xfrm>
@@ -2840,10 +3208,10 @@
               <a:schemeClr val="accent3"/>
             </a:solidFill>
             <a:round/>
-            <a:tailEnd len="med" type="arrow" w="med"/>
+            <a:tailEnd type="arrow" w="med" len="med"/>
           </a:ln>
           <a:effectLst>
-            <a:outerShdw blurRad="40000" dir="5400000" dist="20000" rotWithShape="0">
+            <a:outerShdw blurRad="40000" dist="20000" dir="5400000" rotWithShape="0">
               <a:srgbClr val="000000">
                 <a:alpha val="38000"/>
               </a:srgbClr>
@@ -2884,7 +3252,7 @@
             <a:round/>
           </a:ln>
           <a:effectLst>
-            <a:outerShdw blurRad="40000" dir="5400000" dist="20000" rotWithShape="0">
+            <a:outerShdw blurRad="40000" dist="20000" dir="5400000" rotWithShape="0">
               <a:srgbClr val="000000">
                 <a:alpha val="38000"/>
               </a:srgbClr>
@@ -2904,7 +3272,8 @@
           <a:fontRef idx="minor"/>
         </p:style>
         <p:txBody>
-          <a:bodyPr lIns="90000" rIns="90000" tIns="45000" bIns="45000" anchor="ctr"/>
+          <a:bodyPr lIns="90000" tIns="45000" rIns="90000" bIns="45000" anchor="ctr"/>
+          <a:lstStyle/>
           <a:p>
             <a:pPr algn="ctr">
               <a:lnSpc>
@@ -2912,13 +3281,13 @@
               </a:lnSpc>
             </a:pPr>
             <a:r>
-              <a:rPr b="1" lang="en-US" sz="1050" spc="-1" strike="noStrike">
-                <a:solidFill>
-                  <a:srgbClr val="77933c"/>
+              <a:rPr lang="en-US" sz="1050" b="1" strike="noStrike" spc="-1">
+                <a:solidFill>
+                  <a:srgbClr val="77933C"/>
                 </a:solidFill>
                 <a:uFill>
                   <a:solidFill>
-                    <a:srgbClr val="ffffff"/>
+                    <a:srgbClr val="FFFFFF"/>
                   </a:solidFill>
                 </a:uFill>
                 <a:latin typeface="Calibri"/>
@@ -2926,13 +3295,13 @@
               </a:rPr>
               <a:t>ResultDisplay</a:t>
             </a:r>
-            <a:endParaRPr b="0" lang="en-US" sz="1800" spc="-1" strike="noStrike">
+            <a:endParaRPr lang="en-US" sz="1800" b="0" strike="noStrike" spc="-1">
               <a:solidFill>
                 <a:srgbClr val="000000"/>
               </a:solidFill>
               <a:uFill>
                 <a:solidFill>
-                  <a:srgbClr val="ffffff"/>
+                  <a:srgbClr val="FFFFFF"/>
                 </a:solidFill>
               </a:uFill>
               <a:latin typeface="Arial"/>
@@ -2947,7 +3316,7 @@
           <p:nvPr/>
         </p:nvSpPr>
         <p:spPr>
-          <a:xfrm flipH="1" rot="16200000">
+          <a:xfrm rot="16200000" flipH="1">
             <a:off x="2001600" y="2501280"/>
             <a:ext cx="1160280" cy="226080"/>
           </a:xfrm>
@@ -2959,10 +3328,10 @@
               <a:schemeClr val="accent3"/>
             </a:solidFill>
             <a:round/>
-            <a:tailEnd len="med" type="arrow" w="med"/>
+            <a:tailEnd type="arrow" w="med" len="med"/>
           </a:ln>
           <a:effectLst>
-            <a:outerShdw blurRad="40000" dir="5400000" dist="20000" rotWithShape="0">
+            <a:outerShdw blurRad="40000" dist="20000" dir="5400000" rotWithShape="0">
               <a:srgbClr val="000000">
                 <a:alpha val="38000"/>
               </a:srgbClr>
@@ -2989,7 +3358,7 @@
           <p:nvPr/>
         </p:nvSpPr>
         <p:spPr>
-          <a:xfrm flipH="1" rot="16200000">
+          <a:xfrm rot="16200000" flipH="1">
             <a:off x="1522080" y="2980440"/>
             <a:ext cx="2113920" cy="221400"/>
           </a:xfrm>
@@ -3001,10 +3370,10 @@
               <a:schemeClr val="accent3"/>
             </a:solidFill>
             <a:round/>
-            <a:tailEnd len="med" type="arrow" w="med"/>
+            <a:tailEnd type="arrow" w="med" len="med"/>
           </a:ln>
           <a:effectLst>
-            <a:outerShdw blurRad="40000" dir="5400000" dist="20000" rotWithShape="0">
+            <a:outerShdw blurRad="40000" dist="20000" dir="5400000" rotWithShape="0">
               <a:srgbClr val="000000">
                 <a:alpha val="38000"/>
               </a:srgbClr>
@@ -3031,7 +3400,7 @@
           <p:nvPr/>
         </p:nvSpPr>
         <p:spPr>
-          <a:xfrm flipH="1" rot="16200000">
+          <a:xfrm rot="16200000" flipH="1">
             <a:off x="1083960" y="3419280"/>
             <a:ext cx="2998440" cy="228240"/>
           </a:xfrm>
@@ -3043,10 +3412,10 @@
               <a:schemeClr val="accent3"/>
             </a:solidFill>
             <a:round/>
-            <a:tailEnd len="med" type="arrow" w="med"/>
+            <a:tailEnd type="arrow" w="med" len="med"/>
           </a:ln>
           <a:effectLst>
-            <a:outerShdw blurRad="40000" dir="5400000" dist="20000" rotWithShape="0">
+            <a:outerShdw blurRad="40000" dist="20000" dir="5400000" rotWithShape="0">
               <a:srgbClr val="000000">
                 <a:alpha val="38000"/>
               </a:srgbClr>
@@ -3073,7 +3442,7 @@
           <p:nvPr/>
         </p:nvSpPr>
         <p:spPr>
-          <a:xfrm flipH="1" rot="16200000">
+          <a:xfrm rot="16200000" flipH="1">
             <a:off x="327240" y="3660120"/>
             <a:ext cx="4232520" cy="513000"/>
           </a:xfrm>
@@ -3085,10 +3454,10 @@
               <a:schemeClr val="accent3"/>
             </a:solidFill>
             <a:round/>
-            <a:tailEnd len="med" type="arrow" w="med"/>
+            <a:tailEnd type="arrow" w="med" len="med"/>
           </a:ln>
           <a:effectLst>
-            <a:outerShdw blurRad="40000" dir="5400000" dist="20000" rotWithShape="0">
+            <a:outerShdw blurRad="40000" dist="20000" dir="5400000" rotWithShape="0">
               <a:srgbClr val="000000">
                 <a:alpha val="38000"/>
               </a:srgbClr>
@@ -3129,7 +3498,7 @@
             <a:round/>
           </a:ln>
           <a:effectLst>
-            <a:outerShdw blurRad="40000" dir="5400000" dist="20000" rotWithShape="0">
+            <a:outerShdw blurRad="40000" dist="20000" dir="5400000" rotWithShape="0">
               <a:srgbClr val="000000">
                 <a:alpha val="38000"/>
               </a:srgbClr>
@@ -3149,16 +3518,17 @@
           <a:fontRef idx="minor"/>
         </p:style>
         <p:txBody>
-          <a:bodyPr lIns="90000" rIns="90000" tIns="45000" bIns="45000" anchor="ctr"/>
+          <a:bodyPr lIns="90000" tIns="45000" rIns="90000" bIns="45000" anchor="ctr"/>
+          <a:lstStyle/>
           <a:p>
             <a:r>
-              <a:rPr b="1" lang="en-US" sz="1050" spc="-1" strike="noStrike">
-                <a:solidFill>
-                  <a:srgbClr val="77933c"/>
+              <a:rPr lang="en-US" sz="1050" b="1" strike="noStrike" spc="-1">
+                <a:solidFill>
+                  <a:srgbClr val="77933C"/>
                 </a:solidFill>
                 <a:uFill>
                   <a:solidFill>
-                    <a:srgbClr val="ffffff"/>
+                    <a:srgbClr val="FFFFFF"/>
                   </a:solidFill>
                 </a:uFill>
                 <a:latin typeface="Calibri"/>
@@ -3166,13 +3536,13 @@
               </a:rPr>
               <a:t>{abstract}</a:t>
             </a:r>
-            <a:endParaRPr b="0" lang="en-US" sz="1800" spc="-1" strike="noStrike">
+            <a:endParaRPr lang="en-US" sz="1800" b="0" strike="noStrike" spc="-1">
               <a:solidFill>
                 <a:srgbClr val="000000"/>
               </a:solidFill>
               <a:uFill>
                 <a:solidFill>
-                  <a:srgbClr val="ffffff"/>
+                  <a:srgbClr val="FFFFFF"/>
                 </a:solidFill>
               </a:uFill>
               <a:latin typeface="Arial"/>
@@ -3185,13 +3555,13 @@
               </a:lnSpc>
             </a:pPr>
             <a:r>
-              <a:rPr b="1" lang="en-US" sz="1050" spc="-1" strike="noStrike">
-                <a:solidFill>
-                  <a:srgbClr val="77933c"/>
+              <a:rPr lang="en-US" sz="1050" b="1" strike="noStrike" spc="-1">
+                <a:solidFill>
+                  <a:srgbClr val="77933C"/>
                 </a:solidFill>
                 <a:uFill>
                   <a:solidFill>
-                    <a:srgbClr val="ffffff"/>
+                    <a:srgbClr val="FFFFFF"/>
                   </a:solidFill>
                 </a:uFill>
                 <a:latin typeface="Calibri"/>
@@ -3199,13 +3569,13 @@
               </a:rPr>
               <a:t>UiPart</a:t>
             </a:r>
-            <a:endParaRPr b="0" lang="en-US" sz="1800" spc="-1" strike="noStrike">
+            <a:endParaRPr lang="en-US" sz="1800" b="0" strike="noStrike" spc="-1">
               <a:solidFill>
                 <a:srgbClr val="000000"/>
               </a:solidFill>
               <a:uFill>
                 <a:solidFill>
-                  <a:srgbClr val="ffffff"/>
+                  <a:srgbClr val="FFFFFF"/>
                 </a:solidFill>
               </a:uFill>
               <a:latin typeface="Arial"/>
@@ -3234,7 +3604,7 @@
             <a:round/>
           </a:ln>
           <a:effectLst>
-            <a:outerShdw blurRad="40000" dir="5400000" dist="20000" rotWithShape="0">
+            <a:outerShdw blurRad="40000" dist="20000" dir="5400000" rotWithShape="0">
               <a:srgbClr val="000000">
                 <a:alpha val="38000"/>
               </a:srgbClr>
@@ -3275,7 +3645,7 @@
             <a:round/>
           </a:ln>
           <a:effectLst>
-            <a:outerShdw blurRad="40000" dir="5400000" dist="20000" rotWithShape="0">
+            <a:outerShdw blurRad="40000" dist="20000" dir="5400000" rotWithShape="0">
               <a:srgbClr val="000000">
                 <a:alpha val="38000"/>
               </a:srgbClr>
@@ -3316,7 +3686,7 @@
             <a:round/>
           </a:ln>
           <a:effectLst>
-            <a:outerShdw blurRad="40000" dir="5400000" dist="20000" rotWithShape="0">
+            <a:outerShdw blurRad="40000" dist="20000" dir="5400000" rotWithShape="0">
               <a:srgbClr val="000000">
                 <a:alpha val="38000"/>
               </a:srgbClr>
@@ -3357,7 +3727,7 @@
             <a:round/>
           </a:ln>
           <a:effectLst>
-            <a:outerShdw blurRad="40000" dir="5400000" dist="20000" rotWithShape="0">
+            <a:outerShdw blurRad="40000" dist="20000" dir="5400000" rotWithShape="0">
               <a:srgbClr val="000000">
                 <a:alpha val="38000"/>
               </a:srgbClr>
@@ -3398,7 +3768,7 @@
             <a:round/>
           </a:ln>
           <a:effectLst>
-            <a:outerShdw blurRad="40000" dir="5400000" dist="20000" rotWithShape="0">
+            <a:outerShdw blurRad="40000" dist="20000" dir="5400000" rotWithShape="0">
               <a:srgbClr val="000000">
                 <a:alpha val="38000"/>
               </a:srgbClr>
@@ -3439,7 +3809,7 @@
             <a:round/>
           </a:ln>
           <a:effectLst>
-            <a:outerShdw blurRad="40000" dir="5400000" dist="20000" rotWithShape="0">
+            <a:outerShdw blurRad="40000" dist="20000" dir="5400000" rotWithShape="0">
               <a:srgbClr val="000000">
                 <a:alpha val="38000"/>
               </a:srgbClr>
@@ -3466,7 +3836,7 @@
           <p:nvPr/>
         </p:nvSpPr>
         <p:spPr>
-          <a:xfrm flipH="1" flipV="1" rot="5400000">
+          <a:xfrm rot="5400000" flipH="1" flipV="1">
             <a:off x="5283360" y="-2129400"/>
             <a:ext cx="218880" cy="5269320"/>
           </a:xfrm>
@@ -3475,13 +3845,13 @@
           </a:prstGeom>
           <a:ln w="19080">
             <a:solidFill>
-              <a:srgbClr val="00b050"/>
+              <a:srgbClr val="00B050"/>
             </a:solidFill>
             <a:round/>
-            <a:tailEnd len="med" type="arrow" w="med"/>
+            <a:tailEnd type="arrow" w="med" len="med"/>
           </a:ln>
           <a:effectLst>
-            <a:outerShdw blurRad="40000" dir="5400000" dist="20000" rotWithShape="0">
+            <a:outerShdw blurRad="40000" dist="20000" dir="5400000" rotWithShape="0">
               <a:srgbClr val="000000">
                 <a:alpha val="38000"/>
               </a:srgbClr>
@@ -3527,7 +3897,7 @@
             <a:noFill/>
           </a:ln>
           <a:effectLst>
-            <a:outerShdw blurRad="40000" dir="5400000" dist="20000" rotWithShape="0">
+            <a:outerShdw blurRad="40000" dist="20000" dir="5400000" rotWithShape="0">
               <a:srgbClr val="000000">
                 <a:alpha val="38000"/>
               </a:srgbClr>
@@ -3547,7 +3917,8 @@
           <a:fontRef idx="minor"/>
         </p:style>
         <p:txBody>
-          <a:bodyPr lIns="90000" rIns="90000" tIns="45000" bIns="45000" anchor="ctr"/>
+          <a:bodyPr lIns="90000" tIns="45000" rIns="90000" bIns="45000" anchor="ctr"/>
+          <a:lstStyle/>
           <a:p>
             <a:pPr algn="ctr">
               <a:lnSpc>
@@ -3555,13 +3926,13 @@
               </a:lnSpc>
             </a:pPr>
             <a:r>
-              <a:rPr b="1" lang="en-US" sz="1100" spc="-1" strike="noStrike">
-                <a:solidFill>
-                  <a:srgbClr val="ffffff"/>
+              <a:rPr lang="en-US" sz="1100" b="1" strike="noStrike" spc="-1">
+                <a:solidFill>
+                  <a:srgbClr val="FFFFFF"/>
                 </a:solidFill>
                 <a:uFill>
                   <a:solidFill>
-                    <a:srgbClr val="ffffff"/>
+                    <a:srgbClr val="FFFFFF"/>
                   </a:solidFill>
                 </a:uFill>
                 <a:latin typeface="Calibri"/>
@@ -3569,13 +3940,13 @@
               </a:rPr>
               <a:t>Model</a:t>
             </a:r>
-            <a:endParaRPr b="0" lang="en-US" sz="1800" spc="-1" strike="noStrike">
+            <a:endParaRPr lang="en-US" sz="1800" b="0" strike="noStrike" spc="-1">
               <a:solidFill>
                 <a:srgbClr val="000000"/>
               </a:solidFill>
               <a:uFill>
                 <a:solidFill>
-                  <a:srgbClr val="ffffff"/>
+                  <a:srgbClr val="FFFFFF"/>
                 </a:solidFill>
               </a:uFill>
               <a:latin typeface="Arial"/>
@@ -3598,16 +3969,16 @@
             <a:avLst/>
           </a:prstGeom>
           <a:solidFill>
-            <a:srgbClr val="00b050"/>
+            <a:srgbClr val="00B050"/>
           </a:solidFill>
           <a:ln w="19080">
             <a:solidFill>
-              <a:srgbClr val="00b050"/>
+              <a:srgbClr val="00B050"/>
             </a:solidFill>
             <a:round/>
           </a:ln>
           <a:effectLst>
-            <a:outerShdw blurRad="40000" dir="5400000" dist="20000" rotWithShape="0">
+            <a:outerShdw blurRad="40000" dist="20000" dir="5400000" rotWithShape="0">
               <a:srgbClr val="000000">
                 <a:alpha val="38000"/>
               </a:srgbClr>
@@ -3627,7 +3998,8 @@
           <a:fontRef idx="minor"/>
         </p:style>
         <p:txBody>
-          <a:bodyPr lIns="90000" rIns="90000" tIns="45000" bIns="45000" anchor="ctr"/>
+          <a:bodyPr lIns="90000" tIns="45000" rIns="90000" bIns="45000" anchor="ctr"/>
+          <a:lstStyle/>
           <a:p>
             <a:pPr algn="ctr">
               <a:lnSpc>
@@ -3635,13 +4007,13 @@
               </a:lnSpc>
             </a:pPr>
             <a:r>
-              <a:rPr b="0" lang="en-US" sz="1050" spc="-1" strike="noStrike">
-                <a:solidFill>
-                  <a:srgbClr val="ffffff"/>
+              <a:rPr lang="en-US" sz="1050" b="0" strike="noStrike" spc="-1">
+                <a:solidFill>
+                  <a:srgbClr val="FFFFFF"/>
                 </a:solidFill>
                 <a:uFill>
                   <a:solidFill>
-                    <a:srgbClr val="ffffff"/>
+                    <a:srgbClr val="FFFFFF"/>
                   </a:solidFill>
                 </a:uFill>
                 <a:latin typeface="Calibri"/>
@@ -3649,13 +4021,13 @@
               </a:rPr>
               <a:t>&lt;&lt;interface&gt;&gt;</a:t>
             </a:r>
-            <a:endParaRPr b="0" lang="en-US" sz="1800" spc="-1" strike="noStrike">
+            <a:endParaRPr lang="en-US" sz="1800" b="0" strike="noStrike" spc="-1">
               <a:solidFill>
                 <a:srgbClr val="000000"/>
               </a:solidFill>
               <a:uFill>
                 <a:solidFill>
-                  <a:srgbClr val="ffffff"/>
+                  <a:srgbClr val="FFFFFF"/>
                 </a:solidFill>
               </a:uFill>
               <a:latin typeface="Arial"/>
@@ -3668,13 +4040,13 @@
               </a:lnSpc>
             </a:pPr>
             <a:r>
-              <a:rPr b="0" lang="en-US" sz="1050" spc="-1" strike="noStrike">
-                <a:solidFill>
-                  <a:srgbClr val="ffffff"/>
+              <a:rPr lang="en-US" sz="1050" b="0" strike="noStrike" spc="-1">
+                <a:solidFill>
+                  <a:srgbClr val="FFFFFF"/>
                 </a:solidFill>
                 <a:uFill>
                   <a:solidFill>
-                    <a:srgbClr val="ffffff"/>
+                    <a:srgbClr val="FFFFFF"/>
                   </a:solidFill>
                 </a:uFill>
                 <a:latin typeface="Calibri"/>
@@ -3682,13 +4054,13 @@
               </a:rPr>
               <a:t>Ui</a:t>
             </a:r>
-            <a:endParaRPr b="0" lang="en-US" sz="1800" spc="-1" strike="noStrike">
+            <a:endParaRPr lang="en-US" sz="1800" b="0" strike="noStrike" spc="-1">
               <a:solidFill>
                 <a:srgbClr val="000000"/>
               </a:solidFill>
               <a:uFill>
                 <a:solidFill>
-                  <a:srgbClr val="ffffff"/>
+                  <a:srgbClr val="FFFFFF"/>
                 </a:solidFill>
               </a:uFill>
               <a:latin typeface="Arial"/>
@@ -3714,12 +4086,12 @@
           </a:prstGeom>
           <a:ln w="19080">
             <a:solidFill>
-              <a:srgbClr val="00b050"/>
+              <a:srgbClr val="00B050"/>
             </a:solidFill>
             <a:round/>
           </a:ln>
           <a:effectLst>
-            <a:outerShdw blurRad="40000" dir="5400000" dist="20000" rotWithShape="0">
+            <a:outerShdw blurRad="40000" dist="20000" dir="5400000" rotWithShape="0">
               <a:srgbClr val="000000">
                 <a:alpha val="38000"/>
               </a:srgbClr>
@@ -3746,7 +4118,7 @@
           <p:nvPr/>
         </p:nvSpPr>
         <p:spPr>
-          <a:xfrm flipV="1" rot="10800000">
+          <a:xfrm rot="10800000" flipV="1">
             <a:off x="2061000" y="1261080"/>
             <a:ext cx="759600" cy="439920"/>
           </a:xfrm>
@@ -3755,7 +4127,7 @@
           </a:prstGeom>
           <a:ln w="19080">
             <a:solidFill>
-              <a:srgbClr val="00b050"/>
+              <a:srgbClr val="00B050"/>
             </a:solidFill>
             <a:custDash>
               <a:ds d="100000" sp="100000"/>
@@ -3763,7 +4135,7 @@
             <a:round/>
           </a:ln>
           <a:effectLst>
-            <a:outerShdw blurRad="40000" dir="5400000" dist="20000" rotWithShape="0">
+            <a:outerShdw blurRad="40000" dist="20000" dir="5400000" rotWithShape="0">
               <a:srgbClr val="000000">
                 <a:alpha val="38000"/>
               </a:srgbClr>
@@ -3790,7 +4162,7 @@
           <p:nvPr/>
         </p:nvSpPr>
         <p:spPr>
-          <a:xfrm flipH="1" rot="16200000">
+          <a:xfrm rot="16200000" flipH="1">
             <a:off x="2223720" y="2279520"/>
             <a:ext cx="714600" cy="224280"/>
           </a:xfrm>
@@ -3802,10 +4174,10 @@
               <a:schemeClr val="accent3"/>
             </a:solidFill>
             <a:round/>
-            <a:tailEnd len="med" type="arrow" w="med"/>
+            <a:tailEnd type="arrow" w="med" len="med"/>
           </a:ln>
           <a:effectLst>
-            <a:outerShdw blurRad="40000" dir="5400000" dist="20000" rotWithShape="0">
+            <a:outerShdw blurRad="40000" dist="20000" dir="5400000" rotWithShape="0">
               <a:srgbClr val="000000">
                 <a:alpha val="38000"/>
               </a:srgbClr>
@@ -3846,7 +4218,7 @@
             <a:round/>
           </a:ln>
           <a:effectLst>
-            <a:outerShdw blurRad="40000" dir="5400000" dist="20000" rotWithShape="0">
+            <a:outerShdw blurRad="40000" dist="20000" dir="5400000" rotWithShape="0">
               <a:srgbClr val="000000">
                 <a:alpha val="38000"/>
               </a:srgbClr>
@@ -3873,7 +4245,7 @@
           <p:nvPr/>
         </p:nvSpPr>
         <p:spPr>
-          <a:xfrm flipH="1" rot="16200000">
+          <a:xfrm rot="16200000" flipH="1">
             <a:off x="3667320" y="4033800"/>
             <a:ext cx="278640" cy="816480"/>
           </a:xfrm>
@@ -3885,10 +4257,10 @@
               <a:schemeClr val="accent3"/>
             </a:solidFill>
             <a:round/>
-            <a:tailEnd len="med" type="arrow" w="med"/>
+            <a:tailEnd type="arrow" w="med" len="med"/>
           </a:ln>
           <a:effectLst>
-            <a:outerShdw blurRad="40000" dir="5400000" dist="20000" rotWithShape="0">
+            <a:outerShdw blurRad="40000" dist="20000" dir="5400000" rotWithShape="0">
               <a:srgbClr val="000000">
                 <a:alpha val="38000"/>
               </a:srgbClr>
@@ -3929,7 +4301,7 @@
             <a:round/>
           </a:ln>
           <a:effectLst>
-            <a:outerShdw blurRad="40000" dir="5400000" dist="20000" rotWithShape="0">
+            <a:outerShdw blurRad="40000" dist="20000" dir="5400000" rotWithShape="0">
               <a:srgbClr val="000000">
                 <a:alpha val="38000"/>
               </a:srgbClr>
@@ -4007,6 +4379,7 @@
             <a:avLst/>
             <a:gdLst/>
             <a:ahLst/>
+            <a:cxnLst/>
             <a:rect l="l" t="t" r="r" b="b"/>
             <a:pathLst>
               <a:path w="3048000" h="203200">
@@ -4028,10 +4401,10 @@
               <a:schemeClr val="accent3"/>
             </a:solidFill>
             <a:round/>
-            <a:tailEnd len="med" type="arrow" w="med"/>
+            <a:tailEnd type="arrow" w="med" len="med"/>
           </a:ln>
           <a:effectLst>
-            <a:outerShdw blurRad="40000" dir="5400000" dist="20000" rotWithShape="0">
+            <a:outerShdw blurRad="40000" dist="20000" dir="5400000" rotWithShape="0">
               <a:srgbClr val="000000">
                 <a:alpha val="38000"/>
               </a:srgbClr>
@@ -4109,6 +4482,7 @@
             <a:avLst/>
             <a:gdLst/>
             <a:ahLst/>
+            <a:cxnLst/>
             <a:rect l="l" t="t" r="r" b="b"/>
             <a:pathLst>
               <a:path w="3048000" h="203200">
@@ -4133,10 +4507,10 @@
               <a:ds d="100000" sp="100000"/>
             </a:custDash>
             <a:round/>
-            <a:tailEnd len="med" type="arrow" w="med"/>
+            <a:tailEnd type="arrow" w="med" len="med"/>
           </a:ln>
           <a:effectLst>
-            <a:outerShdw blurRad="40000" dir="5400000" dist="20000" rotWithShape="0">
+            <a:outerShdw blurRad="40000" dist="20000" dir="5400000" rotWithShape="0">
               <a:srgbClr val="000000">
                 <a:alpha val="38000"/>
               </a:srgbClr>
@@ -4177,10 +4551,10 @@
               <a:schemeClr val="accent3"/>
             </a:solidFill>
             <a:round/>
-            <a:tailEnd len="med" type="arrow" w="med"/>
+            <a:tailEnd type="arrow" w="med" len="med"/>
           </a:ln>
           <a:effectLst>
-            <a:outerShdw blurRad="40000" dir="5400000" dist="20000" rotWithShape="0">
+            <a:outerShdw blurRad="40000" dist="20000" dir="5400000" rotWithShape="0">
               <a:srgbClr val="000000">
                 <a:alpha val="38000"/>
               </a:srgbClr>
@@ -4221,7 +4595,7 @@
             <a:round/>
           </a:ln>
           <a:effectLst>
-            <a:outerShdw blurRad="40000" dir="5400000" dist="20000" rotWithShape="0">
+            <a:outerShdw blurRad="40000" dist="20000" dir="5400000" rotWithShape="0">
               <a:srgbClr val="000000">
                 <a:alpha val="38000"/>
               </a:srgbClr>
@@ -4241,7 +4615,8 @@
           <a:fontRef idx="minor"/>
         </p:style>
         <p:txBody>
-          <a:bodyPr lIns="90000" rIns="90000" tIns="45000" bIns="45000" anchor="ctr"/>
+          <a:bodyPr lIns="90000" tIns="45000" rIns="90000" bIns="45000" anchor="ctr"/>
+          <a:lstStyle/>
           <a:p>
             <a:pPr algn="ctr">
               <a:lnSpc>
@@ -4249,27 +4624,27 @@
               </a:lnSpc>
             </a:pPr>
             <a:r>
-              <a:rPr b="1" lang="en-US" sz="1050" spc="-1" strike="noStrike">
-                <a:solidFill>
-                  <a:srgbClr val="77933c"/>
+              <a:rPr lang="en-US" sz="1050" b="1" strike="noStrike" spc="-1" dirty="0" err="1" smtClean="0">
+                <a:solidFill>
+                  <a:srgbClr val="77933C"/>
                 </a:solidFill>
                 <a:uFill>
                   <a:solidFill>
-                    <a:srgbClr val="ffffff"/>
+                    <a:srgbClr val="FFFFFF"/>
                   </a:solidFill>
                 </a:uFill>
                 <a:latin typeface="Calibri"/>
                 <a:ea typeface="DejaVu Sans"/>
               </a:rPr>
-              <a:t>TaskDetails</a:t>
+              <a:t>TaskDetail</a:t>
             </a:r>
-            <a:endParaRPr b="0" lang="en-US" sz="1800" spc="-1" strike="noStrike">
+            <a:endParaRPr lang="en-US" sz="1800" b="0" strike="noStrike" spc="-1" dirty="0">
               <a:solidFill>
                 <a:srgbClr val="000000"/>
               </a:solidFill>
               <a:uFill>
                 <a:solidFill>
-                  <a:srgbClr val="ffffff"/>
+                  <a:srgbClr val="FFFFFF"/>
                 </a:solidFill>
               </a:uFill>
               <a:latin typeface="Arial"/>
@@ -4300,7 +4675,7 @@
             <a:round/>
           </a:ln>
           <a:effectLst>
-            <a:outerShdw blurRad="40000" dir="5400000" dist="20000" rotWithShape="0">
+            <a:outerShdw blurRad="40000" dist="20000" dir="5400000" rotWithShape="0">
               <a:srgbClr val="000000">
                 <a:alpha val="38000"/>
               </a:srgbClr>
@@ -4341,7 +4716,7 @@
             <a:round/>
           </a:ln>
           <a:effectLst>
-            <a:outerShdw blurRad="40000" dir="5400000" dist="20000" rotWithShape="0">
+            <a:outerShdw blurRad="40000" dist="20000" dir="5400000" rotWithShape="0">
               <a:srgbClr val="000000">
                 <a:alpha val="38000"/>
               </a:srgbClr>
@@ -4361,7 +4736,8 @@
           <a:fontRef idx="minor"/>
         </p:style>
         <p:txBody>
-          <a:bodyPr lIns="90000" rIns="90000" tIns="45000" bIns="45000" anchor="ctr"/>
+          <a:bodyPr lIns="90000" tIns="45000" rIns="90000" bIns="45000" anchor="ctr"/>
+          <a:lstStyle/>
           <a:p>
             <a:pPr algn="ctr">
               <a:lnSpc>
@@ -4369,13 +4745,13 @@
               </a:lnSpc>
             </a:pPr>
             <a:r>
-              <a:rPr b="1" lang="en-US" sz="1050" spc="-1" strike="noStrike">
-                <a:solidFill>
-                  <a:srgbClr val="77933c"/>
+              <a:rPr lang="en-US" sz="1050" b="1" strike="noStrike" spc="-1">
+                <a:solidFill>
+                  <a:srgbClr val="77933C"/>
                 </a:solidFill>
                 <a:uFill>
                   <a:solidFill>
-                    <a:srgbClr val="ffffff"/>
+                    <a:srgbClr val="FFFFFF"/>
                   </a:solidFill>
                 </a:uFill>
                 <a:latin typeface="Calibri"/>
@@ -4383,13 +4759,13 @@
               </a:rPr>
               <a:t>HelpWindow</a:t>
             </a:r>
-            <a:endParaRPr b="0" lang="en-US" sz="1800" spc="-1" strike="noStrike">
+            <a:endParaRPr lang="en-US" sz="1800" b="0" strike="noStrike" spc="-1">
               <a:solidFill>
                 <a:srgbClr val="000000"/>
               </a:solidFill>
               <a:uFill>
                 <a:solidFill>
-                  <a:srgbClr val="ffffff"/>
+                  <a:srgbClr val="FFFFFF"/>
                 </a:solidFill>
               </a:uFill>
               <a:latin typeface="Arial"/>
@@ -4404,7 +4780,7 @@
           <p:nvPr/>
         </p:nvSpPr>
         <p:spPr>
-          <a:xfrm flipH="1" rot="16200000">
+          <a:xfrm rot="16200000" flipH="1">
             <a:off x="724680" y="3569040"/>
             <a:ext cx="3716280" cy="228600"/>
           </a:xfrm>
@@ -4416,10 +4792,10 @@
               <a:schemeClr val="accent3"/>
             </a:solidFill>
             <a:round/>
-            <a:tailEnd len="med" type="arrow" w="med"/>
+            <a:tailEnd type="arrow" w="med" len="med"/>
           </a:ln>
           <a:effectLst>
-            <a:outerShdw blurRad="40000" dir="5400000" dist="20000" rotWithShape="0">
+            <a:outerShdw blurRad="40000" dist="20000" dir="5400000" rotWithShape="0">
               <a:srgbClr val="000000">
                 <a:alpha val="38000"/>
               </a:srgbClr>
@@ -4460,7 +4836,7 @@
             <a:round/>
           </a:ln>
           <a:effectLst>
-            <a:outerShdw blurRad="40000" dir="5400000" dist="20000" rotWithShape="0">
+            <a:outerShdw blurRad="40000" dist="20000" dir="5400000" rotWithShape="0">
               <a:srgbClr val="000000">
                 <a:alpha val="38000"/>
               </a:srgbClr>
@@ -4482,6 +4858,9 @@
       </p:sp>
     </p:spTree>
   </p:cSld>
+  <p:clrMapOvr>
+    <a:masterClrMapping/>
+  </p:clrMapOvr>
   <p:timing>
     <p:tnLst>
       <p:par>
@@ -4490,14 +4869,14 @@
             <p:seq>
               <p:cTn id="2" nodeType="mainSeq"/>
               <p:prevCondLst>
-                <p:cond delay="0" evt="onPrev">
+                <p:cond evt="onPrev" delay="0">
                   <p:tgtEl>
                     <p:sldTgt/>
                   </p:tgtEl>
                 </p:cond>
               </p:prevCondLst>
               <p:nextCondLst>
-                <p:cond delay="0" evt="onNext">
+                <p:cond evt="onNext" delay="0">
                   <p:tgtEl>
                     <p:sldTgt/>
                   </p:tgtEl>
@@ -4732,5 +5111,7 @@
       </a:bgFillStyleLst>
     </a:fmtScheme>
   </a:themeElements>
+  <a:objectDefaults/>
+  <a:extraClrSchemeLst/>
 </a:theme>
 </file>